--- a/dc3/doc/framework/iot-dc3-architecture.pptx
+++ b/dc3/doc/framework/iot-dc3-architecture.pptx
@@ -205,7 +205,7 @@
           <a:p>
             <a:fld id="{6EE3B9A8-D85C-445A-8AE4-653E2C11D910}" type="datetimeFigureOut">
               <a:rPr lang="zh-CN" altLang="en-US" smtClean="0"/>
-              <a:t>2019/11/26</a:t>
+              <a:t>2020/2/22</a:t>
             </a:fld>
             <a:endParaRPr lang="zh-CN" altLang="en-US"/>
           </a:p>
@@ -787,7 +787,7 @@
           <a:p>
             <a:fld id="{9BF28833-E291-4948-8DAA-251BCB67763B}" type="datetimeFigureOut">
               <a:rPr lang="zh-CN" altLang="en-US" smtClean="0"/>
-              <a:t>2019/11/26</a:t>
+              <a:t>2020/2/22</a:t>
             </a:fld>
             <a:endParaRPr lang="zh-CN" altLang="en-US"/>
           </a:p>
@@ -985,7 +985,7 @@
           <a:p>
             <a:fld id="{9BF28833-E291-4948-8DAA-251BCB67763B}" type="datetimeFigureOut">
               <a:rPr lang="zh-CN" altLang="en-US" smtClean="0"/>
-              <a:t>2019/11/26</a:t>
+              <a:t>2020/2/22</a:t>
             </a:fld>
             <a:endParaRPr lang="zh-CN" altLang="en-US"/>
           </a:p>
@@ -1193,7 +1193,7 @@
           <a:p>
             <a:fld id="{9BF28833-E291-4948-8DAA-251BCB67763B}" type="datetimeFigureOut">
               <a:rPr lang="zh-CN" altLang="en-US" smtClean="0"/>
-              <a:t>2019/11/26</a:t>
+              <a:t>2020/2/22</a:t>
             </a:fld>
             <a:endParaRPr lang="zh-CN" altLang="en-US"/>
           </a:p>
@@ -1391,7 +1391,7 @@
           <a:p>
             <a:fld id="{9BF28833-E291-4948-8DAA-251BCB67763B}" type="datetimeFigureOut">
               <a:rPr lang="zh-CN" altLang="en-US" smtClean="0"/>
-              <a:t>2019/11/26</a:t>
+              <a:t>2020/2/22</a:t>
             </a:fld>
             <a:endParaRPr lang="zh-CN" altLang="en-US"/>
           </a:p>
@@ -1666,7 +1666,7 @@
           <a:p>
             <a:fld id="{9BF28833-E291-4948-8DAA-251BCB67763B}" type="datetimeFigureOut">
               <a:rPr lang="zh-CN" altLang="en-US" smtClean="0"/>
-              <a:t>2019/11/26</a:t>
+              <a:t>2020/2/22</a:t>
             </a:fld>
             <a:endParaRPr lang="zh-CN" altLang="en-US"/>
           </a:p>
@@ -1931,7 +1931,7 @@
           <a:p>
             <a:fld id="{9BF28833-E291-4948-8DAA-251BCB67763B}" type="datetimeFigureOut">
               <a:rPr lang="zh-CN" altLang="en-US" smtClean="0"/>
-              <a:t>2019/11/26</a:t>
+              <a:t>2020/2/22</a:t>
             </a:fld>
             <a:endParaRPr lang="zh-CN" altLang="en-US"/>
           </a:p>
@@ -2343,7 +2343,7 @@
           <a:p>
             <a:fld id="{9BF28833-E291-4948-8DAA-251BCB67763B}" type="datetimeFigureOut">
               <a:rPr lang="zh-CN" altLang="en-US" smtClean="0"/>
-              <a:t>2019/11/26</a:t>
+              <a:t>2020/2/22</a:t>
             </a:fld>
             <a:endParaRPr lang="zh-CN" altLang="en-US"/>
           </a:p>
@@ -2484,7 +2484,7 @@
           <a:p>
             <a:fld id="{9BF28833-E291-4948-8DAA-251BCB67763B}" type="datetimeFigureOut">
               <a:rPr lang="zh-CN" altLang="en-US" smtClean="0"/>
-              <a:t>2019/11/26</a:t>
+              <a:t>2020/2/22</a:t>
             </a:fld>
             <a:endParaRPr lang="zh-CN" altLang="en-US"/>
           </a:p>
@@ -2597,7 +2597,7 @@
           <a:p>
             <a:fld id="{9BF28833-E291-4948-8DAA-251BCB67763B}" type="datetimeFigureOut">
               <a:rPr lang="zh-CN" altLang="en-US" smtClean="0"/>
-              <a:t>2019/11/26</a:t>
+              <a:t>2020/2/22</a:t>
             </a:fld>
             <a:endParaRPr lang="zh-CN" altLang="en-US"/>
           </a:p>
@@ -2908,7 +2908,7 @@
           <a:p>
             <a:fld id="{9BF28833-E291-4948-8DAA-251BCB67763B}" type="datetimeFigureOut">
               <a:rPr lang="zh-CN" altLang="en-US" smtClean="0"/>
-              <a:t>2019/11/26</a:t>
+              <a:t>2020/2/22</a:t>
             </a:fld>
             <a:endParaRPr lang="zh-CN" altLang="en-US"/>
           </a:p>
@@ -3196,7 +3196,7 @@
           <a:p>
             <a:fld id="{9BF28833-E291-4948-8DAA-251BCB67763B}" type="datetimeFigureOut">
               <a:rPr lang="zh-CN" altLang="en-US" smtClean="0"/>
-              <a:t>2019/11/26</a:t>
+              <a:t>2020/2/22</a:t>
             </a:fld>
             <a:endParaRPr lang="zh-CN" altLang="en-US"/>
           </a:p>
@@ -3437,7 +3437,7 @@
           <a:p>
             <a:fld id="{9BF28833-E291-4948-8DAA-251BCB67763B}" type="datetimeFigureOut">
               <a:rPr lang="zh-CN" altLang="en-US" smtClean="0"/>
-              <a:t>2019/11/26</a:t>
+              <a:t>2020/2/22</a:t>
             </a:fld>
             <a:endParaRPr lang="zh-CN" altLang="en-US"/>
           </a:p>
@@ -4039,14 +4039,24 @@
           <a:p>
             <a:pPr algn="ctr"/>
             <a:r>
-              <a:rPr lang="zh-CN" altLang="en-US" sz="1400" dirty="0">
+              <a:rPr lang="zh-CN" altLang="en-US" sz="1400" dirty="0" smtClean="0">
                 <a:solidFill>
                   <a:schemeClr val="tx1"/>
                 </a:solidFill>
                 <a:latin typeface="Microsoft YaHei UI" panose="020B0503020204020204" pitchFamily="34" charset="-122"/>
                 <a:ea typeface="Microsoft YaHei UI" panose="020B0503020204020204" pitchFamily="34" charset="-122"/>
               </a:rPr>
-              <a:t>开放微服务层</a:t>
+              <a:t>开放</a:t>
+            </a:r>
+            <a:r>
+              <a:rPr lang="zh-CN" altLang="en-US" sz="1400" dirty="0">
+                <a:solidFill>
+                  <a:schemeClr val="tx1"/>
+                </a:solidFill>
+                <a:latin typeface="Microsoft YaHei UI" panose="020B0503020204020204" pitchFamily="34" charset="-122"/>
+                <a:ea typeface="Microsoft YaHei UI" panose="020B0503020204020204" pitchFamily="34" charset="-122"/>
+              </a:rPr>
+              <a:t>微服务层</a:t>
             </a:r>
           </a:p>
         </p:txBody>
@@ -4789,14 +4799,24 @@
           <a:p>
             <a:pPr algn="ctr"/>
             <a:r>
-              <a:rPr lang="zh-CN" altLang="en-US" sz="1400" dirty="0">
+              <a:rPr lang="zh-CN" altLang="en-US" sz="1400" dirty="0" smtClean="0">
                 <a:solidFill>
                   <a:schemeClr val="tx1"/>
                 </a:solidFill>
                 <a:latin typeface="Microsoft YaHei UI" panose="020B0503020204020204" pitchFamily="34" charset="-122"/>
                 <a:ea typeface="Microsoft YaHei UI" panose="020B0503020204020204" pitchFamily="34" charset="-122"/>
               </a:rPr>
-              <a:t>设备服务拓展</a:t>
+              <a:t>驱动服务</a:t>
+            </a:r>
+            <a:r>
+              <a:rPr lang="zh-CN" altLang="en-US" sz="1400" dirty="0">
+                <a:solidFill>
+                  <a:schemeClr val="tx1"/>
+                </a:solidFill>
+                <a:latin typeface="Microsoft YaHei UI" panose="020B0503020204020204" pitchFamily="34" charset="-122"/>
+                <a:ea typeface="Microsoft YaHei UI" panose="020B0503020204020204" pitchFamily="34" charset="-122"/>
+              </a:rPr>
+              <a:t>拓展</a:t>
             </a:r>
             <a:r>
               <a:rPr lang="en-US" altLang="zh-CN" sz="1400" dirty="0">
@@ -4832,8 +4852,8 @@
         </p:nvSpPr>
         <p:spPr>
           <a:xfrm>
-            <a:off x="8384705" y="5910490"/>
-            <a:ext cx="1107923" cy="684635"/>
+            <a:off x="7722809" y="5910490"/>
+            <a:ext cx="1968305" cy="684635"/>
           </a:xfrm>
           <a:prstGeom prst="wedgeRoundRectCallout">
             <a:avLst>
@@ -4878,11 +4898,18 @@
           <a:lstStyle/>
           <a:p>
             <a:r>
-              <a:rPr lang="en-US" altLang="zh-CN" sz="1400" dirty="0">
+              <a:rPr lang="en-US" altLang="zh-CN" sz="1400" dirty="0" smtClean="0">
                 <a:latin typeface="Microsoft YaHei UI" panose="020B0503020204020204" pitchFamily="34" charset="-122"/>
                 <a:ea typeface="Microsoft YaHei UI" panose="020B0503020204020204" pitchFamily="34" charset="-122"/>
               </a:rPr>
-              <a:t>SDK</a:t>
+              <a:t>SDK </a:t>
+            </a:r>
+            <a:r>
+              <a:rPr lang="zh-CN" altLang="en-US" sz="1400" dirty="0" smtClean="0">
+                <a:latin typeface="Microsoft YaHei UI" panose="020B0503020204020204" pitchFamily="34" charset="-122"/>
+                <a:ea typeface="Microsoft YaHei UI" panose="020B0503020204020204" pitchFamily="34" charset="-122"/>
+              </a:rPr>
+              <a:t>快速开发</a:t>
             </a:r>
             <a:endParaRPr lang="zh-CN" altLang="en-US" sz="1400" dirty="0">
               <a:latin typeface="Microsoft YaHei UI" panose="020B0503020204020204" pitchFamily="34" charset="-122"/>
@@ -5199,8 +5226,8 @@
         </p:nvSpPr>
         <p:spPr>
           <a:xfrm>
-            <a:off x="10205745" y="963922"/>
-            <a:ext cx="491199" cy="984743"/>
+            <a:off x="10205745" y="838932"/>
+            <a:ext cx="491199" cy="1122330"/>
           </a:xfrm>
           <a:prstGeom prst="roundRect">
             <a:avLst/>
@@ -5239,15 +5266,22 @@
           <a:p>
             <a:pPr algn="ctr"/>
             <a:r>
-              <a:rPr lang="zh-CN" altLang="en-US" sz="1400" dirty="0">
+              <a:rPr lang="zh-CN" altLang="en-US" sz="1400" dirty="0" smtClean="0">
                 <a:solidFill>
                   <a:schemeClr val="tx1"/>
                 </a:solidFill>
                 <a:latin typeface="Microsoft YaHei UI" panose="020B0503020204020204" pitchFamily="34" charset="-122"/>
                 <a:ea typeface="Microsoft YaHei UI" panose="020B0503020204020204" pitchFamily="34" charset="-122"/>
               </a:rPr>
-              <a:t>控制台</a:t>
-            </a:r>
+              <a:t>管理平台</a:t>
+            </a:r>
+            <a:endParaRPr lang="zh-CN" altLang="en-US" sz="1400" dirty="0">
+              <a:solidFill>
+                <a:schemeClr val="tx1"/>
+              </a:solidFill>
+              <a:latin typeface="Microsoft YaHei UI" panose="020B0503020204020204" pitchFamily="34" charset="-122"/>
+              <a:ea typeface="Microsoft YaHei UI" panose="020B0503020204020204" pitchFamily="34" charset="-122"/>
+            </a:endParaRPr>
           </a:p>
         </p:txBody>
       </p:sp>
@@ -5265,7 +5299,7 @@
         </p:nvSpPr>
         <p:spPr>
           <a:xfrm>
-            <a:off x="10205745" y="2255213"/>
+            <a:off x="10205745" y="2302505"/>
             <a:ext cx="491199" cy="875137"/>
           </a:xfrm>
           <a:prstGeom prst="roundRect">
@@ -5327,8 +5361,8 @@
         </p:nvSpPr>
         <p:spPr>
           <a:xfrm>
-            <a:off x="10205745" y="3469439"/>
-            <a:ext cx="491199" cy="875137"/>
+            <a:off x="10205745" y="3518885"/>
+            <a:ext cx="491199" cy="995589"/>
           </a:xfrm>
           <a:prstGeom prst="roundRect">
             <a:avLst/>
@@ -5363,15 +5397,22 @@
           <a:p>
             <a:pPr algn="ctr"/>
             <a:r>
-              <a:rPr lang="zh-CN" altLang="en-US" sz="1400" dirty="0">
+              <a:rPr lang="zh-CN" altLang="en-US" sz="1400" dirty="0" smtClean="0">
                 <a:solidFill>
                   <a:schemeClr val="tx1"/>
                 </a:solidFill>
                 <a:latin typeface="Microsoft YaHei UI" panose="020B0503020204020204" pitchFamily="34" charset="-122"/>
                 <a:ea typeface="Microsoft YaHei UI" panose="020B0503020204020204" pitchFamily="34" charset="-122"/>
               </a:rPr>
-              <a:t>部署</a:t>
-            </a:r>
+              <a:t>快速部署</a:t>
+            </a:r>
+            <a:endParaRPr lang="zh-CN" altLang="en-US" sz="1400" dirty="0">
+              <a:solidFill>
+                <a:schemeClr val="tx1"/>
+              </a:solidFill>
+              <a:latin typeface="Microsoft YaHei UI" panose="020B0503020204020204" pitchFamily="34" charset="-122"/>
+              <a:ea typeface="Microsoft YaHei UI" panose="020B0503020204020204" pitchFamily="34" charset="-122"/>
+            </a:endParaRPr>
           </a:p>
         </p:txBody>
       </p:sp>
@@ -5389,7 +5430,7 @@
         </p:nvSpPr>
         <p:spPr>
           <a:xfrm>
-            <a:off x="10205745" y="4661678"/>
+            <a:off x="10205744" y="4855718"/>
             <a:ext cx="491199" cy="1169674"/>
           </a:xfrm>
           <a:prstGeom prst="roundRect">
@@ -5660,8 +5701,8 @@
         </p:nvSpPr>
         <p:spPr>
           <a:xfrm>
-            <a:off x="3817843" y="3783038"/>
-            <a:ext cx="914400" cy="771668"/>
+            <a:off x="3817842" y="3783038"/>
+            <a:ext cx="1405093" cy="771668"/>
           </a:xfrm>
           <a:prstGeom prst="wedgeRoundRectCallout">
             <a:avLst>
@@ -5702,15 +5743,22 @@
           <a:p>
             <a:pPr algn="ctr"/>
             <a:r>
-              <a:rPr lang="zh-CN" altLang="en-US" sz="1400" dirty="0">
+              <a:rPr lang="zh-CN" altLang="en-US" sz="1400" dirty="0" smtClean="0">
                 <a:solidFill>
                   <a:schemeClr val="tx1"/>
                 </a:solidFill>
                 <a:latin typeface="Microsoft YaHei UI" panose="020B0503020204020204" pitchFamily="34" charset="-122"/>
                 <a:ea typeface="Microsoft YaHei UI" panose="020B0503020204020204" pitchFamily="34" charset="-122"/>
               </a:rPr>
-              <a:t>指令</a:t>
-            </a:r>
+              <a:t>交互操作</a:t>
+            </a:r>
+            <a:endParaRPr lang="en-US" altLang="zh-CN" sz="1400" dirty="0" smtClean="0">
+              <a:solidFill>
+                <a:schemeClr val="tx1"/>
+              </a:solidFill>
+              <a:latin typeface="Microsoft YaHei UI" panose="020B0503020204020204" pitchFamily="34" charset="-122"/>
+              <a:ea typeface="Microsoft YaHei UI" panose="020B0503020204020204" pitchFamily="34" charset="-122"/>
+            </a:endParaRPr>
           </a:p>
         </p:txBody>
       </p:sp>
@@ -5728,8 +5776,8 @@
         </p:nvSpPr>
         <p:spPr>
           <a:xfrm>
-            <a:off x="4844787" y="3783037"/>
-            <a:ext cx="2330097" cy="684635"/>
+            <a:off x="5335480" y="3783037"/>
+            <a:ext cx="1839404" cy="684635"/>
           </a:xfrm>
           <a:prstGeom prst="roundRect">
             <a:avLst/>
@@ -5768,14 +5816,24 @@
           <a:p>
             <a:pPr algn="ctr"/>
             <a:r>
-              <a:rPr lang="zh-CN" altLang="en-US" sz="1400" dirty="0">
+              <a:rPr lang="zh-CN" altLang="en-US" sz="1400" dirty="0" smtClean="0">
                 <a:solidFill>
                   <a:schemeClr val="tx1"/>
                 </a:solidFill>
                 <a:latin typeface="Microsoft YaHei UI" panose="020B0503020204020204" pitchFamily="34" charset="-122"/>
                 <a:ea typeface="Microsoft YaHei UI" panose="020B0503020204020204" pitchFamily="34" charset="-122"/>
               </a:rPr>
-              <a:t>设备添加、删除、操作库</a:t>
+              <a:t>设备操作</a:t>
+            </a:r>
+            <a:r>
+              <a:rPr lang="zh-CN" altLang="en-US" sz="1400" dirty="0">
+                <a:solidFill>
+                  <a:schemeClr val="tx1"/>
+                </a:solidFill>
+                <a:latin typeface="Microsoft YaHei UI" panose="020B0503020204020204" pitchFamily="34" charset="-122"/>
+                <a:ea typeface="Microsoft YaHei UI" panose="020B0503020204020204" pitchFamily="34" charset="-122"/>
+              </a:rPr>
+              <a:t>库</a:t>
             </a:r>
           </a:p>
         </p:txBody>
@@ -5914,10 +5972,10 @@
       </p:sp>
       <p:sp>
         <p:nvSpPr>
-          <p:cNvPr id="54" name="矩形: 圆角 53">
-            <a:extLst>
-              <a:ext uri="{FF2B5EF4-FFF2-40B4-BE49-F238E27FC236}">
-                <a16:creationId xmlns:a16="http://schemas.microsoft.com/office/drawing/2014/main" id="{365462D2-F439-4A55-BC7D-F18C8CC59DC8}"/>
+          <p:cNvPr id="55" name="矩形: 圆角 54">
+            <a:extLst>
+              <a:ext uri="{FF2B5EF4-FFF2-40B4-BE49-F238E27FC236}">
+                <a16:creationId xmlns:a16="http://schemas.microsoft.com/office/drawing/2014/main" id="{3984562F-523C-4D3B-B2CB-C10687464006}"/>
               </a:ext>
             </a:extLst>
           </p:cNvPr>
@@ -5926,70 +5984,8 @@
         </p:nvSpPr>
         <p:spPr>
           <a:xfrm>
-            <a:off x="2691722" y="2425484"/>
-            <a:ext cx="998804" cy="684635"/>
-          </a:xfrm>
-          <a:prstGeom prst="roundRect">
-            <a:avLst/>
-          </a:prstGeom>
-          <a:noFill/>
-          <a:ln>
-            <a:solidFill>
-              <a:schemeClr val="accent1">
-                <a:lumMod val="40000"/>
-                <a:lumOff val="60000"/>
-              </a:schemeClr>
-            </a:solidFill>
-          </a:ln>
-        </p:spPr>
-        <p:style>
-          <a:lnRef idx="0">
-            <a:scrgbClr r="0" g="0" b="0"/>
-          </a:lnRef>
-          <a:fillRef idx="0">
-            <a:scrgbClr r="0" g="0" b="0"/>
-          </a:fillRef>
-          <a:effectRef idx="0">
-            <a:scrgbClr r="0" g="0" b="0"/>
-          </a:effectRef>
-          <a:fontRef idx="minor">
-            <a:schemeClr val="lt1"/>
-          </a:fontRef>
-        </p:style>
-        <p:txBody>
-          <a:bodyPr rtlCol="0" anchor="ctr"/>
-          <a:lstStyle/>
-          <a:p>
-            <a:pPr algn="ctr"/>
-            <a:r>
-              <a:rPr lang="zh-CN" altLang="en-US" sz="1400" dirty="0">
-                <a:solidFill>
-                  <a:schemeClr val="tx1"/>
-                </a:solidFill>
-                <a:latin typeface="Microsoft YaHei UI" panose="020B0503020204020204" pitchFamily="34" charset="-122"/>
-                <a:ea typeface="Microsoft YaHei UI" panose="020B0503020204020204" pitchFamily="34" charset="-122"/>
-              </a:rPr>
-              <a:t>规则引擎</a:t>
-            </a:r>
-          </a:p>
-        </p:txBody>
-      </p:sp>
-      <p:sp>
-        <p:nvSpPr>
-          <p:cNvPr id="55" name="矩形: 圆角 54">
-            <a:extLst>
-              <a:ext uri="{FF2B5EF4-FFF2-40B4-BE49-F238E27FC236}">
-                <a16:creationId xmlns:a16="http://schemas.microsoft.com/office/drawing/2014/main" id="{3984562F-523C-4D3B-B2CB-C10687464006}"/>
-              </a:ext>
-            </a:extLst>
-          </p:cNvPr>
-          <p:cNvSpPr/>
-          <p:nvPr/>
-        </p:nvSpPr>
-        <p:spPr>
-          <a:xfrm>
-            <a:off x="3843199" y="2425484"/>
-            <a:ext cx="998804" cy="684635"/>
+            <a:off x="2505855" y="2425484"/>
+            <a:ext cx="1208416" cy="684635"/>
           </a:xfrm>
           <a:prstGeom prst="roundRect">
             <a:avLst/>
@@ -6054,8 +6050,8 @@
         </p:nvSpPr>
         <p:spPr>
           <a:xfrm>
-            <a:off x="4994676" y="2425484"/>
-            <a:ext cx="998804" cy="684635"/>
+            <a:off x="3998639" y="2425484"/>
+            <a:ext cx="1208416" cy="684635"/>
           </a:xfrm>
           <a:prstGeom prst="roundRect">
             <a:avLst/>
@@ -6120,8 +6116,8 @@
         </p:nvSpPr>
         <p:spPr>
           <a:xfrm>
-            <a:off x="6127308" y="2425484"/>
-            <a:ext cx="998804" cy="684635"/>
+            <a:off x="5491423" y="2425484"/>
+            <a:ext cx="1208416" cy="684635"/>
           </a:xfrm>
           <a:prstGeom prst="roundRect">
             <a:avLst/>
@@ -6186,8 +6182,8 @@
         </p:nvSpPr>
         <p:spPr>
           <a:xfrm>
-            <a:off x="7297630" y="2425484"/>
-            <a:ext cx="998804" cy="684635"/>
+            <a:off x="6984207" y="2425484"/>
+            <a:ext cx="1208416" cy="684635"/>
           </a:xfrm>
           <a:prstGeom prst="roundRect">
             <a:avLst/>
@@ -6252,8 +6248,8 @@
         </p:nvSpPr>
         <p:spPr>
           <a:xfrm>
-            <a:off x="8521960" y="2425484"/>
-            <a:ext cx="998804" cy="684635"/>
+            <a:off x="8476990" y="2425484"/>
+            <a:ext cx="1208416" cy="684635"/>
           </a:xfrm>
           <a:prstGeom prst="roundRect">
             <a:avLst/>
@@ -6318,7 +6314,7 @@
         </p:nvSpPr>
         <p:spPr>
           <a:xfrm>
-            <a:off x="2585275" y="1215246"/>
+            <a:off x="2499836" y="1215246"/>
             <a:ext cx="1798254" cy="502923"/>
           </a:xfrm>
           <a:prstGeom prst="roundRect">
@@ -6400,7 +6396,7 @@
         </p:nvSpPr>
         <p:spPr>
           <a:xfrm>
-            <a:off x="6638671" y="1215246"/>
+            <a:off x="6672839" y="1215246"/>
             <a:ext cx="1479458" cy="502923"/>
           </a:xfrm>
           <a:prstGeom prst="roundRect">
@@ -6466,7 +6462,7 @@
         </p:nvSpPr>
         <p:spPr>
           <a:xfrm>
-            <a:off x="4596541" y="1215246"/>
+            <a:off x="4578793" y="1215246"/>
             <a:ext cx="1813343" cy="502923"/>
           </a:xfrm>
           <a:prstGeom prst="roundRect">
@@ -6532,7 +6528,7 @@
         </p:nvSpPr>
         <p:spPr>
           <a:xfrm>
-            <a:off x="8362278" y="1215246"/>
+            <a:off x="8432999" y="1215246"/>
             <a:ext cx="1260385" cy="502923"/>
           </a:xfrm>
           <a:prstGeom prst="roundRect">
@@ -6764,8 +6760,8 @@
         </p:nvSpPr>
         <p:spPr>
           <a:xfrm>
-            <a:off x="245645" y="639643"/>
-            <a:ext cx="1147057" cy="644475"/>
+            <a:off x="214575" y="636637"/>
+            <a:ext cx="1170315" cy="644475"/>
           </a:xfrm>
           <a:prstGeom prst="roundRect">
             <a:avLst/>
@@ -6835,10 +6831,10 @@
       </p:sp>
       <p:sp>
         <p:nvSpPr>
-          <p:cNvPr id="46" name="矩形: 圆角 45">
-            <a:extLst>
-              <a:ext uri="{FF2B5EF4-FFF2-40B4-BE49-F238E27FC236}">
-                <a16:creationId xmlns:a16="http://schemas.microsoft.com/office/drawing/2014/main" id="{53B81C24-AD85-4D0D-93A6-9CCE0A240633}"/>
+          <p:cNvPr id="50" name="矩形: 圆角 49">
+            <a:extLst>
+              <a:ext uri="{FF2B5EF4-FFF2-40B4-BE49-F238E27FC236}">
+                <a16:creationId xmlns:a16="http://schemas.microsoft.com/office/drawing/2014/main" id="{836F1C93-BD0B-455F-B940-8C01ABDA6B9B}"/>
               </a:ext>
             </a:extLst>
           </p:cNvPr>
@@ -6847,8 +6843,8 @@
         </p:nvSpPr>
         <p:spPr>
           <a:xfrm>
-            <a:off x="2227385" y="513031"/>
-            <a:ext cx="2330552" cy="891688"/>
+            <a:off x="5140009" y="513031"/>
+            <a:ext cx="3542350" cy="891688"/>
           </a:xfrm>
           <a:prstGeom prst="roundRect">
             <a:avLst/>
@@ -6890,17 +6886,17 @@
                 <a:latin typeface="Microsoft YaHei UI" panose="020B0503020204020204" pitchFamily="34" charset="-122"/>
                 <a:ea typeface="Microsoft YaHei UI" panose="020B0503020204020204" pitchFamily="34" charset="-122"/>
               </a:rPr>
-              <a:t>服务器发现</a:t>
-            </a:r>
-          </a:p>
-        </p:txBody>
-      </p:sp>
-      <p:sp>
-        <p:nvSpPr>
-          <p:cNvPr id="50" name="矩形: 圆角 49">
-            <a:extLst>
-              <a:ext uri="{FF2B5EF4-FFF2-40B4-BE49-F238E27FC236}">
-                <a16:creationId xmlns:a16="http://schemas.microsoft.com/office/drawing/2014/main" id="{836F1C93-BD0B-455F-B940-8C01ABDA6B9B}"/>
+              <a:t>服务器注册</a:t>
+            </a:r>
+          </a:p>
+        </p:txBody>
+      </p:sp>
+      <p:sp>
+        <p:nvSpPr>
+          <p:cNvPr id="51" name="矩形: 圆角 50">
+            <a:extLst>
+              <a:ext uri="{FF2B5EF4-FFF2-40B4-BE49-F238E27FC236}">
+                <a16:creationId xmlns:a16="http://schemas.microsoft.com/office/drawing/2014/main" id="{18CEDE95-F5BF-4E07-9AFB-46235234118E}"/>
               </a:ext>
             </a:extLst>
           </p:cNvPr>
@@ -6909,8 +6905,8 @@
         </p:nvSpPr>
         <p:spPr>
           <a:xfrm>
-            <a:off x="6417585" y="513031"/>
-            <a:ext cx="1911400" cy="891688"/>
+            <a:off x="9992221" y="513031"/>
+            <a:ext cx="1911400" cy="1311575"/>
           </a:xfrm>
           <a:prstGeom prst="roundRect">
             <a:avLst/>
@@ -6952,17 +6948,17 @@
                 <a:latin typeface="Microsoft YaHei UI" panose="020B0503020204020204" pitchFamily="34" charset="-122"/>
                 <a:ea typeface="Microsoft YaHei UI" panose="020B0503020204020204" pitchFamily="34" charset="-122"/>
               </a:rPr>
-              <a:t>服务器注册</a:t>
-            </a:r>
-          </a:p>
-        </p:txBody>
-      </p:sp>
-      <p:sp>
-        <p:nvSpPr>
-          <p:cNvPr id="51" name="矩形: 圆角 50">
-            <a:extLst>
-              <a:ext uri="{FF2B5EF4-FFF2-40B4-BE49-F238E27FC236}">
-                <a16:creationId xmlns:a16="http://schemas.microsoft.com/office/drawing/2014/main" id="{18CEDE95-F5BF-4E07-9AFB-46235234118E}"/>
+              <a:t>服务器监控</a:t>
+            </a:r>
+          </a:p>
+        </p:txBody>
+      </p:sp>
+      <p:sp>
+        <p:nvSpPr>
+          <p:cNvPr id="52" name="矩形: 圆角 51">
+            <a:extLst>
+              <a:ext uri="{FF2B5EF4-FFF2-40B4-BE49-F238E27FC236}">
+                <a16:creationId xmlns:a16="http://schemas.microsoft.com/office/drawing/2014/main" id="{14C5962C-19A4-4758-96EF-ECF339814328}"/>
               </a:ext>
             </a:extLst>
           </p:cNvPr>
@@ -6971,69 +6967,7 @@
         </p:nvSpPr>
         <p:spPr>
           <a:xfrm>
-            <a:off x="9573069" y="498963"/>
-            <a:ext cx="2330552" cy="1597122"/>
-          </a:xfrm>
-          <a:prstGeom prst="roundRect">
-            <a:avLst/>
-          </a:prstGeom>
-          <a:noFill/>
-          <a:ln>
-            <a:solidFill>
-              <a:schemeClr val="accent1">
-                <a:lumMod val="40000"/>
-                <a:lumOff val="60000"/>
-              </a:schemeClr>
-            </a:solidFill>
-          </a:ln>
-        </p:spPr>
-        <p:style>
-          <a:lnRef idx="0">
-            <a:scrgbClr r="0" g="0" b="0"/>
-          </a:lnRef>
-          <a:fillRef idx="0">
-            <a:scrgbClr r="0" g="0" b="0"/>
-          </a:fillRef>
-          <a:effectRef idx="0">
-            <a:scrgbClr r="0" g="0" b="0"/>
-          </a:effectRef>
-          <a:fontRef idx="minor">
-            <a:schemeClr val="lt1"/>
-          </a:fontRef>
-        </p:style>
-        <p:txBody>
-          <a:bodyPr rtlCol="0" anchor="t"/>
-          <a:lstStyle/>
-          <a:p>
-            <a:pPr algn="ctr"/>
-            <a:r>
-              <a:rPr lang="zh-CN" altLang="en-US" sz="1400" dirty="0">
-                <a:solidFill>
-                  <a:schemeClr val="tx1"/>
-                </a:solidFill>
-                <a:latin typeface="Microsoft YaHei UI" panose="020B0503020204020204" pitchFamily="34" charset="-122"/>
-                <a:ea typeface="Microsoft YaHei UI" panose="020B0503020204020204" pitchFamily="34" charset="-122"/>
-              </a:rPr>
-              <a:t>服务器监控</a:t>
-            </a:r>
-          </a:p>
-        </p:txBody>
-      </p:sp>
-      <p:sp>
-        <p:nvSpPr>
-          <p:cNvPr id="52" name="矩形: 圆角 51">
-            <a:extLst>
-              <a:ext uri="{FF2B5EF4-FFF2-40B4-BE49-F238E27FC236}">
-                <a16:creationId xmlns:a16="http://schemas.microsoft.com/office/drawing/2014/main" id="{14C5962C-19A4-4758-96EF-ECF339814328}"/>
-              </a:ext>
-            </a:extLst>
-          </p:cNvPr>
-          <p:cNvSpPr/>
-          <p:nvPr/>
-        </p:nvSpPr>
-        <p:spPr>
-          <a:xfrm>
-            <a:off x="2916718" y="2103415"/>
+            <a:off x="2703647" y="2103415"/>
             <a:ext cx="1076956" cy="4452132"/>
           </a:xfrm>
           <a:prstGeom prst="roundRect">
@@ -7107,7 +7041,7 @@
         </p:nvSpPr>
         <p:spPr>
           <a:xfrm>
-            <a:off x="232331" y="3129869"/>
+            <a:off x="214575" y="3129869"/>
             <a:ext cx="1112226" cy="2380115"/>
           </a:xfrm>
           <a:prstGeom prst="roundRect">
@@ -7176,7 +7110,7 @@
         </p:nvSpPr>
         <p:spPr>
           <a:xfrm>
-            <a:off x="5601654" y="2094335"/>
+            <a:off x="5140009" y="2094335"/>
             <a:ext cx="3542350" cy="4461212"/>
           </a:xfrm>
           <a:prstGeom prst="roundRect">
@@ -7247,8 +7181,8 @@
         </p:nvSpPr>
         <p:spPr>
           <a:xfrm>
-            <a:off x="9992221" y="2551103"/>
-            <a:ext cx="1911400" cy="998297"/>
+            <a:off x="9992221" y="2094335"/>
+            <a:ext cx="1911400" cy="663614"/>
           </a:xfrm>
           <a:prstGeom prst="roundRect">
             <a:avLst/>
@@ -7329,8 +7263,8 @@
         </p:nvSpPr>
         <p:spPr>
           <a:xfrm>
-            <a:off x="9992221" y="3835602"/>
-            <a:ext cx="1911400" cy="998297"/>
+            <a:off x="9992221" y="4624633"/>
+            <a:ext cx="1911400" cy="663614"/>
           </a:xfrm>
           <a:prstGeom prst="roundRect">
             <a:avLst/>
@@ -7385,76 +7319,14 @@
           <a:p>
             <a:pPr algn="ctr"/>
             <a:r>
-              <a:rPr lang="en-US" altLang="zh-CN" sz="1400" dirty="0">
+              <a:rPr lang="en-US" altLang="zh-CN" sz="1400" dirty="0" smtClean="0">
                 <a:solidFill>
                   <a:schemeClr val="tx1"/>
                 </a:solidFill>
                 <a:latin typeface="Microsoft YaHei UI" panose="020B0503020204020204" pitchFamily="34" charset="-122"/>
                 <a:ea typeface="Microsoft YaHei UI" panose="020B0503020204020204" pitchFamily="34" charset="-122"/>
               </a:rPr>
-              <a:t>MariaDB</a:t>
-            </a:r>
-          </a:p>
-        </p:txBody>
-      </p:sp>
-      <p:sp>
-        <p:nvSpPr>
-          <p:cNvPr id="69" name="矩形: 圆角 68">
-            <a:extLst>
-              <a:ext uri="{FF2B5EF4-FFF2-40B4-BE49-F238E27FC236}">
-                <a16:creationId xmlns:a16="http://schemas.microsoft.com/office/drawing/2014/main" id="{8A753B03-75A2-4BD4-912C-4FAE42093CE9}"/>
-              </a:ext>
-            </a:extLst>
-          </p:cNvPr>
-          <p:cNvSpPr/>
-          <p:nvPr/>
-        </p:nvSpPr>
-        <p:spPr>
-          <a:xfrm>
-            <a:off x="9992221" y="5120101"/>
-            <a:ext cx="1911400" cy="998297"/>
-          </a:xfrm>
-          <a:prstGeom prst="roundRect">
-            <a:avLst/>
-          </a:prstGeom>
-          <a:noFill/>
-          <a:ln>
-            <a:solidFill>
-              <a:schemeClr val="accent1">
-                <a:lumMod val="40000"/>
-                <a:lumOff val="60000"/>
-              </a:schemeClr>
-            </a:solidFill>
-          </a:ln>
-        </p:spPr>
-        <p:style>
-          <a:lnRef idx="0">
-            <a:scrgbClr r="0" g="0" b="0"/>
-          </a:lnRef>
-          <a:fillRef idx="0">
-            <a:scrgbClr r="0" g="0" b="0"/>
-          </a:fillRef>
-          <a:effectRef idx="0">
-            <a:scrgbClr r="0" g="0" b="0"/>
-          </a:effectRef>
-          <a:fontRef idx="minor">
-            <a:schemeClr val="lt1"/>
-          </a:fontRef>
-        </p:style>
-        <p:txBody>
-          <a:bodyPr rtlCol="0" anchor="ctr"/>
-          <a:lstStyle/>
-          <a:p>
-            <a:pPr algn="ctr"/>
-            <a:r>
-              <a:rPr lang="zh-CN" altLang="en-US" sz="1400" dirty="0">
-                <a:solidFill>
-                  <a:schemeClr val="tx1"/>
-                </a:solidFill>
-                <a:latin typeface="Microsoft YaHei UI" panose="020B0503020204020204" pitchFamily="34" charset="-122"/>
-                <a:ea typeface="Microsoft YaHei UI" panose="020B0503020204020204" pitchFamily="34" charset="-122"/>
-              </a:rPr>
-              <a:t>非关系型数据库组件</a:t>
+              <a:t>MySQL</a:t>
             </a:r>
             <a:endParaRPr lang="en-US" altLang="zh-CN" sz="1400" dirty="0">
               <a:solidFill>
@@ -7464,27 +7336,14 @@
               <a:ea typeface="Microsoft YaHei UI" panose="020B0503020204020204" pitchFamily="34" charset="-122"/>
             </a:endParaRPr>
           </a:p>
-          <a:p>
-            <a:pPr algn="ctr"/>
-            <a:r>
-              <a:rPr lang="en-US" altLang="zh-CN" sz="1400" dirty="0">
-                <a:solidFill>
-                  <a:schemeClr val="tx1"/>
-                </a:solidFill>
-                <a:latin typeface="Microsoft YaHei UI" panose="020B0503020204020204" pitchFamily="34" charset="-122"/>
-                <a:ea typeface="Microsoft YaHei UI" panose="020B0503020204020204" pitchFamily="34" charset="-122"/>
-              </a:rPr>
-              <a:t>MongoDB</a:t>
-            </a:r>
-          </a:p>
-        </p:txBody>
-      </p:sp>
-      <p:sp>
-        <p:nvSpPr>
-          <p:cNvPr id="70" name="矩形: 圆角 69">
-            <a:extLst>
-              <a:ext uri="{FF2B5EF4-FFF2-40B4-BE49-F238E27FC236}">
-                <a16:creationId xmlns:a16="http://schemas.microsoft.com/office/drawing/2014/main" id="{01130507-62D4-40AE-BD09-B7AC4D008B9B}"/>
+        </p:txBody>
+      </p:sp>
+      <p:sp>
+        <p:nvSpPr>
+          <p:cNvPr id="69" name="矩形: 圆角 68">
+            <a:extLst>
+              <a:ext uri="{FF2B5EF4-FFF2-40B4-BE49-F238E27FC236}">
+                <a16:creationId xmlns:a16="http://schemas.microsoft.com/office/drawing/2014/main" id="{8A753B03-75A2-4BD4-912C-4FAE42093CE9}"/>
               </a:ext>
             </a:extLst>
           </p:cNvPr>
@@ -7493,8 +7352,8 @@
         </p:nvSpPr>
         <p:spPr>
           <a:xfrm>
-            <a:off x="4314350" y="3999474"/>
-            <a:ext cx="992849" cy="644475"/>
+            <a:off x="9992221" y="5889781"/>
+            <a:ext cx="1911400" cy="663614"/>
           </a:xfrm>
           <a:prstGeom prst="roundRect">
             <a:avLst/>
@@ -7536,7 +7395,7 @@
                 <a:latin typeface="Microsoft YaHei UI" panose="020B0503020204020204" pitchFamily="34" charset="-122"/>
                 <a:ea typeface="Microsoft YaHei UI" panose="020B0503020204020204" pitchFamily="34" charset="-122"/>
               </a:rPr>
-              <a:t>服务路由</a:t>
+              <a:t>非关系型数据库组件</a:t>
             </a:r>
             <a:endParaRPr lang="en-US" altLang="zh-CN" sz="1400" dirty="0">
               <a:solidFill>
@@ -7549,24 +7408,31 @@
           <a:p>
             <a:pPr algn="ctr"/>
             <a:r>
-              <a:rPr lang="en-US" altLang="zh-CN" sz="1400" dirty="0">
+              <a:rPr lang="en-US" altLang="zh-CN" sz="1400" dirty="0" smtClean="0">
                 <a:solidFill>
                   <a:schemeClr val="tx1"/>
                 </a:solidFill>
                 <a:latin typeface="Microsoft YaHei UI" panose="020B0503020204020204" pitchFamily="34" charset="-122"/>
                 <a:ea typeface="Microsoft YaHei UI" panose="020B0503020204020204" pitchFamily="34" charset="-122"/>
               </a:rPr>
-              <a:t>Gateway</a:t>
-            </a:r>
-          </a:p>
-        </p:txBody>
-      </p:sp>
-      <p:sp>
-        <p:nvSpPr>
-          <p:cNvPr id="71" name="矩形: 圆角 70">
-            <a:extLst>
-              <a:ext uri="{FF2B5EF4-FFF2-40B4-BE49-F238E27FC236}">
-                <a16:creationId xmlns:a16="http://schemas.microsoft.com/office/drawing/2014/main" id="{1BB68B6C-BBF4-4CE4-8110-3E115CF00CF0}"/>
+              <a:t>Mongo</a:t>
+            </a:r>
+            <a:endParaRPr lang="en-US" altLang="zh-CN" sz="1400" dirty="0">
+              <a:solidFill>
+                <a:schemeClr val="tx1"/>
+              </a:solidFill>
+              <a:latin typeface="Microsoft YaHei UI" panose="020B0503020204020204" pitchFamily="34" charset="-122"/>
+              <a:ea typeface="Microsoft YaHei UI" panose="020B0503020204020204" pitchFamily="34" charset="-122"/>
+            </a:endParaRPr>
+          </a:p>
+        </p:txBody>
+      </p:sp>
+      <p:sp>
+        <p:nvSpPr>
+          <p:cNvPr id="70" name="矩形: 圆角 69">
+            <a:extLst>
+              <a:ext uri="{FF2B5EF4-FFF2-40B4-BE49-F238E27FC236}">
+                <a16:creationId xmlns:a16="http://schemas.microsoft.com/office/drawing/2014/main" id="{01130507-62D4-40AE-BD09-B7AC4D008B9B}"/>
               </a:ext>
             </a:extLst>
           </p:cNvPr>
@@ -7575,8 +7441,240 @@
         </p:nvSpPr>
         <p:spPr>
           <a:xfrm>
-            <a:off x="2516111" y="898456"/>
-            <a:ext cx="1724962" cy="389279"/>
+            <a:off x="4074645" y="3659636"/>
+            <a:ext cx="766800" cy="1330776"/>
+          </a:xfrm>
+          <a:prstGeom prst="roundRect">
+            <a:avLst/>
+          </a:prstGeom>
+          <a:noFill/>
+          <a:ln>
+            <a:solidFill>
+              <a:schemeClr val="accent1">
+                <a:lumMod val="40000"/>
+                <a:lumOff val="60000"/>
+              </a:schemeClr>
+            </a:solidFill>
+          </a:ln>
+        </p:spPr>
+        <p:style>
+          <a:lnRef idx="0">
+            <a:scrgbClr r="0" g="0" b="0"/>
+          </a:lnRef>
+          <a:fillRef idx="0">
+            <a:scrgbClr r="0" g="0" b="0"/>
+          </a:fillRef>
+          <a:effectRef idx="0">
+            <a:scrgbClr r="0" g="0" b="0"/>
+          </a:effectRef>
+          <a:fontRef idx="minor">
+            <a:schemeClr val="lt1"/>
+          </a:fontRef>
+        </p:style>
+        <p:txBody>
+          <a:bodyPr rtlCol="0" anchor="ctr"/>
+          <a:lstStyle/>
+          <a:p>
+            <a:pPr algn="ctr"/>
+            <a:r>
+              <a:rPr lang="zh-CN" altLang="en-US" sz="1400" dirty="0" smtClean="0">
+                <a:solidFill>
+                  <a:schemeClr val="tx1"/>
+                </a:solidFill>
+                <a:latin typeface="Microsoft YaHei UI" panose="020B0503020204020204" pitchFamily="34" charset="-122"/>
+                <a:ea typeface="Microsoft YaHei UI" panose="020B0503020204020204" pitchFamily="34" charset="-122"/>
+              </a:rPr>
+              <a:t>服务</a:t>
+            </a:r>
+            <a:endParaRPr lang="en-US" altLang="zh-CN" sz="1400" dirty="0" smtClean="0">
+              <a:solidFill>
+                <a:schemeClr val="tx1"/>
+              </a:solidFill>
+              <a:latin typeface="Microsoft YaHei UI" panose="020B0503020204020204" pitchFamily="34" charset="-122"/>
+              <a:ea typeface="Microsoft YaHei UI" panose="020B0503020204020204" pitchFamily="34" charset="-122"/>
+            </a:endParaRPr>
+          </a:p>
+          <a:p>
+            <a:pPr algn="ctr"/>
+            <a:r>
+              <a:rPr lang="zh-CN" altLang="en-US" sz="1400" dirty="0" smtClean="0">
+                <a:solidFill>
+                  <a:schemeClr val="tx1"/>
+                </a:solidFill>
+                <a:latin typeface="Microsoft YaHei UI" panose="020B0503020204020204" pitchFamily="34" charset="-122"/>
+                <a:ea typeface="Microsoft YaHei UI" panose="020B0503020204020204" pitchFamily="34" charset="-122"/>
+              </a:rPr>
+              <a:t>路由</a:t>
+            </a:r>
+            <a:endParaRPr lang="en-US" altLang="zh-CN" sz="1400" dirty="0">
+              <a:solidFill>
+                <a:schemeClr val="tx1"/>
+              </a:solidFill>
+              <a:latin typeface="Microsoft YaHei UI" panose="020B0503020204020204" pitchFamily="34" charset="-122"/>
+              <a:ea typeface="Microsoft YaHei UI" panose="020B0503020204020204" pitchFamily="34" charset="-122"/>
+            </a:endParaRPr>
+          </a:p>
+        </p:txBody>
+      </p:sp>
+      <p:sp>
+        <p:nvSpPr>
+          <p:cNvPr id="72" name="矩形: 圆角 71">
+            <a:extLst>
+              <a:ext uri="{FF2B5EF4-FFF2-40B4-BE49-F238E27FC236}">
+                <a16:creationId xmlns:a16="http://schemas.microsoft.com/office/drawing/2014/main" id="{46553B67-7E82-41FB-BCEA-E952B6CA3527}"/>
+              </a:ext>
+            </a:extLst>
+          </p:cNvPr>
+          <p:cNvSpPr/>
+          <p:nvPr/>
+        </p:nvSpPr>
+        <p:spPr>
+          <a:xfrm>
+            <a:off x="5392923" y="3720015"/>
+            <a:ext cx="1437815" cy="496468"/>
+          </a:xfrm>
+          <a:prstGeom prst="roundRect">
+            <a:avLst/>
+          </a:prstGeom>
+          <a:solidFill>
+            <a:schemeClr val="accent4">
+              <a:lumMod val="20000"/>
+              <a:lumOff val="80000"/>
+            </a:schemeClr>
+          </a:solidFill>
+          <a:ln>
+            <a:solidFill>
+              <a:schemeClr val="accent2">
+                <a:lumMod val="20000"/>
+                <a:lumOff val="80000"/>
+              </a:schemeClr>
+            </a:solidFill>
+          </a:ln>
+        </p:spPr>
+        <p:style>
+          <a:lnRef idx="0">
+            <a:scrgbClr r="0" g="0" b="0"/>
+          </a:lnRef>
+          <a:fillRef idx="0">
+            <a:scrgbClr r="0" g="0" b="0"/>
+          </a:fillRef>
+          <a:effectRef idx="0">
+            <a:scrgbClr r="0" g="0" b="0"/>
+          </a:effectRef>
+          <a:fontRef idx="minor">
+            <a:schemeClr val="lt1"/>
+          </a:fontRef>
+        </p:style>
+        <p:txBody>
+          <a:bodyPr rtlCol="0" anchor="ctr"/>
+          <a:lstStyle/>
+          <a:p>
+            <a:pPr algn="ctr"/>
+            <a:r>
+              <a:rPr lang="zh-CN" altLang="en-US" sz="1400" dirty="0">
+                <a:solidFill>
+                  <a:schemeClr val="tx1"/>
+                </a:solidFill>
+                <a:latin typeface="Microsoft YaHei UI" panose="020B0503020204020204" pitchFamily="34" charset="-122"/>
+                <a:ea typeface="Microsoft YaHei UI" panose="020B0503020204020204" pitchFamily="34" charset="-122"/>
+              </a:rPr>
+              <a:t>数据中心</a:t>
+            </a:r>
+            <a:endParaRPr lang="en-US" altLang="zh-CN" sz="1400" dirty="0">
+              <a:solidFill>
+                <a:schemeClr val="tx1"/>
+              </a:solidFill>
+              <a:latin typeface="Microsoft YaHei UI" panose="020B0503020204020204" pitchFamily="34" charset="-122"/>
+              <a:ea typeface="Microsoft YaHei UI" panose="020B0503020204020204" pitchFamily="34" charset="-122"/>
+            </a:endParaRPr>
+          </a:p>
+        </p:txBody>
+      </p:sp>
+      <p:sp>
+        <p:nvSpPr>
+          <p:cNvPr id="73" name="矩形: 圆角 72">
+            <a:extLst>
+              <a:ext uri="{FF2B5EF4-FFF2-40B4-BE49-F238E27FC236}">
+                <a16:creationId xmlns:a16="http://schemas.microsoft.com/office/drawing/2014/main" id="{7ECB25F8-3ABC-42BE-AC13-A060B52FDD4F}"/>
+              </a:ext>
+            </a:extLst>
+          </p:cNvPr>
+          <p:cNvSpPr/>
+          <p:nvPr/>
+        </p:nvSpPr>
+        <p:spPr>
+          <a:xfrm>
+            <a:off x="354118" y="4363538"/>
+            <a:ext cx="846407" cy="644475"/>
+          </a:xfrm>
+          <a:prstGeom prst="roundRect">
+            <a:avLst/>
+          </a:prstGeom>
+          <a:noFill/>
+          <a:ln>
+            <a:solidFill>
+              <a:schemeClr val="accent1">
+                <a:lumMod val="40000"/>
+                <a:lumOff val="60000"/>
+              </a:schemeClr>
+            </a:solidFill>
+          </a:ln>
+        </p:spPr>
+        <p:style>
+          <a:lnRef idx="0">
+            <a:scrgbClr r="0" g="0" b="0"/>
+          </a:lnRef>
+          <a:fillRef idx="0">
+            <a:scrgbClr r="0" g="0" b="0"/>
+          </a:fillRef>
+          <a:effectRef idx="0">
+            <a:scrgbClr r="0" g="0" b="0"/>
+          </a:effectRef>
+          <a:fontRef idx="minor">
+            <a:schemeClr val="lt1"/>
+          </a:fontRef>
+        </p:style>
+        <p:txBody>
+          <a:bodyPr rtlCol="0" anchor="ctr"/>
+          <a:lstStyle/>
+          <a:p>
+            <a:pPr algn="ctr"/>
+            <a:r>
+              <a:rPr lang="zh-CN" altLang="en-US" sz="1400" dirty="0" smtClean="0">
+                <a:solidFill>
+                  <a:schemeClr val="tx1"/>
+                </a:solidFill>
+                <a:latin typeface="Microsoft YaHei UI" panose="020B0503020204020204" pitchFamily="34" charset="-122"/>
+                <a:ea typeface="Microsoft YaHei UI" panose="020B0503020204020204" pitchFamily="34" charset="-122"/>
+              </a:rPr>
+              <a:t>平台</a:t>
+            </a:r>
+            <a:endParaRPr lang="en-US" altLang="zh-CN" sz="1400" dirty="0">
+              <a:solidFill>
+                <a:schemeClr val="tx1"/>
+              </a:solidFill>
+              <a:latin typeface="Microsoft YaHei UI" panose="020B0503020204020204" pitchFamily="34" charset="-122"/>
+              <a:ea typeface="Microsoft YaHei UI" panose="020B0503020204020204" pitchFamily="34" charset="-122"/>
+            </a:endParaRPr>
+          </a:p>
+        </p:txBody>
+      </p:sp>
+      <p:sp>
+        <p:nvSpPr>
+          <p:cNvPr id="74" name="矩形: 圆角 73">
+            <a:extLst>
+              <a:ext uri="{FF2B5EF4-FFF2-40B4-BE49-F238E27FC236}">
+                <a16:creationId xmlns:a16="http://schemas.microsoft.com/office/drawing/2014/main" id="{F4FE9005-38E1-4DA0-BB82-072E855093F2}"/>
+              </a:ext>
+            </a:extLst>
+          </p:cNvPr>
+          <p:cNvSpPr/>
+          <p:nvPr/>
+        </p:nvSpPr>
+        <p:spPr>
+          <a:xfrm>
+            <a:off x="5392923" y="862436"/>
+            <a:ext cx="1447224" cy="385658"/>
           </a:xfrm>
           <a:prstGeom prst="roundRect">
             <a:avLst/>
@@ -7616,24 +7714,31 @@
           <a:p>
             <a:pPr algn="ctr"/>
             <a:r>
-              <a:rPr lang="en-US" altLang="zh-CN" sz="1400" dirty="0">
+              <a:rPr lang="en-US" altLang="zh-CN" sz="1400" dirty="0" err="1">
                 <a:solidFill>
                   <a:schemeClr val="tx1"/>
                 </a:solidFill>
                 <a:latin typeface="Microsoft YaHei UI" panose="020B0503020204020204" pitchFamily="34" charset="-122"/>
                 <a:ea typeface="Microsoft YaHei UI" panose="020B0503020204020204" pitchFamily="34" charset="-122"/>
               </a:rPr>
-              <a:t>Config Server</a:t>
-            </a:r>
-          </a:p>
-        </p:txBody>
-      </p:sp>
-      <p:sp>
-        <p:nvSpPr>
-          <p:cNvPr id="72" name="矩形: 圆角 71">
-            <a:extLst>
-              <a:ext uri="{FF2B5EF4-FFF2-40B4-BE49-F238E27FC236}">
-                <a16:creationId xmlns:a16="http://schemas.microsoft.com/office/drawing/2014/main" id="{46553B67-7E82-41FB-BCEA-E952B6CA3527}"/>
+              <a:t>Euraka</a:t>
+            </a:r>
+            <a:endParaRPr lang="en-US" altLang="zh-CN" sz="1400" dirty="0">
+              <a:solidFill>
+                <a:schemeClr val="tx1"/>
+              </a:solidFill>
+              <a:latin typeface="Microsoft YaHei UI" panose="020B0503020204020204" pitchFamily="34" charset="-122"/>
+              <a:ea typeface="Microsoft YaHei UI" panose="020B0503020204020204" pitchFamily="34" charset="-122"/>
+            </a:endParaRPr>
+          </a:p>
+        </p:txBody>
+      </p:sp>
+      <p:sp>
+        <p:nvSpPr>
+          <p:cNvPr id="75" name="矩形: 圆角 74">
+            <a:extLst>
+              <a:ext uri="{FF2B5EF4-FFF2-40B4-BE49-F238E27FC236}">
+                <a16:creationId xmlns:a16="http://schemas.microsoft.com/office/drawing/2014/main" id="{738BCAE8-956B-4EC4-A808-1AF5DDDC5139}"/>
               </a:ext>
             </a:extLst>
           </p:cNvPr>
@@ -7642,7 +7747,744 @@
         </p:nvSpPr>
         <p:spPr>
           <a:xfrm>
-            <a:off x="5854568" y="3720015"/>
+            <a:off x="10197846" y="936565"/>
+            <a:ext cx="1500150" cy="646258"/>
+          </a:xfrm>
+          <a:prstGeom prst="roundRect">
+            <a:avLst/>
+          </a:prstGeom>
+          <a:solidFill>
+            <a:schemeClr val="accent6">
+              <a:lumMod val="20000"/>
+              <a:lumOff val="80000"/>
+            </a:schemeClr>
+          </a:solidFill>
+          <a:ln>
+            <a:solidFill>
+              <a:schemeClr val="accent6">
+                <a:lumMod val="40000"/>
+                <a:lumOff val="60000"/>
+              </a:schemeClr>
+            </a:solidFill>
+          </a:ln>
+        </p:spPr>
+        <p:style>
+          <a:lnRef idx="0">
+            <a:scrgbClr r="0" g="0" b="0"/>
+          </a:lnRef>
+          <a:fillRef idx="0">
+            <a:scrgbClr r="0" g="0" b="0"/>
+          </a:fillRef>
+          <a:effectRef idx="0">
+            <a:scrgbClr r="0" g="0" b="0"/>
+          </a:effectRef>
+          <a:fontRef idx="minor">
+            <a:schemeClr val="lt1"/>
+          </a:fontRef>
+        </p:style>
+        <p:txBody>
+          <a:bodyPr rtlCol="0" anchor="ctr"/>
+          <a:lstStyle/>
+          <a:p>
+            <a:pPr algn="ctr"/>
+            <a:r>
+              <a:rPr lang="zh-CN" altLang="en-US" sz="1400" dirty="0">
+                <a:solidFill>
+                  <a:schemeClr val="tx1"/>
+                </a:solidFill>
+                <a:latin typeface="Microsoft YaHei UI" panose="020B0503020204020204" pitchFamily="34" charset="-122"/>
+                <a:ea typeface="Microsoft YaHei UI" panose="020B0503020204020204" pitchFamily="34" charset="-122"/>
+              </a:rPr>
+              <a:t>指标</a:t>
+            </a:r>
+            <a:r>
+              <a:rPr lang="zh-CN" altLang="en-US" sz="1400" dirty="0" smtClean="0">
+                <a:solidFill>
+                  <a:schemeClr val="tx1"/>
+                </a:solidFill>
+                <a:latin typeface="Microsoft YaHei UI" panose="020B0503020204020204" pitchFamily="34" charset="-122"/>
+                <a:ea typeface="Microsoft YaHei UI" panose="020B0503020204020204" pitchFamily="34" charset="-122"/>
+              </a:rPr>
+              <a:t>监控</a:t>
+            </a:r>
+            <a:endParaRPr lang="en-US" altLang="zh-CN" sz="1400" dirty="0" smtClean="0">
+              <a:solidFill>
+                <a:schemeClr val="tx1"/>
+              </a:solidFill>
+              <a:latin typeface="Microsoft YaHei UI" panose="020B0503020204020204" pitchFamily="34" charset="-122"/>
+              <a:ea typeface="Microsoft YaHei UI" panose="020B0503020204020204" pitchFamily="34" charset="-122"/>
+            </a:endParaRPr>
+          </a:p>
+          <a:p>
+            <a:pPr algn="ctr"/>
+            <a:r>
+              <a:rPr lang="en-US" altLang="zh-CN" sz="1400" dirty="0" smtClean="0">
+                <a:solidFill>
+                  <a:schemeClr val="tx1"/>
+                </a:solidFill>
+                <a:latin typeface="Microsoft YaHei UI" panose="020B0503020204020204" pitchFamily="34" charset="-122"/>
+                <a:ea typeface="Microsoft YaHei UI" panose="020B0503020204020204" pitchFamily="34" charset="-122"/>
+              </a:rPr>
+              <a:t>Admin</a:t>
+            </a:r>
+            <a:endParaRPr lang="en-US" altLang="zh-CN" sz="1400" dirty="0">
+              <a:solidFill>
+                <a:schemeClr val="tx1"/>
+              </a:solidFill>
+              <a:latin typeface="Microsoft YaHei UI" panose="020B0503020204020204" pitchFamily="34" charset="-122"/>
+              <a:ea typeface="Microsoft YaHei UI" panose="020B0503020204020204" pitchFamily="34" charset="-122"/>
+            </a:endParaRPr>
+          </a:p>
+        </p:txBody>
+      </p:sp>
+      <p:cxnSp>
+        <p:nvCxnSpPr>
+          <p:cNvPr id="3" name="直接箭头连接符 2">
+            <a:extLst>
+              <a:ext uri="{FF2B5EF4-FFF2-40B4-BE49-F238E27FC236}">
+                <a16:creationId xmlns:a16="http://schemas.microsoft.com/office/drawing/2014/main" id="{2B339BA5-A49F-42BF-9C8B-A18C23B7DFEA}"/>
+              </a:ext>
+            </a:extLst>
+          </p:cNvPr>
+          <p:cNvCxnSpPr>
+            <a:cxnSpLocks/>
+            <a:stCxn id="17" idx="3"/>
+            <a:endCxn id="50" idx="1"/>
+          </p:cNvCxnSpPr>
+          <p:nvPr/>
+        </p:nvCxnSpPr>
+        <p:spPr>
+          <a:xfrm>
+            <a:off x="1384890" y="958875"/>
+            <a:ext cx="3755119" cy="0"/>
+          </a:xfrm>
+          <a:prstGeom prst="straightConnector1">
+            <a:avLst/>
+          </a:prstGeom>
+          <a:ln>
+            <a:solidFill>
+              <a:schemeClr val="accent1">
+                <a:lumMod val="40000"/>
+                <a:lumOff val="60000"/>
+              </a:schemeClr>
+            </a:solidFill>
+            <a:tailEnd type="triangle"/>
+          </a:ln>
+        </p:spPr>
+        <p:style>
+          <a:lnRef idx="1">
+            <a:schemeClr val="accent1"/>
+          </a:lnRef>
+          <a:fillRef idx="0">
+            <a:schemeClr val="accent1"/>
+          </a:fillRef>
+          <a:effectRef idx="0">
+            <a:schemeClr val="accent1"/>
+          </a:effectRef>
+          <a:fontRef idx="minor">
+            <a:schemeClr val="tx1"/>
+          </a:fontRef>
+        </p:style>
+      </p:cxnSp>
+      <p:cxnSp>
+        <p:nvCxnSpPr>
+          <p:cNvPr id="34" name="连接符: 肘形 33">
+            <a:extLst>
+              <a:ext uri="{FF2B5EF4-FFF2-40B4-BE49-F238E27FC236}">
+                <a16:creationId xmlns:a16="http://schemas.microsoft.com/office/drawing/2014/main" id="{537D6BA3-35DF-413F-BD50-893A91EA66E1}"/>
+              </a:ext>
+            </a:extLst>
+          </p:cNvPr>
+          <p:cNvCxnSpPr>
+            <a:cxnSpLocks/>
+            <a:stCxn id="67" idx="1"/>
+            <a:endCxn id="66" idx="3"/>
+          </p:cNvCxnSpPr>
+          <p:nvPr/>
+        </p:nvCxnSpPr>
+        <p:spPr>
+          <a:xfrm rot="10800000" flipV="1">
+            <a:off x="8682359" y="2426141"/>
+            <a:ext cx="1309862" cy="1898799"/>
+          </a:xfrm>
+          <a:prstGeom prst="bentConnector3">
+            <a:avLst/>
+          </a:prstGeom>
+          <a:ln>
+            <a:solidFill>
+              <a:schemeClr val="accent1">
+                <a:lumMod val="40000"/>
+                <a:lumOff val="60000"/>
+              </a:schemeClr>
+            </a:solidFill>
+            <a:tailEnd type="triangle"/>
+          </a:ln>
+        </p:spPr>
+        <p:style>
+          <a:lnRef idx="1">
+            <a:schemeClr val="accent1"/>
+          </a:lnRef>
+          <a:fillRef idx="0">
+            <a:schemeClr val="accent1"/>
+          </a:fillRef>
+          <a:effectRef idx="0">
+            <a:schemeClr val="accent1"/>
+          </a:effectRef>
+          <a:fontRef idx="minor">
+            <a:schemeClr val="tx1"/>
+          </a:fontRef>
+        </p:style>
+      </p:cxnSp>
+      <p:cxnSp>
+        <p:nvCxnSpPr>
+          <p:cNvPr id="77" name="连接符: 肘形 76">
+            <a:extLst>
+              <a:ext uri="{FF2B5EF4-FFF2-40B4-BE49-F238E27FC236}">
+                <a16:creationId xmlns:a16="http://schemas.microsoft.com/office/drawing/2014/main" id="{463DF0CF-F9DB-4B3D-86D0-66D62EFA3808}"/>
+              </a:ext>
+            </a:extLst>
+          </p:cNvPr>
+          <p:cNvCxnSpPr>
+            <a:cxnSpLocks/>
+            <a:stCxn id="113" idx="1"/>
+            <a:endCxn id="66" idx="3"/>
+          </p:cNvCxnSpPr>
+          <p:nvPr/>
+        </p:nvCxnSpPr>
+        <p:spPr>
+          <a:xfrm rot="10800000" flipV="1">
+            <a:off x="8682359" y="3691291"/>
+            <a:ext cx="1309862" cy="633650"/>
+          </a:xfrm>
+          <a:prstGeom prst="bentConnector3">
+            <a:avLst/>
+          </a:prstGeom>
+          <a:ln>
+            <a:solidFill>
+              <a:schemeClr val="accent1">
+                <a:lumMod val="40000"/>
+                <a:lumOff val="60000"/>
+              </a:schemeClr>
+            </a:solidFill>
+            <a:tailEnd type="triangle"/>
+          </a:ln>
+        </p:spPr>
+        <p:style>
+          <a:lnRef idx="1">
+            <a:schemeClr val="accent1"/>
+          </a:lnRef>
+          <a:fillRef idx="0">
+            <a:schemeClr val="accent1"/>
+          </a:fillRef>
+          <a:effectRef idx="0">
+            <a:schemeClr val="accent1"/>
+          </a:effectRef>
+          <a:fontRef idx="minor">
+            <a:schemeClr val="tx1"/>
+          </a:fontRef>
+        </p:style>
+      </p:cxnSp>
+      <p:cxnSp>
+        <p:nvCxnSpPr>
+          <p:cNvPr id="79" name="连接符: 肘形 78">
+            <a:extLst>
+              <a:ext uri="{FF2B5EF4-FFF2-40B4-BE49-F238E27FC236}">
+                <a16:creationId xmlns:a16="http://schemas.microsoft.com/office/drawing/2014/main" id="{DB2D0E7E-4C27-4C5A-8303-AC03EC074C65}"/>
+              </a:ext>
+            </a:extLst>
+          </p:cNvPr>
+          <p:cNvCxnSpPr>
+            <a:cxnSpLocks/>
+            <a:stCxn id="69" idx="1"/>
+            <a:endCxn id="66" idx="3"/>
+          </p:cNvCxnSpPr>
+          <p:nvPr/>
+        </p:nvCxnSpPr>
+        <p:spPr>
+          <a:xfrm rot="10800000">
+            <a:off x="8682359" y="4324942"/>
+            <a:ext cx="1309862" cy="1896647"/>
+          </a:xfrm>
+          <a:prstGeom prst="bentConnector3">
+            <a:avLst>
+              <a:gd name="adj1" fmla="val 50000"/>
+            </a:avLst>
+          </a:prstGeom>
+          <a:ln>
+            <a:solidFill>
+              <a:schemeClr val="accent1">
+                <a:lumMod val="40000"/>
+                <a:lumOff val="60000"/>
+              </a:schemeClr>
+            </a:solidFill>
+            <a:tailEnd type="triangle"/>
+          </a:ln>
+        </p:spPr>
+        <p:style>
+          <a:lnRef idx="1">
+            <a:schemeClr val="accent1"/>
+          </a:lnRef>
+          <a:fillRef idx="0">
+            <a:schemeClr val="accent1"/>
+          </a:fillRef>
+          <a:effectRef idx="0">
+            <a:schemeClr val="accent1"/>
+          </a:effectRef>
+          <a:fontRef idx="minor">
+            <a:schemeClr val="tx1"/>
+          </a:fontRef>
+        </p:style>
+      </p:cxnSp>
+      <p:cxnSp>
+        <p:nvCxnSpPr>
+          <p:cNvPr id="107" name="直接箭头连接符 106">
+            <a:extLst>
+              <a:ext uri="{FF2B5EF4-FFF2-40B4-BE49-F238E27FC236}">
+                <a16:creationId xmlns:a16="http://schemas.microsoft.com/office/drawing/2014/main" id="{ADE1D388-440A-4874-BCFA-246BE951EBCE}"/>
+              </a:ext>
+            </a:extLst>
+          </p:cNvPr>
+          <p:cNvCxnSpPr>
+            <a:cxnSpLocks/>
+            <a:stCxn id="52" idx="3"/>
+            <a:endCxn id="70" idx="1"/>
+          </p:cNvCxnSpPr>
+          <p:nvPr/>
+        </p:nvCxnSpPr>
+        <p:spPr>
+          <a:xfrm flipV="1">
+            <a:off x="3780603" y="4325024"/>
+            <a:ext cx="294042" cy="4457"/>
+          </a:xfrm>
+          <a:prstGeom prst="straightConnector1">
+            <a:avLst/>
+          </a:prstGeom>
+          <a:ln>
+            <a:solidFill>
+              <a:schemeClr val="accent1">
+                <a:lumMod val="60000"/>
+                <a:lumOff val="40000"/>
+              </a:schemeClr>
+            </a:solidFill>
+            <a:headEnd type="triangle"/>
+            <a:tailEnd type="triangle"/>
+          </a:ln>
+        </p:spPr>
+        <p:style>
+          <a:lnRef idx="1">
+            <a:schemeClr val="accent1"/>
+          </a:lnRef>
+          <a:fillRef idx="0">
+            <a:schemeClr val="accent1"/>
+          </a:fillRef>
+          <a:effectRef idx="0">
+            <a:schemeClr val="accent1"/>
+          </a:effectRef>
+          <a:fontRef idx="minor">
+            <a:schemeClr val="tx1"/>
+          </a:fontRef>
+        </p:style>
+      </p:cxnSp>
+      <p:sp>
+        <p:nvSpPr>
+          <p:cNvPr id="120" name="矩形: 圆角 119">
+            <a:extLst>
+              <a:ext uri="{FF2B5EF4-FFF2-40B4-BE49-F238E27FC236}">
+                <a16:creationId xmlns:a16="http://schemas.microsoft.com/office/drawing/2014/main" id="{C224BA91-0712-49A5-AE83-968FEB8CA6F8}"/>
+              </a:ext>
+            </a:extLst>
+          </p:cNvPr>
+          <p:cNvSpPr/>
+          <p:nvPr/>
+        </p:nvSpPr>
+        <p:spPr>
+          <a:xfrm>
+            <a:off x="2853050" y="5265901"/>
+            <a:ext cx="767765" cy="644475"/>
+          </a:xfrm>
+          <a:prstGeom prst="roundRect">
+            <a:avLst/>
+          </a:prstGeom>
+          <a:noFill/>
+          <a:ln>
+            <a:solidFill>
+              <a:schemeClr val="accent3">
+                <a:lumMod val="60000"/>
+                <a:lumOff val="40000"/>
+              </a:schemeClr>
+            </a:solidFill>
+          </a:ln>
+        </p:spPr>
+        <p:style>
+          <a:lnRef idx="0">
+            <a:scrgbClr r="0" g="0" b="0"/>
+          </a:lnRef>
+          <a:fillRef idx="0">
+            <a:scrgbClr r="0" g="0" b="0"/>
+          </a:fillRef>
+          <a:effectRef idx="0">
+            <a:scrgbClr r="0" g="0" b="0"/>
+          </a:effectRef>
+          <a:fontRef idx="minor">
+            <a:schemeClr val="lt1"/>
+          </a:fontRef>
+        </p:style>
+        <p:txBody>
+          <a:bodyPr rtlCol="0" anchor="ctr"/>
+          <a:lstStyle/>
+          <a:p>
+            <a:pPr algn="ctr"/>
+            <a:r>
+              <a:rPr lang="zh-CN" altLang="en-US" sz="1400" dirty="0">
+                <a:solidFill>
+                  <a:schemeClr val="tx1"/>
+                </a:solidFill>
+                <a:latin typeface="Microsoft YaHei UI" panose="020B0503020204020204" pitchFamily="34" charset="-122"/>
+                <a:ea typeface="Microsoft YaHei UI" panose="020B0503020204020204" pitchFamily="34" charset="-122"/>
+              </a:rPr>
+              <a:t>访问认证</a:t>
+            </a:r>
+            <a:endParaRPr lang="en-US" altLang="zh-CN" sz="1400" dirty="0">
+              <a:solidFill>
+                <a:schemeClr val="tx1"/>
+              </a:solidFill>
+              <a:latin typeface="Microsoft YaHei UI" panose="020B0503020204020204" pitchFamily="34" charset="-122"/>
+              <a:ea typeface="Microsoft YaHei UI" panose="020B0503020204020204" pitchFamily="34" charset="-122"/>
+            </a:endParaRPr>
+          </a:p>
+        </p:txBody>
+      </p:sp>
+      <p:sp>
+        <p:nvSpPr>
+          <p:cNvPr id="121" name="矩形: 圆角 120">
+            <a:extLst>
+              <a:ext uri="{FF2B5EF4-FFF2-40B4-BE49-F238E27FC236}">
+                <a16:creationId xmlns:a16="http://schemas.microsoft.com/office/drawing/2014/main" id="{908F6E70-842C-402E-A7B5-75F1CAFF1A21}"/>
+              </a:ext>
+            </a:extLst>
+          </p:cNvPr>
+          <p:cNvSpPr/>
+          <p:nvPr/>
+        </p:nvSpPr>
+        <p:spPr>
+          <a:xfrm>
+            <a:off x="2853050" y="4077478"/>
+            <a:ext cx="767765" cy="644475"/>
+          </a:xfrm>
+          <a:prstGeom prst="roundRect">
+            <a:avLst/>
+          </a:prstGeom>
+          <a:noFill/>
+          <a:ln>
+            <a:solidFill>
+              <a:schemeClr val="accent3">
+                <a:lumMod val="60000"/>
+                <a:lumOff val="40000"/>
+              </a:schemeClr>
+            </a:solidFill>
+          </a:ln>
+        </p:spPr>
+        <p:style>
+          <a:lnRef idx="0">
+            <a:scrgbClr r="0" g="0" b="0"/>
+          </a:lnRef>
+          <a:fillRef idx="0">
+            <a:scrgbClr r="0" g="0" b="0"/>
+          </a:fillRef>
+          <a:effectRef idx="0">
+            <a:scrgbClr r="0" g="0" b="0"/>
+          </a:effectRef>
+          <a:fontRef idx="minor">
+            <a:schemeClr val="lt1"/>
+          </a:fontRef>
+        </p:style>
+        <p:txBody>
+          <a:bodyPr rtlCol="0" anchor="ctr"/>
+          <a:lstStyle/>
+          <a:p>
+            <a:pPr algn="ctr"/>
+            <a:r>
+              <a:rPr lang="en-US" altLang="zh-CN" sz="1400" dirty="0">
+                <a:solidFill>
+                  <a:schemeClr val="tx1"/>
+                </a:solidFill>
+                <a:latin typeface="Microsoft YaHei UI" panose="020B0503020204020204" pitchFamily="34" charset="-122"/>
+                <a:ea typeface="Microsoft YaHei UI" panose="020B0503020204020204" pitchFamily="34" charset="-122"/>
+              </a:rPr>
+              <a:t>API</a:t>
+            </a:r>
+          </a:p>
+          <a:p>
+            <a:pPr algn="ctr"/>
+            <a:r>
+              <a:rPr lang="zh-CN" altLang="en-US" sz="1400" dirty="0">
+                <a:solidFill>
+                  <a:schemeClr val="tx1"/>
+                </a:solidFill>
+                <a:latin typeface="Microsoft YaHei UI" panose="020B0503020204020204" pitchFamily="34" charset="-122"/>
+                <a:ea typeface="Microsoft YaHei UI" panose="020B0503020204020204" pitchFamily="34" charset="-122"/>
+              </a:rPr>
+              <a:t>网关</a:t>
+            </a:r>
+            <a:endParaRPr lang="en-US" altLang="zh-CN" sz="1400" dirty="0">
+              <a:solidFill>
+                <a:schemeClr val="tx1"/>
+              </a:solidFill>
+              <a:latin typeface="Microsoft YaHei UI" panose="020B0503020204020204" pitchFamily="34" charset="-122"/>
+              <a:ea typeface="Microsoft YaHei UI" panose="020B0503020204020204" pitchFamily="34" charset="-122"/>
+            </a:endParaRPr>
+          </a:p>
+        </p:txBody>
+      </p:sp>
+      <p:sp>
+        <p:nvSpPr>
+          <p:cNvPr id="122" name="矩形: 圆角 121">
+            <a:extLst>
+              <a:ext uri="{FF2B5EF4-FFF2-40B4-BE49-F238E27FC236}">
+                <a16:creationId xmlns:a16="http://schemas.microsoft.com/office/drawing/2014/main" id="{26CB2B15-E61B-4DC2-89D0-4F87A351AE34}"/>
+              </a:ext>
+            </a:extLst>
+          </p:cNvPr>
+          <p:cNvSpPr/>
+          <p:nvPr/>
+        </p:nvSpPr>
+        <p:spPr>
+          <a:xfrm>
+            <a:off x="2853050" y="2885786"/>
+            <a:ext cx="767765" cy="644475"/>
+          </a:xfrm>
+          <a:prstGeom prst="roundRect">
+            <a:avLst/>
+          </a:prstGeom>
+          <a:noFill/>
+          <a:ln>
+            <a:solidFill>
+              <a:schemeClr val="accent3">
+                <a:lumMod val="60000"/>
+                <a:lumOff val="40000"/>
+              </a:schemeClr>
+            </a:solidFill>
+          </a:ln>
+        </p:spPr>
+        <p:style>
+          <a:lnRef idx="0">
+            <a:scrgbClr r="0" g="0" b="0"/>
+          </a:lnRef>
+          <a:fillRef idx="0">
+            <a:scrgbClr r="0" g="0" b="0"/>
+          </a:fillRef>
+          <a:effectRef idx="0">
+            <a:scrgbClr r="0" g="0" b="0"/>
+          </a:effectRef>
+          <a:fontRef idx="minor">
+            <a:schemeClr val="lt1"/>
+          </a:fontRef>
+        </p:style>
+        <p:txBody>
+          <a:bodyPr rtlCol="0" anchor="ctr"/>
+          <a:lstStyle/>
+          <a:p>
+            <a:pPr algn="ctr"/>
+            <a:r>
+              <a:rPr lang="zh-CN" altLang="en-US" sz="1400" dirty="0">
+                <a:solidFill>
+                  <a:schemeClr val="tx1"/>
+                </a:solidFill>
+                <a:latin typeface="Microsoft YaHei UI" panose="020B0503020204020204" pitchFamily="34" charset="-122"/>
+                <a:ea typeface="Microsoft YaHei UI" panose="020B0503020204020204" pitchFamily="34" charset="-122"/>
+              </a:rPr>
+              <a:t>安全策略</a:t>
+            </a:r>
+            <a:endParaRPr lang="en-US" altLang="zh-CN" sz="1400" dirty="0">
+              <a:solidFill>
+                <a:schemeClr val="tx1"/>
+              </a:solidFill>
+              <a:latin typeface="Microsoft YaHei UI" panose="020B0503020204020204" pitchFamily="34" charset="-122"/>
+              <a:ea typeface="Microsoft YaHei UI" panose="020B0503020204020204" pitchFamily="34" charset="-122"/>
+            </a:endParaRPr>
+          </a:p>
+        </p:txBody>
+      </p:sp>
+      <p:cxnSp>
+        <p:nvCxnSpPr>
+          <p:cNvPr id="124" name="直接箭头连接符 123">
+            <a:extLst>
+              <a:ext uri="{FF2B5EF4-FFF2-40B4-BE49-F238E27FC236}">
+                <a16:creationId xmlns:a16="http://schemas.microsoft.com/office/drawing/2014/main" id="{2BE8396B-F18F-4DBD-A10F-1F35E38956C4}"/>
+              </a:ext>
+            </a:extLst>
+          </p:cNvPr>
+          <p:cNvCxnSpPr>
+            <a:stCxn id="122" idx="2"/>
+            <a:endCxn id="121" idx="0"/>
+          </p:cNvCxnSpPr>
+          <p:nvPr/>
+        </p:nvCxnSpPr>
+        <p:spPr>
+          <a:xfrm>
+            <a:off x="3236933" y="3530261"/>
+            <a:ext cx="0" cy="547217"/>
+          </a:xfrm>
+          <a:prstGeom prst="straightConnector1">
+            <a:avLst/>
+          </a:prstGeom>
+          <a:ln>
+            <a:solidFill>
+              <a:schemeClr val="accent3">
+                <a:lumMod val="60000"/>
+                <a:lumOff val="40000"/>
+              </a:schemeClr>
+            </a:solidFill>
+            <a:tailEnd type="triangle"/>
+          </a:ln>
+        </p:spPr>
+        <p:style>
+          <a:lnRef idx="1">
+            <a:schemeClr val="accent1"/>
+          </a:lnRef>
+          <a:fillRef idx="0">
+            <a:schemeClr val="accent1"/>
+          </a:fillRef>
+          <a:effectRef idx="0">
+            <a:schemeClr val="accent1"/>
+          </a:effectRef>
+          <a:fontRef idx="minor">
+            <a:schemeClr val="tx1"/>
+          </a:fontRef>
+        </p:style>
+      </p:cxnSp>
+      <p:cxnSp>
+        <p:nvCxnSpPr>
+          <p:cNvPr id="126" name="直接箭头连接符 125">
+            <a:extLst>
+              <a:ext uri="{FF2B5EF4-FFF2-40B4-BE49-F238E27FC236}">
+                <a16:creationId xmlns:a16="http://schemas.microsoft.com/office/drawing/2014/main" id="{2B362E46-5928-45AA-AD1A-F8C9DDFF98C3}"/>
+              </a:ext>
+            </a:extLst>
+          </p:cNvPr>
+          <p:cNvCxnSpPr>
+            <a:stCxn id="120" idx="0"/>
+            <a:endCxn id="121" idx="2"/>
+          </p:cNvCxnSpPr>
+          <p:nvPr/>
+        </p:nvCxnSpPr>
+        <p:spPr>
+          <a:xfrm flipV="1">
+            <a:off x="3236933" y="4721953"/>
+            <a:ext cx="0" cy="543948"/>
+          </a:xfrm>
+          <a:prstGeom prst="straightConnector1">
+            <a:avLst/>
+          </a:prstGeom>
+          <a:ln>
+            <a:solidFill>
+              <a:schemeClr val="accent3">
+                <a:lumMod val="60000"/>
+                <a:lumOff val="40000"/>
+              </a:schemeClr>
+            </a:solidFill>
+            <a:tailEnd type="triangle"/>
+          </a:ln>
+        </p:spPr>
+        <p:style>
+          <a:lnRef idx="1">
+            <a:schemeClr val="accent1"/>
+          </a:lnRef>
+          <a:fillRef idx="0">
+            <a:schemeClr val="accent1"/>
+          </a:fillRef>
+          <a:effectRef idx="0">
+            <a:schemeClr val="accent1"/>
+          </a:effectRef>
+          <a:fontRef idx="minor">
+            <a:schemeClr val="tx1"/>
+          </a:fontRef>
+        </p:style>
+      </p:cxnSp>
+      <p:sp>
+        <p:nvSpPr>
+          <p:cNvPr id="127" name="矩形: 圆角 126">
+            <a:extLst>
+              <a:ext uri="{FF2B5EF4-FFF2-40B4-BE49-F238E27FC236}">
+                <a16:creationId xmlns:a16="http://schemas.microsoft.com/office/drawing/2014/main" id="{CB65209C-B74E-42F0-B81E-387919B9B4FF}"/>
+              </a:ext>
+            </a:extLst>
+          </p:cNvPr>
+          <p:cNvSpPr/>
+          <p:nvPr/>
+        </p:nvSpPr>
+        <p:spPr>
+          <a:xfrm>
+            <a:off x="368589" y="3599082"/>
+            <a:ext cx="793549" cy="644475"/>
+          </a:xfrm>
+          <a:prstGeom prst="roundRect">
+            <a:avLst/>
+          </a:prstGeom>
+          <a:noFill/>
+          <a:ln>
+            <a:solidFill>
+              <a:schemeClr val="accent1">
+                <a:lumMod val="40000"/>
+                <a:lumOff val="60000"/>
+              </a:schemeClr>
+            </a:solidFill>
+          </a:ln>
+        </p:spPr>
+        <p:style>
+          <a:lnRef idx="0">
+            <a:scrgbClr r="0" g="0" b="0"/>
+          </a:lnRef>
+          <a:fillRef idx="0">
+            <a:scrgbClr r="0" g="0" b="0"/>
+          </a:fillRef>
+          <a:effectRef idx="0">
+            <a:scrgbClr r="0" g="0" b="0"/>
+          </a:effectRef>
+          <a:fontRef idx="minor">
+            <a:schemeClr val="lt1"/>
+          </a:fontRef>
+        </p:style>
+        <p:txBody>
+          <a:bodyPr rtlCol="0" anchor="ctr"/>
+          <a:lstStyle/>
+          <a:p>
+            <a:pPr algn="ctr"/>
+            <a:r>
+              <a:rPr lang="en-US" altLang="zh-CN" sz="1400" dirty="0" smtClean="0">
+                <a:solidFill>
+                  <a:schemeClr val="tx1"/>
+                </a:solidFill>
+                <a:latin typeface="Microsoft YaHei UI" panose="020B0503020204020204" pitchFamily="34" charset="-122"/>
+                <a:ea typeface="Microsoft YaHei UI" panose="020B0503020204020204" pitchFamily="34" charset="-122"/>
+              </a:rPr>
+              <a:t>WEB</a:t>
+            </a:r>
+            <a:endParaRPr lang="en-US" altLang="zh-CN" sz="1400" dirty="0">
+              <a:solidFill>
+                <a:schemeClr val="tx1"/>
+              </a:solidFill>
+              <a:latin typeface="Microsoft YaHei UI" panose="020B0503020204020204" pitchFamily="34" charset="-122"/>
+              <a:ea typeface="Microsoft YaHei UI" panose="020B0503020204020204" pitchFamily="34" charset="-122"/>
+            </a:endParaRPr>
+          </a:p>
+        </p:txBody>
+      </p:sp>
+      <p:sp>
+        <p:nvSpPr>
+          <p:cNvPr id="128" name="矩形: 圆角 127">
+            <a:extLst>
+              <a:ext uri="{FF2B5EF4-FFF2-40B4-BE49-F238E27FC236}">
+                <a16:creationId xmlns:a16="http://schemas.microsoft.com/office/drawing/2014/main" id="{4C2B8696-2FD8-4029-910B-9EA164D1A7CC}"/>
+              </a:ext>
+            </a:extLst>
+          </p:cNvPr>
+          <p:cNvSpPr/>
+          <p:nvPr/>
+        </p:nvSpPr>
+        <p:spPr>
+          <a:xfrm>
+            <a:off x="6991630" y="3720015"/>
             <a:ext cx="1437815" cy="496468"/>
           </a:xfrm>
           <a:prstGeom prst="roundRect">
@@ -7690,7 +8532,7 @@
                 <a:latin typeface="Microsoft YaHei UI" panose="020B0503020204020204" pitchFamily="34" charset="-122"/>
                 <a:ea typeface="Microsoft YaHei UI" panose="020B0503020204020204" pitchFamily="34" charset="-122"/>
               </a:rPr>
-              <a:t>数据中心</a:t>
+              <a:t>设备中心</a:t>
             </a:r>
             <a:endParaRPr lang="en-US" altLang="zh-CN" sz="1400" dirty="0">
               <a:solidFill>
@@ -7704,10 +8546,10 @@
       </p:sp>
       <p:sp>
         <p:nvSpPr>
-          <p:cNvPr id="73" name="矩形: 圆角 72">
-            <a:extLst>
-              <a:ext uri="{FF2B5EF4-FFF2-40B4-BE49-F238E27FC236}">
-                <a16:creationId xmlns:a16="http://schemas.microsoft.com/office/drawing/2014/main" id="{7ECB25F8-3ABC-42BE-AC13-A060B52FDD4F}"/>
+          <p:cNvPr id="129" name="矩形: 圆角 128">
+            <a:extLst>
+              <a:ext uri="{FF2B5EF4-FFF2-40B4-BE49-F238E27FC236}">
+                <a16:creationId xmlns:a16="http://schemas.microsoft.com/office/drawing/2014/main" id="{7D478949-A2FE-4162-9070-28A909468F67}"/>
               </a:ext>
             </a:extLst>
           </p:cNvPr>
@@ -7716,8 +8558,8 @@
         </p:nvSpPr>
         <p:spPr>
           <a:xfrm>
-            <a:off x="371874" y="4363538"/>
-            <a:ext cx="846407" cy="644475"/>
+            <a:off x="5392923" y="4395502"/>
+            <a:ext cx="1437815" cy="496468"/>
           </a:xfrm>
           <a:prstGeom prst="roundRect">
             <a:avLst/>
@@ -7759,7 +8601,17 @@
                 <a:latin typeface="Microsoft YaHei UI" panose="020B0503020204020204" pitchFamily="34" charset="-122"/>
                 <a:ea typeface="Microsoft YaHei UI" panose="020B0503020204020204" pitchFamily="34" charset="-122"/>
               </a:rPr>
-              <a:t>云平台</a:t>
+              <a:t>驱动</a:t>
+            </a:r>
+            <a:r>
+              <a:rPr lang="zh-CN" altLang="en-US" sz="1400" dirty="0" smtClean="0">
+                <a:solidFill>
+                  <a:schemeClr val="tx1"/>
+                </a:solidFill>
+                <a:latin typeface="Microsoft YaHei UI" panose="020B0503020204020204" pitchFamily="34" charset="-122"/>
+                <a:ea typeface="Microsoft YaHei UI" panose="020B0503020204020204" pitchFamily="34" charset="-122"/>
+              </a:rPr>
+              <a:t>服务</a:t>
             </a:r>
             <a:endParaRPr lang="en-US" altLang="zh-CN" sz="1400" dirty="0">
               <a:solidFill>
@@ -7773,7 +8625,1029 @@
       </p:sp>
       <p:sp>
         <p:nvSpPr>
-          <p:cNvPr id="74" name="矩形: 圆角 73">
+          <p:cNvPr id="130" name="矩形: 圆角 129">
+            <a:extLst>
+              <a:ext uri="{FF2B5EF4-FFF2-40B4-BE49-F238E27FC236}">
+                <a16:creationId xmlns:a16="http://schemas.microsoft.com/office/drawing/2014/main" id="{AD31B7F1-534B-4B82-AB4F-EF5553095F31}"/>
+              </a:ext>
+            </a:extLst>
+          </p:cNvPr>
+          <p:cNvSpPr/>
+          <p:nvPr/>
+        </p:nvSpPr>
+        <p:spPr>
+          <a:xfrm>
+            <a:off x="6991630" y="4395502"/>
+            <a:ext cx="1437815" cy="496468"/>
+          </a:xfrm>
+          <a:prstGeom prst="roundRect">
+            <a:avLst/>
+          </a:prstGeom>
+          <a:noFill/>
+          <a:ln>
+            <a:solidFill>
+              <a:schemeClr val="accent1">
+                <a:lumMod val="40000"/>
+                <a:lumOff val="60000"/>
+              </a:schemeClr>
+            </a:solidFill>
+          </a:ln>
+        </p:spPr>
+        <p:style>
+          <a:lnRef idx="0">
+            <a:scrgbClr r="0" g="0" b="0"/>
+          </a:lnRef>
+          <a:fillRef idx="0">
+            <a:scrgbClr r="0" g="0" b="0"/>
+          </a:fillRef>
+          <a:effectRef idx="0">
+            <a:scrgbClr r="0" g="0" b="0"/>
+          </a:effectRef>
+          <a:fontRef idx="minor">
+            <a:schemeClr val="lt1"/>
+          </a:fontRef>
+        </p:style>
+        <p:txBody>
+          <a:bodyPr rtlCol="0" anchor="ctr"/>
+          <a:lstStyle/>
+          <a:p>
+            <a:pPr algn="ctr"/>
+            <a:r>
+              <a:rPr lang="zh-CN" altLang="en-US" sz="1400" dirty="0" smtClean="0">
+                <a:solidFill>
+                  <a:schemeClr val="tx1"/>
+                </a:solidFill>
+                <a:latin typeface="Microsoft YaHei UI" panose="020B0503020204020204" pitchFamily="34" charset="-122"/>
+                <a:ea typeface="Microsoft YaHei UI" panose="020B0503020204020204" pitchFamily="34" charset="-122"/>
+              </a:rPr>
+              <a:t>任务调度</a:t>
+            </a:r>
+            <a:endParaRPr lang="en-US" altLang="zh-CN" sz="1400" dirty="0">
+              <a:solidFill>
+                <a:schemeClr val="tx1"/>
+              </a:solidFill>
+              <a:latin typeface="Microsoft YaHei UI" panose="020B0503020204020204" pitchFamily="34" charset="-122"/>
+              <a:ea typeface="Microsoft YaHei UI" panose="020B0503020204020204" pitchFamily="34" charset="-122"/>
+            </a:endParaRPr>
+          </a:p>
+        </p:txBody>
+      </p:sp>
+      <p:sp>
+        <p:nvSpPr>
+          <p:cNvPr id="131" name="矩形: 圆角 130">
+            <a:extLst>
+              <a:ext uri="{FF2B5EF4-FFF2-40B4-BE49-F238E27FC236}">
+                <a16:creationId xmlns:a16="http://schemas.microsoft.com/office/drawing/2014/main" id="{BE5807E5-E2C1-4101-869E-64F20C2A9E3F}"/>
+              </a:ext>
+            </a:extLst>
+          </p:cNvPr>
+          <p:cNvSpPr/>
+          <p:nvPr/>
+        </p:nvSpPr>
+        <p:spPr>
+          <a:xfrm>
+            <a:off x="5313948" y="5135358"/>
+            <a:ext cx="1437815" cy="496468"/>
+          </a:xfrm>
+          <a:prstGeom prst="roundRect">
+            <a:avLst/>
+          </a:prstGeom>
+          <a:solidFill>
+            <a:schemeClr val="accent5">
+              <a:lumMod val="20000"/>
+              <a:lumOff val="80000"/>
+            </a:schemeClr>
+          </a:solidFill>
+          <a:ln>
+            <a:solidFill>
+              <a:schemeClr val="accent1">
+                <a:lumMod val="20000"/>
+                <a:lumOff val="80000"/>
+              </a:schemeClr>
+            </a:solidFill>
+          </a:ln>
+        </p:spPr>
+        <p:style>
+          <a:lnRef idx="0">
+            <a:scrgbClr r="0" g="0" b="0"/>
+          </a:lnRef>
+          <a:fillRef idx="0">
+            <a:scrgbClr r="0" g="0" b="0"/>
+          </a:fillRef>
+          <a:effectRef idx="0">
+            <a:scrgbClr r="0" g="0" b="0"/>
+          </a:effectRef>
+          <a:fontRef idx="minor">
+            <a:schemeClr val="lt1"/>
+          </a:fontRef>
+        </p:style>
+        <p:txBody>
+          <a:bodyPr rtlCol="0" anchor="ctr"/>
+          <a:lstStyle/>
+          <a:p>
+            <a:pPr algn="ctr"/>
+            <a:r>
+              <a:rPr lang="en-US" altLang="zh-CN" sz="1400" dirty="0">
+                <a:solidFill>
+                  <a:schemeClr val="tx1"/>
+                </a:solidFill>
+                <a:latin typeface="Microsoft YaHei UI" panose="020B0503020204020204" pitchFamily="34" charset="-122"/>
+                <a:ea typeface="Microsoft YaHei UI" panose="020B0503020204020204" pitchFamily="34" charset="-122"/>
+              </a:rPr>
+              <a:t>Feign</a:t>
+            </a:r>
+            <a:r>
+              <a:rPr lang="zh-CN" altLang="en-US" sz="1400" dirty="0">
+                <a:solidFill>
+                  <a:schemeClr val="tx1"/>
+                </a:solidFill>
+                <a:latin typeface="Microsoft YaHei UI" panose="020B0503020204020204" pitchFamily="34" charset="-122"/>
+                <a:ea typeface="Microsoft YaHei UI" panose="020B0503020204020204" pitchFamily="34" charset="-122"/>
+              </a:rPr>
+              <a:t>服务调用</a:t>
+            </a:r>
+            <a:endParaRPr lang="en-US" altLang="zh-CN" sz="1400" dirty="0">
+              <a:solidFill>
+                <a:schemeClr val="tx1"/>
+              </a:solidFill>
+              <a:latin typeface="Microsoft YaHei UI" panose="020B0503020204020204" pitchFamily="34" charset="-122"/>
+              <a:ea typeface="Microsoft YaHei UI" panose="020B0503020204020204" pitchFamily="34" charset="-122"/>
+            </a:endParaRPr>
+          </a:p>
+        </p:txBody>
+      </p:sp>
+      <p:sp>
+        <p:nvSpPr>
+          <p:cNvPr id="132" name="矩形: 圆角 131">
+            <a:extLst>
+              <a:ext uri="{FF2B5EF4-FFF2-40B4-BE49-F238E27FC236}">
+                <a16:creationId xmlns:a16="http://schemas.microsoft.com/office/drawing/2014/main" id="{3988D50C-1837-4FB7-A516-645A67C31D38}"/>
+              </a:ext>
+            </a:extLst>
+          </p:cNvPr>
+          <p:cNvSpPr/>
+          <p:nvPr/>
+        </p:nvSpPr>
+        <p:spPr>
+          <a:xfrm>
+            <a:off x="6912655" y="5135358"/>
+            <a:ext cx="1592255" cy="496468"/>
+          </a:xfrm>
+          <a:prstGeom prst="roundRect">
+            <a:avLst/>
+          </a:prstGeom>
+          <a:solidFill>
+            <a:schemeClr val="accent5">
+              <a:lumMod val="20000"/>
+              <a:lumOff val="80000"/>
+            </a:schemeClr>
+          </a:solidFill>
+          <a:ln>
+            <a:solidFill>
+              <a:schemeClr val="accent1">
+                <a:lumMod val="20000"/>
+                <a:lumOff val="80000"/>
+              </a:schemeClr>
+            </a:solidFill>
+          </a:ln>
+        </p:spPr>
+        <p:style>
+          <a:lnRef idx="0">
+            <a:scrgbClr r="0" g="0" b="0"/>
+          </a:lnRef>
+          <a:fillRef idx="0">
+            <a:scrgbClr r="0" g="0" b="0"/>
+          </a:fillRef>
+          <a:effectRef idx="0">
+            <a:scrgbClr r="0" g="0" b="0"/>
+          </a:effectRef>
+          <a:fontRef idx="minor">
+            <a:schemeClr val="lt1"/>
+          </a:fontRef>
+        </p:style>
+        <p:txBody>
+          <a:bodyPr rtlCol="0" anchor="ctr"/>
+          <a:lstStyle/>
+          <a:p>
+            <a:pPr algn="ctr"/>
+            <a:r>
+              <a:rPr lang="en-US" altLang="zh-CN" sz="1400" dirty="0">
+                <a:solidFill>
+                  <a:schemeClr val="tx1"/>
+                </a:solidFill>
+                <a:latin typeface="Microsoft YaHei UI" panose="020B0503020204020204" pitchFamily="34" charset="-122"/>
+                <a:ea typeface="Microsoft YaHei UI" panose="020B0503020204020204" pitchFamily="34" charset="-122"/>
+              </a:rPr>
+              <a:t>Ribbon</a:t>
+            </a:r>
+            <a:r>
+              <a:rPr lang="zh-CN" altLang="en-US" sz="1400" dirty="0">
+                <a:solidFill>
+                  <a:schemeClr val="tx1"/>
+                </a:solidFill>
+                <a:latin typeface="Microsoft YaHei UI" panose="020B0503020204020204" pitchFamily="34" charset="-122"/>
+                <a:ea typeface="Microsoft YaHei UI" panose="020B0503020204020204" pitchFamily="34" charset="-122"/>
+              </a:rPr>
+              <a:t>负载均衡</a:t>
+            </a:r>
+            <a:endParaRPr lang="en-US" altLang="zh-CN" sz="1400" dirty="0">
+              <a:solidFill>
+                <a:schemeClr val="tx1"/>
+              </a:solidFill>
+              <a:latin typeface="Microsoft YaHei UI" panose="020B0503020204020204" pitchFamily="34" charset="-122"/>
+              <a:ea typeface="Microsoft YaHei UI" panose="020B0503020204020204" pitchFamily="34" charset="-122"/>
+            </a:endParaRPr>
+          </a:p>
+        </p:txBody>
+      </p:sp>
+      <p:sp>
+        <p:nvSpPr>
+          <p:cNvPr id="133" name="矩形: 圆角 132">
+            <a:extLst>
+              <a:ext uri="{FF2B5EF4-FFF2-40B4-BE49-F238E27FC236}">
+                <a16:creationId xmlns:a16="http://schemas.microsoft.com/office/drawing/2014/main" id="{EC9C064C-D208-4547-AF49-6C883909DCF5}"/>
+              </a:ext>
+            </a:extLst>
+          </p:cNvPr>
+          <p:cNvSpPr/>
+          <p:nvPr/>
+        </p:nvSpPr>
+        <p:spPr>
+          <a:xfrm>
+            <a:off x="5313947" y="5810845"/>
+            <a:ext cx="3190263" cy="496468"/>
+          </a:xfrm>
+          <a:prstGeom prst="roundRect">
+            <a:avLst/>
+          </a:prstGeom>
+          <a:solidFill>
+            <a:schemeClr val="accent5">
+              <a:lumMod val="20000"/>
+              <a:lumOff val="80000"/>
+            </a:schemeClr>
+          </a:solidFill>
+          <a:ln>
+            <a:solidFill>
+              <a:schemeClr val="accent1">
+                <a:lumMod val="20000"/>
+                <a:lumOff val="80000"/>
+              </a:schemeClr>
+            </a:solidFill>
+          </a:ln>
+        </p:spPr>
+        <p:style>
+          <a:lnRef idx="0">
+            <a:scrgbClr r="0" g="0" b="0"/>
+          </a:lnRef>
+          <a:fillRef idx="0">
+            <a:scrgbClr r="0" g="0" b="0"/>
+          </a:fillRef>
+          <a:effectRef idx="0">
+            <a:scrgbClr r="0" g="0" b="0"/>
+          </a:effectRef>
+          <a:fontRef idx="minor">
+            <a:schemeClr val="lt1"/>
+          </a:fontRef>
+        </p:style>
+        <p:txBody>
+          <a:bodyPr rtlCol="0" anchor="ctr"/>
+          <a:lstStyle/>
+          <a:p>
+            <a:pPr algn="ctr"/>
+            <a:r>
+              <a:rPr lang="en-US" altLang="zh-CN" sz="1400" dirty="0" err="1">
+                <a:solidFill>
+                  <a:schemeClr val="tx1"/>
+                </a:solidFill>
+                <a:latin typeface="Microsoft YaHei UI" panose="020B0503020204020204" pitchFamily="34" charset="-122"/>
+                <a:ea typeface="Microsoft YaHei UI" panose="020B0503020204020204" pitchFamily="34" charset="-122"/>
+              </a:rPr>
+              <a:t>Hystrix</a:t>
+            </a:r>
+            <a:r>
+              <a:rPr lang="zh-CN" altLang="en-US" sz="1400" dirty="0">
+                <a:solidFill>
+                  <a:schemeClr val="tx1"/>
+                </a:solidFill>
+                <a:latin typeface="Microsoft YaHei UI" panose="020B0503020204020204" pitchFamily="34" charset="-122"/>
+                <a:ea typeface="Microsoft YaHei UI" panose="020B0503020204020204" pitchFamily="34" charset="-122"/>
+              </a:rPr>
+              <a:t>服务熔断</a:t>
+            </a:r>
+            <a:r>
+              <a:rPr lang="en-US" altLang="zh-CN" sz="1400" dirty="0">
+                <a:solidFill>
+                  <a:schemeClr val="tx1"/>
+                </a:solidFill>
+                <a:latin typeface="Microsoft YaHei UI" panose="020B0503020204020204" pitchFamily="34" charset="-122"/>
+                <a:ea typeface="Microsoft YaHei UI" panose="020B0503020204020204" pitchFamily="34" charset="-122"/>
+              </a:rPr>
+              <a:t>/</a:t>
+            </a:r>
+            <a:r>
+              <a:rPr lang="zh-CN" altLang="en-US" sz="1400" dirty="0">
+                <a:solidFill>
+                  <a:schemeClr val="tx1"/>
+                </a:solidFill>
+                <a:latin typeface="Microsoft YaHei UI" panose="020B0503020204020204" pitchFamily="34" charset="-122"/>
+                <a:ea typeface="Microsoft YaHei UI" panose="020B0503020204020204" pitchFamily="34" charset="-122"/>
+              </a:rPr>
+              <a:t>降级</a:t>
+            </a:r>
+            <a:endParaRPr lang="en-US" altLang="zh-CN" sz="1400" dirty="0">
+              <a:solidFill>
+                <a:schemeClr val="tx1"/>
+              </a:solidFill>
+              <a:latin typeface="Microsoft YaHei UI" panose="020B0503020204020204" pitchFamily="34" charset="-122"/>
+              <a:ea typeface="Microsoft YaHei UI" panose="020B0503020204020204" pitchFamily="34" charset="-122"/>
+            </a:endParaRPr>
+          </a:p>
+        </p:txBody>
+      </p:sp>
+      <p:cxnSp>
+        <p:nvCxnSpPr>
+          <p:cNvPr id="136" name="直接箭头连接符 135">
+            <a:extLst>
+              <a:ext uri="{FF2B5EF4-FFF2-40B4-BE49-F238E27FC236}">
+                <a16:creationId xmlns:a16="http://schemas.microsoft.com/office/drawing/2014/main" id="{214FD56D-0D43-447E-A443-8CAE59F40446}"/>
+              </a:ext>
+            </a:extLst>
+          </p:cNvPr>
+          <p:cNvCxnSpPr>
+            <a:cxnSpLocks/>
+            <a:stCxn id="70" idx="3"/>
+            <a:endCxn id="66" idx="1"/>
+          </p:cNvCxnSpPr>
+          <p:nvPr/>
+        </p:nvCxnSpPr>
+        <p:spPr>
+          <a:xfrm flipV="1">
+            <a:off x="4841445" y="4324941"/>
+            <a:ext cx="298564" cy="83"/>
+          </a:xfrm>
+          <a:prstGeom prst="straightConnector1">
+            <a:avLst/>
+          </a:prstGeom>
+          <a:ln>
+            <a:solidFill>
+              <a:schemeClr val="accent1">
+                <a:lumMod val="40000"/>
+                <a:lumOff val="60000"/>
+              </a:schemeClr>
+            </a:solidFill>
+            <a:headEnd type="triangle"/>
+            <a:tailEnd type="triangle"/>
+          </a:ln>
+        </p:spPr>
+        <p:style>
+          <a:lnRef idx="1">
+            <a:schemeClr val="accent1"/>
+          </a:lnRef>
+          <a:fillRef idx="0">
+            <a:schemeClr val="accent1"/>
+          </a:fillRef>
+          <a:effectRef idx="0">
+            <a:schemeClr val="accent1"/>
+          </a:effectRef>
+          <a:fontRef idx="minor">
+            <a:schemeClr val="tx1"/>
+          </a:fontRef>
+        </p:style>
+      </p:cxnSp>
+      <p:sp>
+        <p:nvSpPr>
+          <p:cNvPr id="139" name="矩形: 圆角 138">
+            <a:extLst>
+              <a:ext uri="{FF2B5EF4-FFF2-40B4-BE49-F238E27FC236}">
+                <a16:creationId xmlns:a16="http://schemas.microsoft.com/office/drawing/2014/main" id="{3CBC56D2-7A74-47AE-A5B4-554AB8A27BA2}"/>
+              </a:ext>
+            </a:extLst>
+          </p:cNvPr>
+          <p:cNvSpPr/>
+          <p:nvPr/>
+        </p:nvSpPr>
+        <p:spPr>
+          <a:xfrm>
+            <a:off x="5406437" y="2540177"/>
+            <a:ext cx="1179282" cy="473033"/>
+          </a:xfrm>
+          <a:prstGeom prst="roundRect">
+            <a:avLst/>
+          </a:prstGeom>
+          <a:solidFill>
+            <a:schemeClr val="accent5">
+              <a:lumMod val="20000"/>
+              <a:lumOff val="80000"/>
+            </a:schemeClr>
+          </a:solidFill>
+          <a:ln>
+            <a:solidFill>
+              <a:schemeClr val="accent1">
+                <a:lumMod val="20000"/>
+                <a:lumOff val="80000"/>
+              </a:schemeClr>
+            </a:solidFill>
+          </a:ln>
+        </p:spPr>
+        <p:style>
+          <a:lnRef idx="0">
+            <a:scrgbClr r="0" g="0" b="0"/>
+          </a:lnRef>
+          <a:fillRef idx="0">
+            <a:scrgbClr r="0" g="0" b="0"/>
+          </a:fillRef>
+          <a:effectRef idx="0">
+            <a:scrgbClr r="0" g="0" b="0"/>
+          </a:effectRef>
+          <a:fontRef idx="minor">
+            <a:schemeClr val="lt1"/>
+          </a:fontRef>
+        </p:style>
+        <p:txBody>
+          <a:bodyPr rtlCol="0" anchor="ctr"/>
+          <a:lstStyle/>
+          <a:p>
+            <a:pPr algn="ctr"/>
+            <a:r>
+              <a:rPr lang="en-US" altLang="zh-CN" sz="1400" dirty="0">
+                <a:solidFill>
+                  <a:schemeClr val="tx1"/>
+                </a:solidFill>
+                <a:latin typeface="Microsoft YaHei UI" panose="020B0503020204020204" pitchFamily="34" charset="-122"/>
+                <a:ea typeface="Microsoft YaHei UI" panose="020B0503020204020204" pitchFamily="34" charset="-122"/>
+              </a:rPr>
+              <a:t>REST API</a:t>
+            </a:r>
+          </a:p>
+        </p:txBody>
+      </p:sp>
+      <p:sp>
+        <p:nvSpPr>
+          <p:cNvPr id="141" name="矩形: 圆角 140">
+            <a:extLst>
+              <a:ext uri="{FF2B5EF4-FFF2-40B4-BE49-F238E27FC236}">
+                <a16:creationId xmlns:a16="http://schemas.microsoft.com/office/drawing/2014/main" id="{25709AC2-594A-4EA6-813E-BE8547529D12}"/>
+              </a:ext>
+            </a:extLst>
+          </p:cNvPr>
+          <p:cNvSpPr/>
+          <p:nvPr/>
+        </p:nvSpPr>
+        <p:spPr>
+          <a:xfrm>
+            <a:off x="5412073" y="3125288"/>
+            <a:ext cx="1179282" cy="473033"/>
+          </a:xfrm>
+          <a:prstGeom prst="roundRect">
+            <a:avLst/>
+          </a:prstGeom>
+          <a:solidFill>
+            <a:schemeClr val="accent5">
+              <a:lumMod val="20000"/>
+              <a:lumOff val="80000"/>
+            </a:schemeClr>
+          </a:solidFill>
+          <a:ln>
+            <a:solidFill>
+              <a:schemeClr val="accent1">
+                <a:lumMod val="20000"/>
+                <a:lumOff val="80000"/>
+              </a:schemeClr>
+            </a:solidFill>
+          </a:ln>
+        </p:spPr>
+        <p:style>
+          <a:lnRef idx="0">
+            <a:scrgbClr r="0" g="0" b="0"/>
+          </a:lnRef>
+          <a:fillRef idx="0">
+            <a:scrgbClr r="0" g="0" b="0"/>
+          </a:fillRef>
+          <a:effectRef idx="0">
+            <a:scrgbClr r="0" g="0" b="0"/>
+          </a:effectRef>
+          <a:fontRef idx="minor">
+            <a:schemeClr val="lt1"/>
+          </a:fontRef>
+        </p:style>
+        <p:txBody>
+          <a:bodyPr rtlCol="0" anchor="ctr"/>
+          <a:lstStyle/>
+          <a:p>
+            <a:pPr algn="ctr"/>
+            <a:r>
+              <a:rPr lang="zh-CN" altLang="en-US" sz="1400" dirty="0">
+                <a:solidFill>
+                  <a:schemeClr val="tx1"/>
+                </a:solidFill>
+                <a:latin typeface="Microsoft YaHei UI" panose="020B0503020204020204" pitchFamily="34" charset="-122"/>
+                <a:ea typeface="Microsoft YaHei UI" panose="020B0503020204020204" pitchFamily="34" charset="-122"/>
+              </a:rPr>
+              <a:t>鉴权</a:t>
+            </a:r>
+            <a:endParaRPr lang="en-US" altLang="zh-CN" sz="1400" dirty="0">
+              <a:solidFill>
+                <a:schemeClr val="tx1"/>
+              </a:solidFill>
+              <a:latin typeface="Microsoft YaHei UI" panose="020B0503020204020204" pitchFamily="34" charset="-122"/>
+              <a:ea typeface="Microsoft YaHei UI" panose="020B0503020204020204" pitchFamily="34" charset="-122"/>
+            </a:endParaRPr>
+          </a:p>
+        </p:txBody>
+      </p:sp>
+      <p:sp>
+        <p:nvSpPr>
+          <p:cNvPr id="142" name="矩形: 圆角 141">
+            <a:extLst>
+              <a:ext uri="{FF2B5EF4-FFF2-40B4-BE49-F238E27FC236}">
+                <a16:creationId xmlns:a16="http://schemas.microsoft.com/office/drawing/2014/main" id="{9A7330C2-B9E5-40A2-838F-E1EC2CF774C2}"/>
+              </a:ext>
+            </a:extLst>
+          </p:cNvPr>
+          <p:cNvSpPr/>
+          <p:nvPr/>
+        </p:nvSpPr>
+        <p:spPr>
+          <a:xfrm>
+            <a:off x="6766053" y="2600597"/>
+            <a:ext cx="669408" cy="997724"/>
+          </a:xfrm>
+          <a:prstGeom prst="roundRect">
+            <a:avLst/>
+          </a:prstGeom>
+          <a:noFill/>
+          <a:ln>
+            <a:solidFill>
+              <a:schemeClr val="accent1">
+                <a:lumMod val="40000"/>
+                <a:lumOff val="60000"/>
+              </a:schemeClr>
+            </a:solidFill>
+          </a:ln>
+        </p:spPr>
+        <p:style>
+          <a:lnRef idx="0">
+            <a:scrgbClr r="0" g="0" b="0"/>
+          </a:lnRef>
+          <a:fillRef idx="0">
+            <a:scrgbClr r="0" g="0" b="0"/>
+          </a:fillRef>
+          <a:effectRef idx="0">
+            <a:scrgbClr r="0" g="0" b="0"/>
+          </a:effectRef>
+          <a:fontRef idx="minor">
+            <a:schemeClr val="lt1"/>
+          </a:fontRef>
+        </p:style>
+        <p:txBody>
+          <a:bodyPr rtlCol="0" anchor="ctr"/>
+          <a:lstStyle/>
+          <a:p>
+            <a:pPr algn="ctr"/>
+            <a:r>
+              <a:rPr lang="zh-CN" altLang="en-US" sz="1400" dirty="0">
+                <a:solidFill>
+                  <a:schemeClr val="tx1"/>
+                </a:solidFill>
+                <a:latin typeface="Microsoft YaHei UI" panose="020B0503020204020204" pitchFamily="34" charset="-122"/>
+                <a:ea typeface="Microsoft YaHei UI" panose="020B0503020204020204" pitchFamily="34" charset="-122"/>
+              </a:rPr>
+              <a:t>关系</a:t>
+            </a:r>
+            <a:r>
+              <a:rPr lang="zh-CN" altLang="en-US" sz="1400" dirty="0" smtClean="0">
+                <a:solidFill>
+                  <a:schemeClr val="tx1"/>
+                </a:solidFill>
+                <a:latin typeface="Microsoft YaHei UI" panose="020B0503020204020204" pitchFamily="34" charset="-122"/>
+                <a:ea typeface="Microsoft YaHei UI" panose="020B0503020204020204" pitchFamily="34" charset="-122"/>
+              </a:rPr>
+              <a:t>数据</a:t>
+            </a:r>
+            <a:endParaRPr lang="en-US" altLang="zh-CN" sz="1400" dirty="0">
+              <a:solidFill>
+                <a:schemeClr val="tx1"/>
+              </a:solidFill>
+              <a:latin typeface="Microsoft YaHei UI" panose="020B0503020204020204" pitchFamily="34" charset="-122"/>
+              <a:ea typeface="Microsoft YaHei UI" panose="020B0503020204020204" pitchFamily="34" charset="-122"/>
+            </a:endParaRPr>
+          </a:p>
+        </p:txBody>
+      </p:sp>
+      <p:sp>
+        <p:nvSpPr>
+          <p:cNvPr id="143" name="矩形: 圆角 142">
+            <a:extLst>
+              <a:ext uri="{FF2B5EF4-FFF2-40B4-BE49-F238E27FC236}">
+                <a16:creationId xmlns:a16="http://schemas.microsoft.com/office/drawing/2014/main" id="{5C300403-032D-4ACD-BABE-FCFCF003FAD5}"/>
+              </a:ext>
+            </a:extLst>
+          </p:cNvPr>
+          <p:cNvSpPr/>
+          <p:nvPr/>
+        </p:nvSpPr>
+        <p:spPr>
+          <a:xfrm>
+            <a:off x="7561371" y="3146072"/>
+            <a:ext cx="942840" cy="424113"/>
+          </a:xfrm>
+          <a:prstGeom prst="roundRect">
+            <a:avLst/>
+          </a:prstGeom>
+          <a:noFill/>
+          <a:ln>
+            <a:solidFill>
+              <a:schemeClr val="accent1">
+                <a:lumMod val="40000"/>
+                <a:lumOff val="60000"/>
+              </a:schemeClr>
+            </a:solidFill>
+          </a:ln>
+        </p:spPr>
+        <p:style>
+          <a:lnRef idx="0">
+            <a:scrgbClr r="0" g="0" b="0"/>
+          </a:lnRef>
+          <a:fillRef idx="0">
+            <a:scrgbClr r="0" g="0" b="0"/>
+          </a:fillRef>
+          <a:effectRef idx="0">
+            <a:scrgbClr r="0" g="0" b="0"/>
+          </a:effectRef>
+          <a:fontRef idx="minor">
+            <a:schemeClr val="lt1"/>
+          </a:fontRef>
+        </p:style>
+        <p:txBody>
+          <a:bodyPr rtlCol="0" anchor="ctr"/>
+          <a:lstStyle/>
+          <a:p>
+            <a:pPr algn="ctr"/>
+            <a:r>
+              <a:rPr lang="en-US" altLang="zh-CN" sz="1400" dirty="0" smtClean="0">
+                <a:solidFill>
+                  <a:schemeClr val="tx1"/>
+                </a:solidFill>
+                <a:latin typeface="Microsoft YaHei UI" panose="020B0503020204020204" pitchFamily="34" charset="-122"/>
+                <a:ea typeface="Microsoft YaHei UI" panose="020B0503020204020204" pitchFamily="34" charset="-122"/>
+              </a:rPr>
+              <a:t>Mongo</a:t>
+            </a:r>
+            <a:endParaRPr lang="en-US" altLang="zh-CN" sz="1400" dirty="0">
+              <a:solidFill>
+                <a:schemeClr val="tx1"/>
+              </a:solidFill>
+              <a:latin typeface="Microsoft YaHei UI" panose="020B0503020204020204" pitchFamily="34" charset="-122"/>
+              <a:ea typeface="Microsoft YaHei UI" panose="020B0503020204020204" pitchFamily="34" charset="-122"/>
+            </a:endParaRPr>
+          </a:p>
+        </p:txBody>
+      </p:sp>
+      <p:sp>
+        <p:nvSpPr>
+          <p:cNvPr id="144" name="矩形: 圆角 143">
+            <a:extLst>
+              <a:ext uri="{FF2B5EF4-FFF2-40B4-BE49-F238E27FC236}">
+                <a16:creationId xmlns:a16="http://schemas.microsoft.com/office/drawing/2014/main" id="{D2F13D13-2F65-435D-9F42-3ED09BA83E82}"/>
+              </a:ext>
+            </a:extLst>
+          </p:cNvPr>
+          <p:cNvSpPr/>
+          <p:nvPr/>
+        </p:nvSpPr>
+        <p:spPr>
+          <a:xfrm>
+            <a:off x="7561371" y="2596272"/>
+            <a:ext cx="942840" cy="424113"/>
+          </a:xfrm>
+          <a:prstGeom prst="roundRect">
+            <a:avLst/>
+          </a:prstGeom>
+          <a:noFill/>
+          <a:ln>
+            <a:solidFill>
+              <a:schemeClr val="accent1">
+                <a:lumMod val="40000"/>
+                <a:lumOff val="60000"/>
+              </a:schemeClr>
+            </a:solidFill>
+          </a:ln>
+        </p:spPr>
+        <p:style>
+          <a:lnRef idx="0">
+            <a:scrgbClr r="0" g="0" b="0"/>
+          </a:lnRef>
+          <a:fillRef idx="0">
+            <a:scrgbClr r="0" g="0" b="0"/>
+          </a:fillRef>
+          <a:effectRef idx="0">
+            <a:scrgbClr r="0" g="0" b="0"/>
+          </a:effectRef>
+          <a:fontRef idx="minor">
+            <a:schemeClr val="lt1"/>
+          </a:fontRef>
+        </p:style>
+        <p:txBody>
+          <a:bodyPr rtlCol="0" anchor="ctr"/>
+          <a:lstStyle/>
+          <a:p>
+            <a:pPr algn="ctr"/>
+            <a:r>
+              <a:rPr lang="en-US" altLang="zh-CN" sz="1400" dirty="0">
+                <a:solidFill>
+                  <a:schemeClr val="tx1"/>
+                </a:solidFill>
+                <a:latin typeface="Microsoft YaHei UI" panose="020B0503020204020204" pitchFamily="34" charset="-122"/>
+                <a:ea typeface="Microsoft YaHei UI" panose="020B0503020204020204" pitchFamily="34" charset="-122"/>
+              </a:rPr>
+              <a:t>Redis</a:t>
+            </a:r>
+          </a:p>
+        </p:txBody>
+      </p:sp>
+      <p:sp>
+        <p:nvSpPr>
+          <p:cNvPr id="147" name="矩形: 圆角 146">
+            <a:extLst>
+              <a:ext uri="{FF2B5EF4-FFF2-40B4-BE49-F238E27FC236}">
+                <a16:creationId xmlns:a16="http://schemas.microsoft.com/office/drawing/2014/main" id="{8F1C39F1-771A-4353-9611-D2EEBAA6CD9B}"/>
+              </a:ext>
+            </a:extLst>
+          </p:cNvPr>
+          <p:cNvSpPr/>
+          <p:nvPr/>
+        </p:nvSpPr>
+        <p:spPr>
+          <a:xfrm>
+            <a:off x="342159" y="5089559"/>
+            <a:ext cx="846407" cy="387667"/>
+          </a:xfrm>
+          <a:prstGeom prst="roundRect">
+            <a:avLst/>
+          </a:prstGeom>
+          <a:noFill/>
+          <a:ln>
+            <a:noFill/>
+          </a:ln>
+        </p:spPr>
+        <p:style>
+          <a:lnRef idx="0">
+            <a:scrgbClr r="0" g="0" b="0"/>
+          </a:lnRef>
+          <a:fillRef idx="0">
+            <a:scrgbClr r="0" g="0" b="0"/>
+          </a:fillRef>
+          <a:effectRef idx="0">
+            <a:scrgbClr r="0" g="0" b="0"/>
+          </a:effectRef>
+          <a:fontRef idx="minor">
+            <a:schemeClr val="lt1"/>
+          </a:fontRef>
+        </p:style>
+        <p:txBody>
+          <a:bodyPr rtlCol="0" anchor="ctr"/>
+          <a:lstStyle/>
+          <a:p>
+            <a:pPr algn="ctr"/>
+            <a:r>
+              <a:rPr lang="en-US" altLang="zh-CN" sz="1400" dirty="0">
+                <a:solidFill>
+                  <a:schemeClr val="tx1"/>
+                </a:solidFill>
+                <a:latin typeface="Microsoft YaHei UI" panose="020B0503020204020204" pitchFamily="34" charset="-122"/>
+                <a:ea typeface="Microsoft YaHei UI" panose="020B0503020204020204" pitchFamily="34" charset="-122"/>
+              </a:rPr>
+              <a:t>…</a:t>
+            </a:r>
+          </a:p>
+        </p:txBody>
+      </p:sp>
+      <p:sp>
+        <p:nvSpPr>
+          <p:cNvPr id="159" name="矩形: 圆角 158">
+            <a:extLst>
+              <a:ext uri="{FF2B5EF4-FFF2-40B4-BE49-F238E27FC236}">
+                <a16:creationId xmlns:a16="http://schemas.microsoft.com/office/drawing/2014/main" id="{804A92D4-74E2-4771-B8B2-8F9A75321748}"/>
+              </a:ext>
+            </a:extLst>
+          </p:cNvPr>
+          <p:cNvSpPr/>
+          <p:nvPr/>
+        </p:nvSpPr>
+        <p:spPr>
+          <a:xfrm>
+            <a:off x="1629989" y="3659636"/>
+            <a:ext cx="767765" cy="1330776"/>
+          </a:xfrm>
+          <a:prstGeom prst="roundRect">
+            <a:avLst/>
+          </a:prstGeom>
+          <a:solidFill>
+            <a:schemeClr val="accent6">
+              <a:lumMod val="60000"/>
+              <a:lumOff val="40000"/>
+            </a:schemeClr>
+          </a:solidFill>
+          <a:ln>
+            <a:solidFill>
+              <a:schemeClr val="accent1">
+                <a:lumMod val="40000"/>
+                <a:lumOff val="60000"/>
+              </a:schemeClr>
+            </a:solidFill>
+          </a:ln>
+        </p:spPr>
+        <p:style>
+          <a:lnRef idx="0">
+            <a:scrgbClr r="0" g="0" b="0"/>
+          </a:lnRef>
+          <a:fillRef idx="0">
+            <a:scrgbClr r="0" g="0" b="0"/>
+          </a:fillRef>
+          <a:effectRef idx="0">
+            <a:scrgbClr r="0" g="0" b="0"/>
+          </a:effectRef>
+          <a:fontRef idx="minor">
+            <a:schemeClr val="lt1"/>
+          </a:fontRef>
+        </p:style>
+        <p:txBody>
+          <a:bodyPr rtlCol="0" anchor="ctr"/>
+          <a:lstStyle/>
+          <a:p>
+            <a:pPr algn="ctr"/>
+            <a:r>
+              <a:rPr lang="zh-CN" altLang="en-US" sz="1400" dirty="0">
+                <a:solidFill>
+                  <a:schemeClr val="tx1"/>
+                </a:solidFill>
+                <a:latin typeface="Microsoft YaHei UI" panose="020B0503020204020204" pitchFamily="34" charset="-122"/>
+                <a:ea typeface="Microsoft YaHei UI" panose="020B0503020204020204" pitchFamily="34" charset="-122"/>
+              </a:rPr>
+              <a:t>负载均衡</a:t>
+            </a:r>
+            <a:endParaRPr lang="en-US" altLang="zh-CN" sz="1400" dirty="0">
+              <a:solidFill>
+                <a:schemeClr val="tx1"/>
+              </a:solidFill>
+              <a:latin typeface="Microsoft YaHei UI" panose="020B0503020204020204" pitchFamily="34" charset="-122"/>
+              <a:ea typeface="Microsoft YaHei UI" panose="020B0503020204020204" pitchFamily="34" charset="-122"/>
+            </a:endParaRPr>
+          </a:p>
+        </p:txBody>
+      </p:sp>
+      <p:cxnSp>
+        <p:nvCxnSpPr>
+          <p:cNvPr id="160" name="直接箭头连接符 159">
+            <a:extLst>
+              <a:ext uri="{FF2B5EF4-FFF2-40B4-BE49-F238E27FC236}">
+                <a16:creationId xmlns:a16="http://schemas.microsoft.com/office/drawing/2014/main" id="{AD58FABE-F382-4656-BBC7-9BD18F3BE10F}"/>
+              </a:ext>
+            </a:extLst>
+          </p:cNvPr>
+          <p:cNvCxnSpPr>
+            <a:cxnSpLocks/>
+            <a:stCxn id="53" idx="3"/>
+            <a:endCxn id="159" idx="1"/>
+          </p:cNvCxnSpPr>
+          <p:nvPr/>
+        </p:nvCxnSpPr>
+        <p:spPr>
+          <a:xfrm>
+            <a:off x="1326801" y="4319927"/>
+            <a:ext cx="303188" cy="5097"/>
+          </a:xfrm>
+          <a:prstGeom prst="straightConnector1">
+            <a:avLst/>
+          </a:prstGeom>
+          <a:ln>
+            <a:solidFill>
+              <a:schemeClr val="accent1">
+                <a:lumMod val="40000"/>
+                <a:lumOff val="60000"/>
+              </a:schemeClr>
+            </a:solidFill>
+            <a:headEnd type="triangle"/>
+            <a:tailEnd type="triangle"/>
+          </a:ln>
+        </p:spPr>
+        <p:style>
+          <a:lnRef idx="1">
+            <a:schemeClr val="accent1"/>
+          </a:lnRef>
+          <a:fillRef idx="0">
+            <a:schemeClr val="accent1"/>
+          </a:fillRef>
+          <a:effectRef idx="0">
+            <a:schemeClr val="accent1"/>
+          </a:effectRef>
+          <a:fontRef idx="minor">
+            <a:schemeClr val="tx1"/>
+          </a:fontRef>
+        </p:style>
+      </p:cxnSp>
+      <p:cxnSp>
+        <p:nvCxnSpPr>
+          <p:cNvPr id="161" name="直接箭头连接符 160">
+            <a:extLst>
+              <a:ext uri="{FF2B5EF4-FFF2-40B4-BE49-F238E27FC236}">
+                <a16:creationId xmlns:a16="http://schemas.microsoft.com/office/drawing/2014/main" id="{CEA43CD5-B0E2-497A-9C5C-2B89A934CF57}"/>
+              </a:ext>
+            </a:extLst>
+          </p:cNvPr>
+          <p:cNvCxnSpPr>
+            <a:cxnSpLocks/>
+            <a:stCxn id="159" idx="3"/>
+            <a:endCxn id="52" idx="1"/>
+          </p:cNvCxnSpPr>
+          <p:nvPr/>
+        </p:nvCxnSpPr>
+        <p:spPr>
+          <a:xfrm>
+            <a:off x="2397754" y="4325024"/>
+            <a:ext cx="305893" cy="4457"/>
+          </a:xfrm>
+          <a:prstGeom prst="straightConnector1">
+            <a:avLst/>
+          </a:prstGeom>
+          <a:ln>
+            <a:solidFill>
+              <a:schemeClr val="accent1">
+                <a:lumMod val="40000"/>
+                <a:lumOff val="60000"/>
+              </a:schemeClr>
+            </a:solidFill>
+            <a:headEnd type="triangle"/>
+            <a:tailEnd type="triangle"/>
+          </a:ln>
+        </p:spPr>
+        <p:style>
+          <a:lnRef idx="1">
+            <a:schemeClr val="accent1"/>
+          </a:lnRef>
+          <a:fillRef idx="0">
+            <a:schemeClr val="accent1"/>
+          </a:fillRef>
+          <a:effectRef idx="0">
+            <a:schemeClr val="accent1"/>
+          </a:effectRef>
+          <a:fontRef idx="minor">
+            <a:schemeClr val="tx1"/>
+          </a:fontRef>
+        </p:style>
+      </p:cxnSp>
+      <p:cxnSp>
+        <p:nvCxnSpPr>
+          <p:cNvPr id="27" name="直接箭头连接符 26">
+            <a:extLst>
+              <a:ext uri="{FF2B5EF4-FFF2-40B4-BE49-F238E27FC236}">
+                <a16:creationId xmlns:a16="http://schemas.microsoft.com/office/drawing/2014/main" id="{CD81C95B-03DE-4B68-B354-FFF8E7321BE6}"/>
+              </a:ext>
+            </a:extLst>
+          </p:cNvPr>
+          <p:cNvCxnSpPr>
+            <a:stCxn id="50" idx="2"/>
+            <a:endCxn id="66" idx="0"/>
+          </p:cNvCxnSpPr>
+          <p:nvPr/>
+        </p:nvCxnSpPr>
+        <p:spPr>
+          <a:xfrm>
+            <a:off x="6911184" y="1404719"/>
+            <a:ext cx="0" cy="689616"/>
+          </a:xfrm>
+          <a:prstGeom prst="straightConnector1">
+            <a:avLst/>
+          </a:prstGeom>
+          <a:ln>
+            <a:solidFill>
+              <a:schemeClr val="accent5">
+                <a:lumMod val="40000"/>
+                <a:lumOff val="60000"/>
+              </a:schemeClr>
+            </a:solidFill>
+            <a:headEnd type="triangle"/>
+            <a:tailEnd type="triangle"/>
+          </a:ln>
+        </p:spPr>
+        <p:style>
+          <a:lnRef idx="1">
+            <a:schemeClr val="accent5"/>
+          </a:lnRef>
+          <a:fillRef idx="0">
+            <a:schemeClr val="accent5"/>
+          </a:fillRef>
+          <a:effectRef idx="0">
+            <a:schemeClr val="accent5"/>
+          </a:effectRef>
+          <a:fontRef idx="minor">
+            <a:schemeClr val="tx1"/>
+          </a:fontRef>
+        </p:style>
+      </p:cxnSp>
+      <p:sp>
+        <p:nvSpPr>
+          <p:cNvPr id="93" name="矩形: 圆角 73">
             <a:extLst>
               <a:ext uri="{FF2B5EF4-FFF2-40B4-BE49-F238E27FC236}">
                 <a16:creationId xmlns:a16="http://schemas.microsoft.com/office/drawing/2014/main" id="{F4FE9005-38E1-4DA0-BB82-072E855093F2}"/>
@@ -7785,7 +9659,7 @@
         </p:nvSpPr>
         <p:spPr>
           <a:xfrm>
-            <a:off x="6648568" y="898457"/>
+            <a:off x="7061785" y="862436"/>
             <a:ext cx="1447224" cy="385658"/>
           </a:xfrm>
           <a:prstGeom prst="roundRect">
@@ -7847,33 +9721,79 @@
       </p:sp>
       <p:sp>
         <p:nvSpPr>
-          <p:cNvPr id="75" name="矩形: 圆角 74">
-            <a:extLst>
-              <a:ext uri="{FF2B5EF4-FFF2-40B4-BE49-F238E27FC236}">
-                <a16:creationId xmlns:a16="http://schemas.microsoft.com/office/drawing/2014/main" id="{738BCAE8-956B-4EC4-A808-1AF5DDDC5139}"/>
-              </a:ext>
-            </a:extLst>
-          </p:cNvPr>
+          <p:cNvPr id="83" name="燕尾形箭头 82"/>
           <p:cNvSpPr/>
           <p:nvPr/>
         </p:nvSpPr>
         <p:spPr>
           <a:xfrm>
-            <a:off x="9816574" y="1504247"/>
-            <a:ext cx="1853854" cy="445843"/>
-          </a:xfrm>
-          <a:prstGeom prst="roundRect">
-            <a:avLst/>
-          </a:prstGeom>
-          <a:solidFill>
-            <a:schemeClr val="accent6">
-              <a:lumMod val="20000"/>
-              <a:lumOff val="80000"/>
-            </a:schemeClr>
-          </a:solidFill>
+            <a:off x="8848086" y="716558"/>
+            <a:ext cx="978408" cy="484632"/>
+          </a:xfrm>
+          <a:prstGeom prst="notchedRightArrow">
+            <a:avLst/>
+          </a:prstGeom>
+          <a:noFill/>
           <a:ln>
             <a:solidFill>
-              <a:schemeClr val="accent6">
+              <a:schemeClr val="accent1"/>
+            </a:solidFill>
+            <a:prstDash val="dash"/>
+          </a:ln>
+        </p:spPr>
+        <p:style>
+          <a:lnRef idx="0">
+            <a:scrgbClr r="0" g="0" b="0"/>
+          </a:lnRef>
+          <a:fillRef idx="0">
+            <a:scrgbClr r="0" g="0" b="0"/>
+          </a:fillRef>
+          <a:effectRef idx="0">
+            <a:scrgbClr r="0" g="0" b="0"/>
+          </a:effectRef>
+          <a:fontRef idx="minor">
+            <a:schemeClr val="lt1"/>
+          </a:fontRef>
+        </p:style>
+        <p:txBody>
+          <a:bodyPr rtlCol="0" anchor="t"/>
+          <a:lstStyle/>
+          <a:p>
+            <a:pPr algn="ctr"/>
+            <a:endParaRPr lang="zh-CN" altLang="en-US" sz="1400">
+              <a:solidFill>
+                <a:schemeClr val="tx1"/>
+              </a:solidFill>
+              <a:latin typeface="Microsoft YaHei UI" panose="020B0503020204020204" pitchFamily="34" charset="-122"/>
+              <a:ea typeface="Microsoft YaHei UI" panose="020B0503020204020204" pitchFamily="34" charset="-122"/>
+            </a:endParaRPr>
+          </a:p>
+        </p:txBody>
+      </p:sp>
+      <p:sp>
+        <p:nvSpPr>
+          <p:cNvPr id="113" name="矩形: 圆角 66">
+            <a:extLst>
+              <a:ext uri="{FF2B5EF4-FFF2-40B4-BE49-F238E27FC236}">
+                <a16:creationId xmlns:a16="http://schemas.microsoft.com/office/drawing/2014/main" id="{EF978A12-2129-4DFB-AC2F-56DECF598C58}"/>
+              </a:ext>
+            </a:extLst>
+          </p:cNvPr>
+          <p:cNvSpPr/>
+          <p:nvPr/>
+        </p:nvSpPr>
+        <p:spPr>
+          <a:xfrm>
+            <a:off x="9992221" y="3359484"/>
+            <a:ext cx="1911400" cy="663614"/>
+          </a:xfrm>
+          <a:prstGeom prst="roundRect">
+            <a:avLst/>
+          </a:prstGeom>
+          <a:noFill/>
+          <a:ln>
+            <a:solidFill>
+              <a:schemeClr val="accent1">
                 <a:lumMod val="40000"/>
                 <a:lumOff val="60000"/>
               </a:schemeClr>
@@ -7900,101 +9820,14 @@
           <a:p>
             <a:pPr algn="ctr"/>
             <a:r>
-              <a:rPr lang="zh-CN" altLang="en-US" sz="1400" dirty="0">
+              <a:rPr lang="zh-CN" altLang="en-US" sz="1400" dirty="0" smtClean="0">
                 <a:solidFill>
                   <a:schemeClr val="tx1"/>
                 </a:solidFill>
                 <a:latin typeface="Microsoft YaHei UI" panose="020B0503020204020204" pitchFamily="34" charset="-122"/>
                 <a:ea typeface="Microsoft YaHei UI" panose="020B0503020204020204" pitchFamily="34" charset="-122"/>
               </a:rPr>
-              <a:t>指标监控 </a:t>
-            </a:r>
-            <a:r>
-              <a:rPr lang="en-US" altLang="zh-CN" sz="1400" dirty="0">
-                <a:solidFill>
-                  <a:schemeClr val="tx1"/>
-                </a:solidFill>
-                <a:latin typeface="Microsoft YaHei UI" panose="020B0503020204020204" pitchFamily="34" charset="-122"/>
-                <a:ea typeface="Microsoft YaHei UI" panose="020B0503020204020204" pitchFamily="34" charset="-122"/>
-              </a:rPr>
-              <a:t>Admin</a:t>
-            </a:r>
-          </a:p>
-        </p:txBody>
-      </p:sp>
-      <p:sp>
-        <p:nvSpPr>
-          <p:cNvPr id="76" name="矩形: 圆角 75">
-            <a:extLst>
-              <a:ext uri="{FF2B5EF4-FFF2-40B4-BE49-F238E27FC236}">
-                <a16:creationId xmlns:a16="http://schemas.microsoft.com/office/drawing/2014/main" id="{1A1C1688-A0C2-428C-B5CD-5ECBE34AEBB0}"/>
-              </a:ext>
-            </a:extLst>
-          </p:cNvPr>
-          <p:cNvSpPr/>
-          <p:nvPr/>
-        </p:nvSpPr>
-        <p:spPr>
-          <a:xfrm>
-            <a:off x="9816573" y="944807"/>
-            <a:ext cx="1853855" cy="445843"/>
-          </a:xfrm>
-          <a:prstGeom prst="roundRect">
-            <a:avLst/>
-          </a:prstGeom>
-          <a:solidFill>
-            <a:schemeClr val="accent6">
-              <a:lumMod val="20000"/>
-              <a:lumOff val="80000"/>
-            </a:schemeClr>
-          </a:solidFill>
-          <a:ln>
-            <a:solidFill>
-              <a:schemeClr val="accent6">
-                <a:lumMod val="40000"/>
-                <a:lumOff val="60000"/>
-              </a:schemeClr>
-            </a:solidFill>
-          </a:ln>
-        </p:spPr>
-        <p:style>
-          <a:lnRef idx="0">
-            <a:scrgbClr r="0" g="0" b="0"/>
-          </a:lnRef>
-          <a:fillRef idx="0">
-            <a:scrgbClr r="0" g="0" b="0"/>
-          </a:fillRef>
-          <a:effectRef idx="0">
-            <a:scrgbClr r="0" g="0" b="0"/>
-          </a:effectRef>
-          <a:fontRef idx="minor">
-            <a:schemeClr val="lt1"/>
-          </a:fontRef>
-        </p:style>
-        <p:txBody>
-          <a:bodyPr rtlCol="0" anchor="ctr"/>
-          <a:lstStyle/>
-          <a:p>
-            <a:pPr algn="ctr"/>
-            <a:r>
-              <a:rPr lang="zh-CN" altLang="en-US" sz="1400" dirty="0">
-                <a:solidFill>
-                  <a:schemeClr val="tx1"/>
-                </a:solidFill>
-                <a:latin typeface="Microsoft YaHei UI" panose="020B0503020204020204" pitchFamily="34" charset="-122"/>
-                <a:ea typeface="Microsoft YaHei UI" panose="020B0503020204020204" pitchFamily="34" charset="-122"/>
-              </a:rPr>
-              <a:t>调用链监控 </a:t>
-            </a:r>
-            <a:r>
-              <a:rPr lang="en-US" altLang="zh-CN" sz="1400" dirty="0" err="1">
-                <a:solidFill>
-                  <a:schemeClr val="tx1"/>
-                </a:solidFill>
-                <a:latin typeface="Microsoft YaHei UI" panose="020B0503020204020204" pitchFamily="34" charset="-122"/>
-                <a:ea typeface="Microsoft YaHei UI" panose="020B0503020204020204" pitchFamily="34" charset="-122"/>
-              </a:rPr>
-              <a:t>Ziplin</a:t>
+              <a:t>缓存组件</a:t>
             </a:r>
             <a:endParaRPr lang="en-US" altLang="zh-CN" sz="1400" dirty="0">
               <a:solidFill>
@@ -8004,564 +9837,17 @@
               <a:ea typeface="Microsoft YaHei UI" panose="020B0503020204020204" pitchFamily="34" charset="-122"/>
             </a:endParaRPr>
           </a:p>
-        </p:txBody>
-      </p:sp>
-      <p:cxnSp>
-        <p:nvCxnSpPr>
-          <p:cNvPr id="3" name="直接箭头连接符 2">
-            <a:extLst>
-              <a:ext uri="{FF2B5EF4-FFF2-40B4-BE49-F238E27FC236}">
-                <a16:creationId xmlns:a16="http://schemas.microsoft.com/office/drawing/2014/main" id="{2B339BA5-A49F-42BF-9C8B-A18C23B7DFEA}"/>
-              </a:ext>
-            </a:extLst>
-          </p:cNvPr>
-          <p:cNvCxnSpPr>
-            <a:cxnSpLocks/>
-            <a:stCxn id="17" idx="3"/>
-            <a:endCxn id="46" idx="1"/>
-          </p:cNvCxnSpPr>
-          <p:nvPr/>
-        </p:nvCxnSpPr>
-        <p:spPr>
-          <a:xfrm flipV="1">
-            <a:off x="1392702" y="958875"/>
-            <a:ext cx="834683" cy="3006"/>
-          </a:xfrm>
-          <a:prstGeom prst="straightConnector1">
-            <a:avLst/>
-          </a:prstGeom>
-          <a:ln>
-            <a:solidFill>
-              <a:schemeClr val="accent1">
-                <a:lumMod val="40000"/>
-                <a:lumOff val="60000"/>
-              </a:schemeClr>
-            </a:solidFill>
-            <a:tailEnd type="triangle"/>
-          </a:ln>
-        </p:spPr>
-        <p:style>
-          <a:lnRef idx="1">
-            <a:schemeClr val="accent1"/>
-          </a:lnRef>
-          <a:fillRef idx="0">
-            <a:schemeClr val="accent1"/>
-          </a:fillRef>
-          <a:effectRef idx="0">
-            <a:schemeClr val="accent1"/>
-          </a:effectRef>
-          <a:fontRef idx="minor">
-            <a:schemeClr val="tx1"/>
-          </a:fontRef>
-        </p:style>
-      </p:cxnSp>
-      <p:cxnSp>
-        <p:nvCxnSpPr>
-          <p:cNvPr id="10" name="直接箭头连接符 9">
-            <a:extLst>
-              <a:ext uri="{FF2B5EF4-FFF2-40B4-BE49-F238E27FC236}">
-                <a16:creationId xmlns:a16="http://schemas.microsoft.com/office/drawing/2014/main" id="{117B31F3-997E-4A13-BD4D-15AA6A4C8FF7}"/>
-              </a:ext>
-            </a:extLst>
-          </p:cNvPr>
-          <p:cNvCxnSpPr>
-            <a:cxnSpLocks/>
-            <a:stCxn id="46" idx="3"/>
-            <a:endCxn id="50" idx="1"/>
-          </p:cNvCxnSpPr>
-          <p:nvPr/>
-        </p:nvCxnSpPr>
-        <p:spPr>
-          <a:xfrm>
-            <a:off x="4557937" y="958875"/>
-            <a:ext cx="1859648" cy="0"/>
-          </a:xfrm>
-          <a:prstGeom prst="straightConnector1">
-            <a:avLst/>
-          </a:prstGeom>
-          <a:ln>
-            <a:solidFill>
-              <a:schemeClr val="accent1">
-                <a:lumMod val="40000"/>
-                <a:lumOff val="60000"/>
-              </a:schemeClr>
-            </a:solidFill>
-            <a:tailEnd type="triangle"/>
-          </a:ln>
-        </p:spPr>
-        <p:style>
-          <a:lnRef idx="1">
-            <a:schemeClr val="accent1"/>
-          </a:lnRef>
-          <a:fillRef idx="0">
-            <a:schemeClr val="accent1"/>
-          </a:fillRef>
-          <a:effectRef idx="0">
-            <a:schemeClr val="accent1"/>
-          </a:effectRef>
-          <a:fontRef idx="minor">
-            <a:schemeClr val="tx1"/>
-          </a:fontRef>
-        </p:style>
-      </p:cxnSp>
-      <p:cxnSp>
-        <p:nvCxnSpPr>
-          <p:cNvPr id="12" name="连接符: 肘形 11">
-            <a:extLst>
-              <a:ext uri="{FF2B5EF4-FFF2-40B4-BE49-F238E27FC236}">
-                <a16:creationId xmlns:a16="http://schemas.microsoft.com/office/drawing/2014/main" id="{20C34A33-908B-4C17-8110-3E810DA8453A}"/>
-              </a:ext>
-            </a:extLst>
-          </p:cNvPr>
-          <p:cNvCxnSpPr>
-            <a:cxnSpLocks/>
-            <a:stCxn id="51" idx="1"/>
-            <a:endCxn id="50" idx="3"/>
-          </p:cNvCxnSpPr>
-          <p:nvPr/>
-        </p:nvCxnSpPr>
-        <p:spPr>
-          <a:xfrm rot="10800000">
-            <a:off x="8328985" y="958876"/>
-            <a:ext cx="1244084" cy="338649"/>
-          </a:xfrm>
-          <a:prstGeom prst="bentConnector3">
-            <a:avLst>
-              <a:gd name="adj1" fmla="val 17207"/>
-            </a:avLst>
-          </a:prstGeom>
-          <a:ln>
-            <a:solidFill>
-              <a:schemeClr val="accent1">
-                <a:lumMod val="40000"/>
-                <a:lumOff val="60000"/>
-              </a:schemeClr>
-            </a:solidFill>
-            <a:tailEnd type="triangle"/>
-          </a:ln>
-        </p:spPr>
-        <p:style>
-          <a:lnRef idx="1">
-            <a:schemeClr val="accent1"/>
-          </a:lnRef>
-          <a:fillRef idx="0">
-            <a:schemeClr val="accent1"/>
-          </a:fillRef>
-          <a:effectRef idx="0">
-            <a:schemeClr val="accent1"/>
-          </a:effectRef>
-          <a:fontRef idx="minor">
-            <a:schemeClr val="tx1"/>
-          </a:fontRef>
-        </p:style>
-      </p:cxnSp>
-      <p:cxnSp>
-        <p:nvCxnSpPr>
-          <p:cNvPr id="14" name="连接符: 肘形 13">
-            <a:extLst>
-              <a:ext uri="{FF2B5EF4-FFF2-40B4-BE49-F238E27FC236}">
-                <a16:creationId xmlns:a16="http://schemas.microsoft.com/office/drawing/2014/main" id="{DEEBE4FB-F766-487C-A588-F4DBB06C8D86}"/>
-              </a:ext>
-            </a:extLst>
-          </p:cNvPr>
-          <p:cNvCxnSpPr>
-            <a:cxnSpLocks/>
-            <a:stCxn id="46" idx="2"/>
-            <a:endCxn id="66" idx="0"/>
-          </p:cNvCxnSpPr>
-          <p:nvPr/>
-        </p:nvCxnSpPr>
-        <p:spPr>
-          <a:xfrm rot="16200000" flipH="1">
-            <a:off x="5037937" y="-240557"/>
-            <a:ext cx="689616" cy="3980168"/>
-          </a:xfrm>
-          <a:prstGeom prst="bentConnector3">
-            <a:avLst>
-              <a:gd name="adj1" fmla="val 44475"/>
-            </a:avLst>
-          </a:prstGeom>
-          <a:ln>
-            <a:solidFill>
-              <a:schemeClr val="accent1">
-                <a:lumMod val="40000"/>
-                <a:lumOff val="60000"/>
-              </a:schemeClr>
-            </a:solidFill>
-            <a:tailEnd type="triangle"/>
-          </a:ln>
-        </p:spPr>
-        <p:style>
-          <a:lnRef idx="1">
-            <a:schemeClr val="accent1"/>
-          </a:lnRef>
-          <a:fillRef idx="0">
-            <a:schemeClr val="accent1"/>
-          </a:fillRef>
-          <a:effectRef idx="0">
-            <a:schemeClr val="accent1"/>
-          </a:effectRef>
-          <a:fontRef idx="minor">
-            <a:schemeClr val="tx1"/>
-          </a:fontRef>
-        </p:style>
-      </p:cxnSp>
-      <p:cxnSp>
-        <p:nvCxnSpPr>
-          <p:cNvPr id="32" name="连接符: 肘形 31">
-            <a:extLst>
-              <a:ext uri="{FF2B5EF4-FFF2-40B4-BE49-F238E27FC236}">
-                <a16:creationId xmlns:a16="http://schemas.microsoft.com/office/drawing/2014/main" id="{F14F0187-0280-4E71-9DDD-0518BC1335DC}"/>
-              </a:ext>
-            </a:extLst>
-          </p:cNvPr>
-          <p:cNvCxnSpPr>
-            <a:stCxn id="51" idx="1"/>
-            <a:endCxn id="66" idx="3"/>
-          </p:cNvCxnSpPr>
-          <p:nvPr/>
-        </p:nvCxnSpPr>
-        <p:spPr>
-          <a:xfrm rot="10800000" flipV="1">
-            <a:off x="9144005" y="1297523"/>
-            <a:ext cx="429065" cy="3027417"/>
-          </a:xfrm>
-          <a:prstGeom prst="bentConnector3">
-            <a:avLst>
-              <a:gd name="adj1" fmla="val 50000"/>
-            </a:avLst>
-          </a:prstGeom>
-          <a:ln>
-            <a:solidFill>
-              <a:schemeClr val="accent1">
-                <a:lumMod val="40000"/>
-                <a:lumOff val="60000"/>
-              </a:schemeClr>
-            </a:solidFill>
-            <a:tailEnd type="triangle"/>
-          </a:ln>
-        </p:spPr>
-        <p:style>
-          <a:lnRef idx="1">
-            <a:schemeClr val="accent1"/>
-          </a:lnRef>
-          <a:fillRef idx="0">
-            <a:schemeClr val="accent1"/>
-          </a:fillRef>
-          <a:effectRef idx="0">
-            <a:schemeClr val="accent1"/>
-          </a:effectRef>
-          <a:fontRef idx="minor">
-            <a:schemeClr val="tx1"/>
-          </a:fontRef>
-        </p:style>
-      </p:cxnSp>
-      <p:cxnSp>
-        <p:nvCxnSpPr>
-          <p:cNvPr id="34" name="连接符: 肘形 33">
-            <a:extLst>
-              <a:ext uri="{FF2B5EF4-FFF2-40B4-BE49-F238E27FC236}">
-                <a16:creationId xmlns:a16="http://schemas.microsoft.com/office/drawing/2014/main" id="{537D6BA3-35DF-413F-BD50-893A91EA66E1}"/>
-              </a:ext>
-            </a:extLst>
-          </p:cNvPr>
-          <p:cNvCxnSpPr>
-            <a:cxnSpLocks/>
-            <a:stCxn id="67" idx="1"/>
-            <a:endCxn id="66" idx="3"/>
-          </p:cNvCxnSpPr>
-          <p:nvPr/>
-        </p:nvCxnSpPr>
-        <p:spPr>
-          <a:xfrm rot="10800000" flipV="1">
-            <a:off x="9144005" y="3050251"/>
-            <a:ext cx="848217" cy="1274689"/>
-          </a:xfrm>
-          <a:prstGeom prst="bentConnector3">
-            <a:avLst/>
-          </a:prstGeom>
-          <a:ln>
-            <a:solidFill>
-              <a:schemeClr val="accent1">
-                <a:lumMod val="40000"/>
-                <a:lumOff val="60000"/>
-              </a:schemeClr>
-            </a:solidFill>
-            <a:tailEnd type="triangle"/>
-          </a:ln>
-        </p:spPr>
-        <p:style>
-          <a:lnRef idx="1">
-            <a:schemeClr val="accent1"/>
-          </a:lnRef>
-          <a:fillRef idx="0">
-            <a:schemeClr val="accent1"/>
-          </a:fillRef>
-          <a:effectRef idx="0">
-            <a:schemeClr val="accent1"/>
-          </a:effectRef>
-          <a:fontRef idx="minor">
-            <a:schemeClr val="tx1"/>
-          </a:fontRef>
-        </p:style>
-      </p:cxnSp>
-      <p:cxnSp>
-        <p:nvCxnSpPr>
-          <p:cNvPr id="77" name="连接符: 肘形 76">
-            <a:extLst>
-              <a:ext uri="{FF2B5EF4-FFF2-40B4-BE49-F238E27FC236}">
-                <a16:creationId xmlns:a16="http://schemas.microsoft.com/office/drawing/2014/main" id="{463DF0CF-F9DB-4B3D-86D0-66D62EFA3808}"/>
-              </a:ext>
-            </a:extLst>
-          </p:cNvPr>
-          <p:cNvCxnSpPr>
-            <a:cxnSpLocks/>
-            <a:stCxn id="68" idx="1"/>
-            <a:endCxn id="66" idx="3"/>
-          </p:cNvCxnSpPr>
-          <p:nvPr/>
-        </p:nvCxnSpPr>
-        <p:spPr>
-          <a:xfrm rot="10800000">
-            <a:off x="9144005" y="4324941"/>
-            <a:ext cx="848217" cy="9810"/>
-          </a:xfrm>
-          <a:prstGeom prst="bentConnector3">
-            <a:avLst/>
-          </a:prstGeom>
-          <a:ln>
-            <a:solidFill>
-              <a:schemeClr val="accent1">
-                <a:lumMod val="40000"/>
-                <a:lumOff val="60000"/>
-              </a:schemeClr>
-            </a:solidFill>
-            <a:tailEnd type="triangle"/>
-          </a:ln>
-        </p:spPr>
-        <p:style>
-          <a:lnRef idx="1">
-            <a:schemeClr val="accent1"/>
-          </a:lnRef>
-          <a:fillRef idx="0">
-            <a:schemeClr val="accent1"/>
-          </a:fillRef>
-          <a:effectRef idx="0">
-            <a:schemeClr val="accent1"/>
-          </a:effectRef>
-          <a:fontRef idx="minor">
-            <a:schemeClr val="tx1"/>
-          </a:fontRef>
-        </p:style>
-      </p:cxnSp>
-      <p:cxnSp>
-        <p:nvCxnSpPr>
-          <p:cNvPr id="79" name="连接符: 肘形 78">
-            <a:extLst>
-              <a:ext uri="{FF2B5EF4-FFF2-40B4-BE49-F238E27FC236}">
-                <a16:creationId xmlns:a16="http://schemas.microsoft.com/office/drawing/2014/main" id="{DB2D0E7E-4C27-4C5A-8303-AC03EC074C65}"/>
-              </a:ext>
-            </a:extLst>
-          </p:cNvPr>
-          <p:cNvCxnSpPr>
-            <a:cxnSpLocks/>
-            <a:stCxn id="69" idx="1"/>
-            <a:endCxn id="66" idx="3"/>
-          </p:cNvCxnSpPr>
-          <p:nvPr/>
-        </p:nvCxnSpPr>
-        <p:spPr>
-          <a:xfrm rot="10800000">
-            <a:off x="9144005" y="4324942"/>
-            <a:ext cx="848217" cy="1294309"/>
-          </a:xfrm>
-          <a:prstGeom prst="bentConnector3">
-            <a:avLst>
-              <a:gd name="adj1" fmla="val 50000"/>
-            </a:avLst>
-          </a:prstGeom>
-          <a:ln>
-            <a:solidFill>
-              <a:schemeClr val="accent1">
-                <a:lumMod val="40000"/>
-                <a:lumOff val="60000"/>
-              </a:schemeClr>
-            </a:solidFill>
-            <a:tailEnd type="triangle"/>
-          </a:ln>
-        </p:spPr>
-        <p:style>
-          <a:lnRef idx="1">
-            <a:schemeClr val="accent1"/>
-          </a:lnRef>
-          <a:fillRef idx="0">
-            <a:schemeClr val="accent1"/>
-          </a:fillRef>
-          <a:effectRef idx="0">
-            <a:schemeClr val="accent1"/>
-          </a:effectRef>
-          <a:fontRef idx="minor">
-            <a:schemeClr val="tx1"/>
-          </a:fontRef>
-        </p:style>
-      </p:cxnSp>
-      <p:cxnSp>
-        <p:nvCxnSpPr>
-          <p:cNvPr id="107" name="直接箭头连接符 106">
-            <a:extLst>
-              <a:ext uri="{FF2B5EF4-FFF2-40B4-BE49-F238E27FC236}">
-                <a16:creationId xmlns:a16="http://schemas.microsoft.com/office/drawing/2014/main" id="{ADE1D388-440A-4874-BCFA-246BE951EBCE}"/>
-              </a:ext>
-            </a:extLst>
-          </p:cNvPr>
-          <p:cNvCxnSpPr>
-            <a:cxnSpLocks/>
-            <a:stCxn id="52" idx="3"/>
-          </p:cNvCxnSpPr>
-          <p:nvPr/>
-        </p:nvCxnSpPr>
-        <p:spPr>
-          <a:xfrm flipV="1">
-            <a:off x="3993674" y="4321712"/>
-            <a:ext cx="320676" cy="7769"/>
-          </a:xfrm>
-          <a:prstGeom prst="straightConnector1">
-            <a:avLst/>
-          </a:prstGeom>
-          <a:ln>
-            <a:solidFill>
-              <a:schemeClr val="accent1">
-                <a:lumMod val="60000"/>
-                <a:lumOff val="40000"/>
-              </a:schemeClr>
-            </a:solidFill>
-            <a:headEnd type="triangle"/>
-            <a:tailEnd type="triangle"/>
-          </a:ln>
-        </p:spPr>
-        <p:style>
-          <a:lnRef idx="1">
-            <a:schemeClr val="accent1"/>
-          </a:lnRef>
-          <a:fillRef idx="0">
-            <a:schemeClr val="accent1"/>
-          </a:fillRef>
-          <a:effectRef idx="0">
-            <a:schemeClr val="accent1"/>
-          </a:effectRef>
-          <a:fontRef idx="minor">
-            <a:schemeClr val="tx1"/>
-          </a:fontRef>
-        </p:style>
-      </p:cxnSp>
-      <p:cxnSp>
-        <p:nvCxnSpPr>
-          <p:cNvPr id="109" name="直接箭头连接符 108">
-            <a:extLst>
-              <a:ext uri="{FF2B5EF4-FFF2-40B4-BE49-F238E27FC236}">
-                <a16:creationId xmlns:a16="http://schemas.microsoft.com/office/drawing/2014/main" id="{44E2E5F5-C700-48AB-8872-BB6E4217FEDC}"/>
-              </a:ext>
-            </a:extLst>
-          </p:cNvPr>
-          <p:cNvCxnSpPr>
-            <a:cxnSpLocks/>
-            <a:stCxn id="70" idx="3"/>
-            <a:endCxn id="66" idx="1"/>
-          </p:cNvCxnSpPr>
-          <p:nvPr/>
-        </p:nvCxnSpPr>
-        <p:spPr>
-          <a:xfrm>
-            <a:off x="5307199" y="4321712"/>
-            <a:ext cx="294455" cy="3229"/>
-          </a:xfrm>
-          <a:prstGeom prst="straightConnector1">
-            <a:avLst/>
-          </a:prstGeom>
-          <a:ln>
-            <a:solidFill>
-              <a:schemeClr val="accent1">
-                <a:lumMod val="40000"/>
-                <a:lumOff val="60000"/>
-              </a:schemeClr>
-            </a:solidFill>
-            <a:headEnd type="triangle"/>
-            <a:tailEnd type="triangle"/>
-          </a:ln>
-        </p:spPr>
-        <p:style>
-          <a:lnRef idx="1">
-            <a:schemeClr val="accent1"/>
-          </a:lnRef>
-          <a:fillRef idx="0">
-            <a:schemeClr val="accent1"/>
-          </a:fillRef>
-          <a:effectRef idx="0">
-            <a:schemeClr val="accent1"/>
-          </a:effectRef>
-          <a:fontRef idx="minor">
-            <a:schemeClr val="tx1"/>
-          </a:fontRef>
-        </p:style>
-      </p:cxnSp>
-      <p:sp>
-        <p:nvSpPr>
-          <p:cNvPr id="120" name="矩形: 圆角 119">
-            <a:extLst>
-              <a:ext uri="{FF2B5EF4-FFF2-40B4-BE49-F238E27FC236}">
-                <a16:creationId xmlns:a16="http://schemas.microsoft.com/office/drawing/2014/main" id="{C224BA91-0712-49A5-AE83-968FEB8CA6F8}"/>
-              </a:ext>
-            </a:extLst>
-          </p:cNvPr>
-          <p:cNvSpPr/>
-          <p:nvPr/>
-        </p:nvSpPr>
-        <p:spPr>
-          <a:xfrm>
-            <a:off x="3066121" y="5265901"/>
-            <a:ext cx="767765" cy="644475"/>
-          </a:xfrm>
-          <a:prstGeom prst="roundRect">
-            <a:avLst/>
-          </a:prstGeom>
-          <a:noFill/>
-          <a:ln>
-            <a:solidFill>
-              <a:schemeClr val="accent3">
-                <a:lumMod val="60000"/>
-                <a:lumOff val="40000"/>
-              </a:schemeClr>
-            </a:solidFill>
-          </a:ln>
-        </p:spPr>
-        <p:style>
-          <a:lnRef idx="0">
-            <a:scrgbClr r="0" g="0" b="0"/>
-          </a:lnRef>
-          <a:fillRef idx="0">
-            <a:scrgbClr r="0" g="0" b="0"/>
-          </a:fillRef>
-          <a:effectRef idx="0">
-            <a:scrgbClr r="0" g="0" b="0"/>
-          </a:effectRef>
-          <a:fontRef idx="minor">
-            <a:schemeClr val="lt1"/>
-          </a:fontRef>
-        </p:style>
-        <p:txBody>
-          <a:bodyPr rtlCol="0" anchor="ctr"/>
-          <a:lstStyle/>
           <a:p>
             <a:pPr algn="ctr"/>
             <a:r>
-              <a:rPr lang="zh-CN" altLang="en-US" sz="1400" dirty="0">
+              <a:rPr lang="en-US" altLang="zh-CN" sz="1400" dirty="0" err="1" smtClean="0">
                 <a:solidFill>
                   <a:schemeClr val="tx1"/>
                 </a:solidFill>
                 <a:latin typeface="Microsoft YaHei UI" panose="020B0503020204020204" pitchFamily="34" charset="-122"/>
                 <a:ea typeface="Microsoft YaHei UI" panose="020B0503020204020204" pitchFamily="34" charset="-122"/>
               </a:rPr>
-              <a:t>访问认证</a:t>
+              <a:t>Redis</a:t>
             </a:r>
             <a:endParaRPr lang="en-US" altLang="zh-CN" sz="1400" dirty="0">
               <a:solidFill>
@@ -8573,274 +9859,30 @@
           </a:p>
         </p:txBody>
       </p:sp>
-      <p:sp>
-        <p:nvSpPr>
-          <p:cNvPr id="121" name="矩形: 圆角 120">
-            <a:extLst>
-              <a:ext uri="{FF2B5EF4-FFF2-40B4-BE49-F238E27FC236}">
-                <a16:creationId xmlns:a16="http://schemas.microsoft.com/office/drawing/2014/main" id="{908F6E70-842C-402E-A7B5-75F1CAFF1A21}"/>
-              </a:ext>
-            </a:extLst>
-          </p:cNvPr>
-          <p:cNvSpPr/>
-          <p:nvPr/>
-        </p:nvSpPr>
-        <p:spPr>
-          <a:xfrm>
-            <a:off x="3066121" y="4077478"/>
-            <a:ext cx="767765" cy="644475"/>
-          </a:xfrm>
-          <a:prstGeom prst="roundRect">
-            <a:avLst/>
-          </a:prstGeom>
-          <a:noFill/>
-          <a:ln>
-            <a:solidFill>
-              <a:schemeClr val="accent3">
-                <a:lumMod val="60000"/>
-                <a:lumOff val="40000"/>
-              </a:schemeClr>
-            </a:solidFill>
-          </a:ln>
-        </p:spPr>
-        <p:style>
-          <a:lnRef idx="0">
-            <a:scrgbClr r="0" g="0" b="0"/>
-          </a:lnRef>
-          <a:fillRef idx="0">
-            <a:scrgbClr r="0" g="0" b="0"/>
-          </a:fillRef>
-          <a:effectRef idx="0">
-            <a:scrgbClr r="0" g="0" b="0"/>
-          </a:effectRef>
-          <a:fontRef idx="minor">
-            <a:schemeClr val="lt1"/>
-          </a:fontRef>
-        </p:style>
-        <p:txBody>
-          <a:bodyPr rtlCol="0" anchor="ctr"/>
-          <a:lstStyle/>
-          <a:p>
-            <a:pPr algn="ctr"/>
-            <a:r>
-              <a:rPr lang="en-US" altLang="zh-CN" sz="1400" dirty="0">
-                <a:solidFill>
-                  <a:schemeClr val="tx1"/>
-                </a:solidFill>
-                <a:latin typeface="Microsoft YaHei UI" panose="020B0503020204020204" pitchFamily="34" charset="-122"/>
-                <a:ea typeface="Microsoft YaHei UI" panose="020B0503020204020204" pitchFamily="34" charset="-122"/>
-              </a:rPr>
-              <a:t>API</a:t>
-            </a:r>
-          </a:p>
-          <a:p>
-            <a:pPr algn="ctr"/>
-            <a:r>
-              <a:rPr lang="zh-CN" altLang="en-US" sz="1400" dirty="0">
-                <a:solidFill>
-                  <a:schemeClr val="tx1"/>
-                </a:solidFill>
-                <a:latin typeface="Microsoft YaHei UI" panose="020B0503020204020204" pitchFamily="34" charset="-122"/>
-                <a:ea typeface="Microsoft YaHei UI" panose="020B0503020204020204" pitchFamily="34" charset="-122"/>
-              </a:rPr>
-              <a:t>网关</a:t>
-            </a:r>
-            <a:endParaRPr lang="en-US" altLang="zh-CN" sz="1400" dirty="0">
-              <a:solidFill>
-                <a:schemeClr val="tx1"/>
-              </a:solidFill>
-              <a:latin typeface="Microsoft YaHei UI" panose="020B0503020204020204" pitchFamily="34" charset="-122"/>
-              <a:ea typeface="Microsoft YaHei UI" panose="020B0503020204020204" pitchFamily="34" charset="-122"/>
-            </a:endParaRPr>
-          </a:p>
-        </p:txBody>
-      </p:sp>
-      <p:sp>
-        <p:nvSpPr>
-          <p:cNvPr id="122" name="矩形: 圆角 121">
-            <a:extLst>
-              <a:ext uri="{FF2B5EF4-FFF2-40B4-BE49-F238E27FC236}">
-                <a16:creationId xmlns:a16="http://schemas.microsoft.com/office/drawing/2014/main" id="{26CB2B15-E61B-4DC2-89D0-4F87A351AE34}"/>
-              </a:ext>
-            </a:extLst>
-          </p:cNvPr>
-          <p:cNvSpPr/>
-          <p:nvPr/>
-        </p:nvSpPr>
-        <p:spPr>
-          <a:xfrm>
-            <a:off x="3066121" y="2885786"/>
-            <a:ext cx="767765" cy="644475"/>
-          </a:xfrm>
-          <a:prstGeom prst="roundRect">
-            <a:avLst/>
-          </a:prstGeom>
-          <a:noFill/>
-          <a:ln>
-            <a:solidFill>
-              <a:schemeClr val="accent3">
-                <a:lumMod val="60000"/>
-                <a:lumOff val="40000"/>
-              </a:schemeClr>
-            </a:solidFill>
-          </a:ln>
-        </p:spPr>
-        <p:style>
-          <a:lnRef idx="0">
-            <a:scrgbClr r="0" g="0" b="0"/>
-          </a:lnRef>
-          <a:fillRef idx="0">
-            <a:scrgbClr r="0" g="0" b="0"/>
-          </a:fillRef>
-          <a:effectRef idx="0">
-            <a:scrgbClr r="0" g="0" b="0"/>
-          </a:effectRef>
-          <a:fontRef idx="minor">
-            <a:schemeClr val="lt1"/>
-          </a:fontRef>
-        </p:style>
-        <p:txBody>
-          <a:bodyPr rtlCol="0" anchor="ctr"/>
-          <a:lstStyle/>
-          <a:p>
-            <a:pPr algn="ctr"/>
-            <a:r>
-              <a:rPr lang="zh-CN" altLang="en-US" sz="1400" dirty="0">
-                <a:solidFill>
-                  <a:schemeClr val="tx1"/>
-                </a:solidFill>
-                <a:latin typeface="Microsoft YaHei UI" panose="020B0503020204020204" pitchFamily="34" charset="-122"/>
-                <a:ea typeface="Microsoft YaHei UI" panose="020B0503020204020204" pitchFamily="34" charset="-122"/>
-              </a:rPr>
-              <a:t>安全策略</a:t>
-            </a:r>
-            <a:endParaRPr lang="en-US" altLang="zh-CN" sz="1400" dirty="0">
-              <a:solidFill>
-                <a:schemeClr val="tx1"/>
-              </a:solidFill>
-              <a:latin typeface="Microsoft YaHei UI" panose="020B0503020204020204" pitchFamily="34" charset="-122"/>
-              <a:ea typeface="Microsoft YaHei UI" panose="020B0503020204020204" pitchFamily="34" charset="-122"/>
-            </a:endParaRPr>
-          </a:p>
-        </p:txBody>
-      </p:sp>
       <p:cxnSp>
         <p:nvCxnSpPr>
-          <p:cNvPr id="124" name="直接箭头连接符 123">
-            <a:extLst>
-              <a:ext uri="{FF2B5EF4-FFF2-40B4-BE49-F238E27FC236}">
-                <a16:creationId xmlns:a16="http://schemas.microsoft.com/office/drawing/2014/main" id="{2BE8396B-F18F-4DBD-A10F-1F35E38956C4}"/>
+          <p:cNvPr id="119" name="连接符: 肘形 76">
+            <a:extLst>
+              <a:ext uri="{FF2B5EF4-FFF2-40B4-BE49-F238E27FC236}">
+                <a16:creationId xmlns:a16="http://schemas.microsoft.com/office/drawing/2014/main" id="{463DF0CF-F9DB-4B3D-86D0-66D62EFA3808}"/>
               </a:ext>
             </a:extLst>
           </p:cNvPr>
           <p:cNvCxnSpPr>
-            <a:stCxn id="122" idx="2"/>
-            <a:endCxn id="121" idx="0"/>
+            <a:cxnSpLocks/>
+            <a:stCxn id="68" idx="1"/>
+            <a:endCxn id="66" idx="3"/>
           </p:cNvCxnSpPr>
           <p:nvPr/>
         </p:nvCxnSpPr>
         <p:spPr>
-          <a:xfrm>
-            <a:off x="3450004" y="3530261"/>
-            <a:ext cx="0" cy="547217"/>
-          </a:xfrm>
-          <a:prstGeom prst="straightConnector1">
-            <a:avLst/>
-          </a:prstGeom>
-          <a:ln>
-            <a:solidFill>
-              <a:schemeClr val="accent3">
-                <a:lumMod val="60000"/>
-                <a:lumOff val="40000"/>
-              </a:schemeClr>
-            </a:solidFill>
-            <a:tailEnd type="triangle"/>
-          </a:ln>
-        </p:spPr>
-        <p:style>
-          <a:lnRef idx="1">
-            <a:schemeClr val="accent1"/>
-          </a:lnRef>
-          <a:fillRef idx="0">
-            <a:schemeClr val="accent1"/>
-          </a:fillRef>
-          <a:effectRef idx="0">
-            <a:schemeClr val="accent1"/>
-          </a:effectRef>
-          <a:fontRef idx="minor">
-            <a:schemeClr val="tx1"/>
-          </a:fontRef>
-        </p:style>
-      </p:cxnSp>
-      <p:cxnSp>
-        <p:nvCxnSpPr>
-          <p:cNvPr id="126" name="直接箭头连接符 125">
-            <a:extLst>
-              <a:ext uri="{FF2B5EF4-FFF2-40B4-BE49-F238E27FC236}">
-                <a16:creationId xmlns:a16="http://schemas.microsoft.com/office/drawing/2014/main" id="{2B362E46-5928-45AA-AD1A-F8C9DDFF98C3}"/>
-              </a:ext>
-            </a:extLst>
-          </p:cNvPr>
-          <p:cNvCxnSpPr>
-            <a:stCxn id="120" idx="0"/>
-            <a:endCxn id="121" idx="2"/>
-          </p:cNvCxnSpPr>
-          <p:nvPr/>
-        </p:nvCxnSpPr>
-        <p:spPr>
-          <a:xfrm flipV="1">
-            <a:off x="3450004" y="4721953"/>
-            <a:ext cx="0" cy="543948"/>
-          </a:xfrm>
-          <a:prstGeom prst="straightConnector1">
-            <a:avLst/>
-          </a:prstGeom>
-          <a:ln>
-            <a:solidFill>
-              <a:schemeClr val="accent3">
-                <a:lumMod val="60000"/>
-                <a:lumOff val="40000"/>
-              </a:schemeClr>
-            </a:solidFill>
-            <a:tailEnd type="triangle"/>
-          </a:ln>
-        </p:spPr>
-        <p:style>
-          <a:lnRef idx="1">
-            <a:schemeClr val="accent1"/>
-          </a:lnRef>
-          <a:fillRef idx="0">
-            <a:schemeClr val="accent1"/>
-          </a:fillRef>
-          <a:effectRef idx="0">
-            <a:schemeClr val="accent1"/>
-          </a:effectRef>
-          <a:fontRef idx="minor">
-            <a:schemeClr val="tx1"/>
-          </a:fontRef>
-        </p:style>
-      </p:cxnSp>
-      <p:sp>
-        <p:nvSpPr>
-          <p:cNvPr id="127" name="矩形: 圆角 126">
-            <a:extLst>
-              <a:ext uri="{FF2B5EF4-FFF2-40B4-BE49-F238E27FC236}">
-                <a16:creationId xmlns:a16="http://schemas.microsoft.com/office/drawing/2014/main" id="{CB65209C-B74E-42F0-B81E-387919B9B4FF}"/>
-              </a:ext>
-            </a:extLst>
-          </p:cNvPr>
-          <p:cNvSpPr/>
-          <p:nvPr/>
-        </p:nvSpPr>
-        <p:spPr>
-          <a:xfrm>
-            <a:off x="386345" y="3599082"/>
-            <a:ext cx="793549" cy="644475"/>
-          </a:xfrm>
-          <a:prstGeom prst="roundRect">
-            <a:avLst/>
-          </a:prstGeom>
-          <a:noFill/>
+          <a:xfrm rot="10800000">
+            <a:off x="8682359" y="4324942"/>
+            <a:ext cx="1309862" cy="631499"/>
+          </a:xfrm>
+          <a:prstGeom prst="bentConnector3">
+            <a:avLst/>
+          </a:prstGeom>
           <a:ln>
             <a:solidFill>
               <a:schemeClr val="accent1">
@@ -8848,1242 +9890,18 @@
                 <a:lumOff val="60000"/>
               </a:schemeClr>
             </a:solidFill>
-          </a:ln>
-        </p:spPr>
-        <p:style>
-          <a:lnRef idx="0">
-            <a:scrgbClr r="0" g="0" b="0"/>
+            <a:tailEnd type="triangle"/>
+          </a:ln>
+        </p:spPr>
+        <p:style>
+          <a:lnRef idx="1">
+            <a:schemeClr val="accent1"/>
           </a:lnRef>
           <a:fillRef idx="0">
-            <a:scrgbClr r="0" g="0" b="0"/>
-          </a:fillRef>
-          <a:effectRef idx="0">
-            <a:scrgbClr r="0" g="0" b="0"/>
-          </a:effectRef>
-          <a:fontRef idx="minor">
-            <a:schemeClr val="lt1"/>
-          </a:fontRef>
-        </p:style>
-        <p:txBody>
-          <a:bodyPr rtlCol="0" anchor="ctr"/>
-          <a:lstStyle/>
-          <a:p>
-            <a:pPr algn="ctr"/>
-            <a:r>
-              <a:rPr lang="zh-CN" altLang="en-US" sz="1400" dirty="0">
-                <a:solidFill>
-                  <a:schemeClr val="tx1"/>
-                </a:solidFill>
-                <a:latin typeface="Microsoft YaHei UI" panose="020B0503020204020204" pitchFamily="34" charset="-122"/>
-                <a:ea typeface="Microsoft YaHei UI" panose="020B0503020204020204" pitchFamily="34" charset="-122"/>
-              </a:rPr>
-              <a:t>网关</a:t>
-            </a:r>
-            <a:endParaRPr lang="en-US" altLang="zh-CN" sz="1400" dirty="0">
-              <a:solidFill>
-                <a:schemeClr val="tx1"/>
-              </a:solidFill>
-              <a:latin typeface="Microsoft YaHei UI" panose="020B0503020204020204" pitchFamily="34" charset="-122"/>
-              <a:ea typeface="Microsoft YaHei UI" panose="020B0503020204020204" pitchFamily="34" charset="-122"/>
-            </a:endParaRPr>
-          </a:p>
-        </p:txBody>
-      </p:sp>
-      <p:sp>
-        <p:nvSpPr>
-          <p:cNvPr id="128" name="矩形: 圆角 127">
-            <a:extLst>
-              <a:ext uri="{FF2B5EF4-FFF2-40B4-BE49-F238E27FC236}">
-                <a16:creationId xmlns:a16="http://schemas.microsoft.com/office/drawing/2014/main" id="{4C2B8696-2FD8-4029-910B-9EA164D1A7CC}"/>
-              </a:ext>
-            </a:extLst>
-          </p:cNvPr>
-          <p:cNvSpPr/>
-          <p:nvPr/>
-        </p:nvSpPr>
-        <p:spPr>
-          <a:xfrm>
-            <a:off x="7453275" y="3720015"/>
-            <a:ext cx="1437815" cy="496468"/>
-          </a:xfrm>
-          <a:prstGeom prst="roundRect">
-            <a:avLst/>
-          </a:prstGeom>
-          <a:solidFill>
-            <a:schemeClr val="accent4">
-              <a:lumMod val="20000"/>
-              <a:lumOff val="80000"/>
-            </a:schemeClr>
-          </a:solidFill>
-          <a:ln>
-            <a:solidFill>
-              <a:schemeClr val="accent2">
-                <a:lumMod val="20000"/>
-                <a:lumOff val="80000"/>
-              </a:schemeClr>
-            </a:solidFill>
-          </a:ln>
-        </p:spPr>
-        <p:style>
-          <a:lnRef idx="0">
-            <a:scrgbClr r="0" g="0" b="0"/>
-          </a:lnRef>
-          <a:fillRef idx="0">
-            <a:scrgbClr r="0" g="0" b="0"/>
-          </a:fillRef>
-          <a:effectRef idx="0">
-            <a:scrgbClr r="0" g="0" b="0"/>
-          </a:effectRef>
-          <a:fontRef idx="minor">
-            <a:schemeClr val="lt1"/>
-          </a:fontRef>
-        </p:style>
-        <p:txBody>
-          <a:bodyPr rtlCol="0" anchor="ctr"/>
-          <a:lstStyle/>
-          <a:p>
-            <a:pPr algn="ctr"/>
-            <a:r>
-              <a:rPr lang="zh-CN" altLang="en-US" sz="1400" dirty="0">
-                <a:solidFill>
-                  <a:schemeClr val="tx1"/>
-                </a:solidFill>
-                <a:latin typeface="Microsoft YaHei UI" panose="020B0503020204020204" pitchFamily="34" charset="-122"/>
-                <a:ea typeface="Microsoft YaHei UI" panose="020B0503020204020204" pitchFamily="34" charset="-122"/>
-              </a:rPr>
-              <a:t>设备中心</a:t>
-            </a:r>
-            <a:endParaRPr lang="en-US" altLang="zh-CN" sz="1400" dirty="0">
-              <a:solidFill>
-                <a:schemeClr val="tx1"/>
-              </a:solidFill>
-              <a:latin typeface="Microsoft YaHei UI" panose="020B0503020204020204" pitchFamily="34" charset="-122"/>
-              <a:ea typeface="Microsoft YaHei UI" panose="020B0503020204020204" pitchFamily="34" charset="-122"/>
-            </a:endParaRPr>
-          </a:p>
-        </p:txBody>
-      </p:sp>
-      <p:sp>
-        <p:nvSpPr>
-          <p:cNvPr id="129" name="矩形: 圆角 128">
-            <a:extLst>
-              <a:ext uri="{FF2B5EF4-FFF2-40B4-BE49-F238E27FC236}">
-                <a16:creationId xmlns:a16="http://schemas.microsoft.com/office/drawing/2014/main" id="{7D478949-A2FE-4162-9070-28A909468F67}"/>
-              </a:ext>
-            </a:extLst>
-          </p:cNvPr>
-          <p:cNvSpPr/>
-          <p:nvPr/>
-        </p:nvSpPr>
-        <p:spPr>
-          <a:xfrm>
-            <a:off x="5854568" y="4395502"/>
-            <a:ext cx="1437815" cy="496468"/>
-          </a:xfrm>
-          <a:prstGeom prst="roundRect">
-            <a:avLst/>
-          </a:prstGeom>
-          <a:noFill/>
-          <a:ln>
-            <a:solidFill>
-              <a:schemeClr val="accent1">
-                <a:lumMod val="40000"/>
-                <a:lumOff val="60000"/>
-              </a:schemeClr>
-            </a:solidFill>
-          </a:ln>
-        </p:spPr>
-        <p:style>
-          <a:lnRef idx="0">
-            <a:scrgbClr r="0" g="0" b="0"/>
-          </a:lnRef>
-          <a:fillRef idx="0">
-            <a:scrgbClr r="0" g="0" b="0"/>
-          </a:fillRef>
-          <a:effectRef idx="0">
-            <a:scrgbClr r="0" g="0" b="0"/>
-          </a:effectRef>
-          <a:fontRef idx="minor">
-            <a:schemeClr val="lt1"/>
-          </a:fontRef>
-        </p:style>
-        <p:txBody>
-          <a:bodyPr rtlCol="0" anchor="ctr"/>
-          <a:lstStyle/>
-          <a:p>
-            <a:pPr algn="ctr"/>
-            <a:r>
-              <a:rPr lang="zh-CN" altLang="en-US" sz="1400" dirty="0">
-                <a:solidFill>
-                  <a:schemeClr val="tx1"/>
-                </a:solidFill>
-                <a:latin typeface="Microsoft YaHei UI" panose="020B0503020204020204" pitchFamily="34" charset="-122"/>
-                <a:ea typeface="Microsoft YaHei UI" panose="020B0503020204020204" pitchFamily="34" charset="-122"/>
-              </a:rPr>
-              <a:t>规则引擎</a:t>
-            </a:r>
-            <a:endParaRPr lang="en-US" altLang="zh-CN" sz="1400" dirty="0">
-              <a:solidFill>
-                <a:schemeClr val="tx1"/>
-              </a:solidFill>
-              <a:latin typeface="Microsoft YaHei UI" panose="020B0503020204020204" pitchFamily="34" charset="-122"/>
-              <a:ea typeface="Microsoft YaHei UI" panose="020B0503020204020204" pitchFamily="34" charset="-122"/>
-            </a:endParaRPr>
-          </a:p>
-        </p:txBody>
-      </p:sp>
-      <p:sp>
-        <p:nvSpPr>
-          <p:cNvPr id="130" name="矩形: 圆角 129">
-            <a:extLst>
-              <a:ext uri="{FF2B5EF4-FFF2-40B4-BE49-F238E27FC236}">
-                <a16:creationId xmlns:a16="http://schemas.microsoft.com/office/drawing/2014/main" id="{AD31B7F1-534B-4B82-AB4F-EF5553095F31}"/>
-              </a:ext>
-            </a:extLst>
-          </p:cNvPr>
-          <p:cNvSpPr/>
-          <p:nvPr/>
-        </p:nvSpPr>
-        <p:spPr>
-          <a:xfrm>
-            <a:off x="7453275" y="4395502"/>
-            <a:ext cx="1437815" cy="496468"/>
-          </a:xfrm>
-          <a:prstGeom prst="roundRect">
-            <a:avLst/>
-          </a:prstGeom>
-          <a:noFill/>
-          <a:ln>
-            <a:solidFill>
-              <a:schemeClr val="accent1">
-                <a:lumMod val="40000"/>
-                <a:lumOff val="60000"/>
-              </a:schemeClr>
-            </a:solidFill>
-          </a:ln>
-        </p:spPr>
-        <p:style>
-          <a:lnRef idx="0">
-            <a:scrgbClr r="0" g="0" b="0"/>
-          </a:lnRef>
-          <a:fillRef idx="0">
-            <a:scrgbClr r="0" g="0" b="0"/>
-          </a:fillRef>
-          <a:effectRef idx="0">
-            <a:scrgbClr r="0" g="0" b="0"/>
-          </a:effectRef>
-          <a:fontRef idx="minor">
-            <a:schemeClr val="lt1"/>
-          </a:fontRef>
-        </p:style>
-        <p:txBody>
-          <a:bodyPr rtlCol="0" anchor="ctr"/>
-          <a:lstStyle/>
-          <a:p>
-            <a:pPr algn="ctr"/>
-            <a:r>
-              <a:rPr lang="zh-CN" altLang="en-US" sz="1400" dirty="0">
-                <a:solidFill>
-                  <a:schemeClr val="tx1"/>
-                </a:solidFill>
-                <a:latin typeface="Microsoft YaHei UI" panose="020B0503020204020204" pitchFamily="34" charset="-122"/>
-                <a:ea typeface="Microsoft YaHei UI" panose="020B0503020204020204" pitchFamily="34" charset="-122"/>
-              </a:rPr>
-              <a:t>任务调度</a:t>
-            </a:r>
-            <a:endParaRPr lang="en-US" altLang="zh-CN" sz="1400" dirty="0">
-              <a:solidFill>
-                <a:schemeClr val="tx1"/>
-              </a:solidFill>
-              <a:latin typeface="Microsoft YaHei UI" panose="020B0503020204020204" pitchFamily="34" charset="-122"/>
-              <a:ea typeface="Microsoft YaHei UI" panose="020B0503020204020204" pitchFamily="34" charset="-122"/>
-            </a:endParaRPr>
-          </a:p>
-        </p:txBody>
-      </p:sp>
-      <p:sp>
-        <p:nvSpPr>
-          <p:cNvPr id="131" name="矩形: 圆角 130">
-            <a:extLst>
-              <a:ext uri="{FF2B5EF4-FFF2-40B4-BE49-F238E27FC236}">
-                <a16:creationId xmlns:a16="http://schemas.microsoft.com/office/drawing/2014/main" id="{BE5807E5-E2C1-4101-869E-64F20C2A9E3F}"/>
-              </a:ext>
-            </a:extLst>
-          </p:cNvPr>
-          <p:cNvSpPr/>
-          <p:nvPr/>
-        </p:nvSpPr>
-        <p:spPr>
-          <a:xfrm>
-            <a:off x="5775593" y="5135358"/>
-            <a:ext cx="1437815" cy="496468"/>
-          </a:xfrm>
-          <a:prstGeom prst="roundRect">
-            <a:avLst/>
-          </a:prstGeom>
-          <a:solidFill>
-            <a:schemeClr val="accent5">
-              <a:lumMod val="20000"/>
-              <a:lumOff val="80000"/>
-            </a:schemeClr>
-          </a:solidFill>
-          <a:ln>
-            <a:solidFill>
-              <a:schemeClr val="accent1">
-                <a:lumMod val="20000"/>
-                <a:lumOff val="80000"/>
-              </a:schemeClr>
-            </a:solidFill>
-          </a:ln>
-        </p:spPr>
-        <p:style>
-          <a:lnRef idx="0">
-            <a:scrgbClr r="0" g="0" b="0"/>
-          </a:lnRef>
-          <a:fillRef idx="0">
-            <a:scrgbClr r="0" g="0" b="0"/>
-          </a:fillRef>
-          <a:effectRef idx="0">
-            <a:scrgbClr r="0" g="0" b="0"/>
-          </a:effectRef>
-          <a:fontRef idx="minor">
-            <a:schemeClr val="lt1"/>
-          </a:fontRef>
-        </p:style>
-        <p:txBody>
-          <a:bodyPr rtlCol="0" anchor="ctr"/>
-          <a:lstStyle/>
-          <a:p>
-            <a:pPr algn="ctr"/>
-            <a:r>
-              <a:rPr lang="en-US" altLang="zh-CN" sz="1400" dirty="0">
-                <a:solidFill>
-                  <a:schemeClr val="tx1"/>
-                </a:solidFill>
-                <a:latin typeface="Microsoft YaHei UI" panose="020B0503020204020204" pitchFamily="34" charset="-122"/>
-                <a:ea typeface="Microsoft YaHei UI" panose="020B0503020204020204" pitchFamily="34" charset="-122"/>
-              </a:rPr>
-              <a:t>Feign</a:t>
-            </a:r>
-            <a:r>
-              <a:rPr lang="zh-CN" altLang="en-US" sz="1400" dirty="0">
-                <a:solidFill>
-                  <a:schemeClr val="tx1"/>
-                </a:solidFill>
-                <a:latin typeface="Microsoft YaHei UI" panose="020B0503020204020204" pitchFamily="34" charset="-122"/>
-                <a:ea typeface="Microsoft YaHei UI" panose="020B0503020204020204" pitchFamily="34" charset="-122"/>
-              </a:rPr>
-              <a:t>服务调用</a:t>
-            </a:r>
-            <a:endParaRPr lang="en-US" altLang="zh-CN" sz="1400" dirty="0">
-              <a:solidFill>
-                <a:schemeClr val="tx1"/>
-              </a:solidFill>
-              <a:latin typeface="Microsoft YaHei UI" panose="020B0503020204020204" pitchFamily="34" charset="-122"/>
-              <a:ea typeface="Microsoft YaHei UI" panose="020B0503020204020204" pitchFamily="34" charset="-122"/>
-            </a:endParaRPr>
-          </a:p>
-        </p:txBody>
-      </p:sp>
-      <p:sp>
-        <p:nvSpPr>
-          <p:cNvPr id="132" name="矩形: 圆角 131">
-            <a:extLst>
-              <a:ext uri="{FF2B5EF4-FFF2-40B4-BE49-F238E27FC236}">
-                <a16:creationId xmlns:a16="http://schemas.microsoft.com/office/drawing/2014/main" id="{3988D50C-1837-4FB7-A516-645A67C31D38}"/>
-              </a:ext>
-            </a:extLst>
-          </p:cNvPr>
-          <p:cNvSpPr/>
-          <p:nvPr/>
-        </p:nvSpPr>
-        <p:spPr>
-          <a:xfrm>
-            <a:off x="7374300" y="5135358"/>
-            <a:ext cx="1592255" cy="496468"/>
-          </a:xfrm>
-          <a:prstGeom prst="roundRect">
-            <a:avLst/>
-          </a:prstGeom>
-          <a:solidFill>
-            <a:schemeClr val="accent5">
-              <a:lumMod val="20000"/>
-              <a:lumOff val="80000"/>
-            </a:schemeClr>
-          </a:solidFill>
-          <a:ln>
-            <a:solidFill>
-              <a:schemeClr val="accent1">
-                <a:lumMod val="20000"/>
-                <a:lumOff val="80000"/>
-              </a:schemeClr>
-            </a:solidFill>
-          </a:ln>
-        </p:spPr>
-        <p:style>
-          <a:lnRef idx="0">
-            <a:scrgbClr r="0" g="0" b="0"/>
-          </a:lnRef>
-          <a:fillRef idx="0">
-            <a:scrgbClr r="0" g="0" b="0"/>
-          </a:fillRef>
-          <a:effectRef idx="0">
-            <a:scrgbClr r="0" g="0" b="0"/>
-          </a:effectRef>
-          <a:fontRef idx="minor">
-            <a:schemeClr val="lt1"/>
-          </a:fontRef>
-        </p:style>
-        <p:txBody>
-          <a:bodyPr rtlCol="0" anchor="ctr"/>
-          <a:lstStyle/>
-          <a:p>
-            <a:pPr algn="ctr"/>
-            <a:r>
-              <a:rPr lang="en-US" altLang="zh-CN" sz="1400" dirty="0">
-                <a:solidFill>
-                  <a:schemeClr val="tx1"/>
-                </a:solidFill>
-                <a:latin typeface="Microsoft YaHei UI" panose="020B0503020204020204" pitchFamily="34" charset="-122"/>
-                <a:ea typeface="Microsoft YaHei UI" panose="020B0503020204020204" pitchFamily="34" charset="-122"/>
-              </a:rPr>
-              <a:t>Ribbon</a:t>
-            </a:r>
-            <a:r>
-              <a:rPr lang="zh-CN" altLang="en-US" sz="1400" dirty="0">
-                <a:solidFill>
-                  <a:schemeClr val="tx1"/>
-                </a:solidFill>
-                <a:latin typeface="Microsoft YaHei UI" panose="020B0503020204020204" pitchFamily="34" charset="-122"/>
-                <a:ea typeface="Microsoft YaHei UI" panose="020B0503020204020204" pitchFamily="34" charset="-122"/>
-              </a:rPr>
-              <a:t>负载均衡</a:t>
-            </a:r>
-            <a:endParaRPr lang="en-US" altLang="zh-CN" sz="1400" dirty="0">
-              <a:solidFill>
-                <a:schemeClr val="tx1"/>
-              </a:solidFill>
-              <a:latin typeface="Microsoft YaHei UI" panose="020B0503020204020204" pitchFamily="34" charset="-122"/>
-              <a:ea typeface="Microsoft YaHei UI" panose="020B0503020204020204" pitchFamily="34" charset="-122"/>
-            </a:endParaRPr>
-          </a:p>
-        </p:txBody>
-      </p:sp>
-      <p:sp>
-        <p:nvSpPr>
-          <p:cNvPr id="133" name="矩形: 圆角 132">
-            <a:extLst>
-              <a:ext uri="{FF2B5EF4-FFF2-40B4-BE49-F238E27FC236}">
-                <a16:creationId xmlns:a16="http://schemas.microsoft.com/office/drawing/2014/main" id="{EC9C064C-D208-4547-AF49-6C883909DCF5}"/>
-              </a:ext>
-            </a:extLst>
-          </p:cNvPr>
-          <p:cNvSpPr/>
-          <p:nvPr/>
-        </p:nvSpPr>
-        <p:spPr>
-          <a:xfrm>
-            <a:off x="5775593" y="5810845"/>
-            <a:ext cx="2149648" cy="496468"/>
-          </a:xfrm>
-          <a:prstGeom prst="roundRect">
-            <a:avLst/>
-          </a:prstGeom>
-          <a:solidFill>
-            <a:schemeClr val="accent5">
-              <a:lumMod val="20000"/>
-              <a:lumOff val="80000"/>
-            </a:schemeClr>
-          </a:solidFill>
-          <a:ln>
-            <a:solidFill>
-              <a:schemeClr val="accent1">
-                <a:lumMod val="20000"/>
-                <a:lumOff val="80000"/>
-              </a:schemeClr>
-            </a:solidFill>
-          </a:ln>
-        </p:spPr>
-        <p:style>
-          <a:lnRef idx="0">
-            <a:scrgbClr r="0" g="0" b="0"/>
-          </a:lnRef>
-          <a:fillRef idx="0">
-            <a:scrgbClr r="0" g="0" b="0"/>
-          </a:fillRef>
-          <a:effectRef idx="0">
-            <a:scrgbClr r="0" g="0" b="0"/>
-          </a:effectRef>
-          <a:fontRef idx="minor">
-            <a:schemeClr val="lt1"/>
-          </a:fontRef>
-        </p:style>
-        <p:txBody>
-          <a:bodyPr rtlCol="0" anchor="ctr"/>
-          <a:lstStyle/>
-          <a:p>
-            <a:pPr algn="ctr"/>
-            <a:r>
-              <a:rPr lang="en-US" altLang="zh-CN" sz="1400" dirty="0" err="1">
-                <a:solidFill>
-                  <a:schemeClr val="tx1"/>
-                </a:solidFill>
-                <a:latin typeface="Microsoft YaHei UI" panose="020B0503020204020204" pitchFamily="34" charset="-122"/>
-                <a:ea typeface="Microsoft YaHei UI" panose="020B0503020204020204" pitchFamily="34" charset="-122"/>
-              </a:rPr>
-              <a:t>Hystrix</a:t>
-            </a:r>
-            <a:r>
-              <a:rPr lang="zh-CN" altLang="en-US" sz="1400" dirty="0">
-                <a:solidFill>
-                  <a:schemeClr val="tx1"/>
-                </a:solidFill>
-                <a:latin typeface="Microsoft YaHei UI" panose="020B0503020204020204" pitchFamily="34" charset="-122"/>
-                <a:ea typeface="Microsoft YaHei UI" panose="020B0503020204020204" pitchFamily="34" charset="-122"/>
-              </a:rPr>
-              <a:t>服务熔断</a:t>
-            </a:r>
-            <a:r>
-              <a:rPr lang="en-US" altLang="zh-CN" sz="1400" dirty="0">
-                <a:solidFill>
-                  <a:schemeClr val="tx1"/>
-                </a:solidFill>
-                <a:latin typeface="Microsoft YaHei UI" panose="020B0503020204020204" pitchFamily="34" charset="-122"/>
-                <a:ea typeface="Microsoft YaHei UI" panose="020B0503020204020204" pitchFamily="34" charset="-122"/>
-              </a:rPr>
-              <a:t>/</a:t>
-            </a:r>
-            <a:r>
-              <a:rPr lang="zh-CN" altLang="en-US" sz="1400" dirty="0">
-                <a:solidFill>
-                  <a:schemeClr val="tx1"/>
-                </a:solidFill>
-                <a:latin typeface="Microsoft YaHei UI" panose="020B0503020204020204" pitchFamily="34" charset="-122"/>
-                <a:ea typeface="Microsoft YaHei UI" panose="020B0503020204020204" pitchFamily="34" charset="-122"/>
-              </a:rPr>
-              <a:t>降级</a:t>
-            </a:r>
-            <a:endParaRPr lang="en-US" altLang="zh-CN" sz="1400" dirty="0">
-              <a:solidFill>
-                <a:schemeClr val="tx1"/>
-              </a:solidFill>
-              <a:latin typeface="Microsoft YaHei UI" panose="020B0503020204020204" pitchFamily="34" charset="-122"/>
-              <a:ea typeface="Microsoft YaHei UI" panose="020B0503020204020204" pitchFamily="34" charset="-122"/>
-            </a:endParaRPr>
-          </a:p>
-        </p:txBody>
-      </p:sp>
-      <p:sp>
-        <p:nvSpPr>
-          <p:cNvPr id="134" name="矩形: 圆角 133">
-            <a:extLst>
-              <a:ext uri="{FF2B5EF4-FFF2-40B4-BE49-F238E27FC236}">
-                <a16:creationId xmlns:a16="http://schemas.microsoft.com/office/drawing/2014/main" id="{32AA9D4C-FEC5-4B6C-8942-93DE6413E303}"/>
-              </a:ext>
-            </a:extLst>
-          </p:cNvPr>
-          <p:cNvSpPr/>
-          <p:nvPr/>
-        </p:nvSpPr>
-        <p:spPr>
-          <a:xfrm>
-            <a:off x="8023715" y="5810845"/>
-            <a:ext cx="942840" cy="496468"/>
-          </a:xfrm>
-          <a:prstGeom prst="roundRect">
-            <a:avLst/>
-          </a:prstGeom>
-          <a:solidFill>
-            <a:schemeClr val="accent5">
-              <a:lumMod val="20000"/>
-              <a:lumOff val="80000"/>
-            </a:schemeClr>
-          </a:solidFill>
-          <a:ln>
-            <a:solidFill>
-              <a:schemeClr val="accent1">
-                <a:lumMod val="20000"/>
-                <a:lumOff val="80000"/>
-              </a:schemeClr>
-            </a:solidFill>
-          </a:ln>
-        </p:spPr>
-        <p:style>
-          <a:lnRef idx="0">
-            <a:scrgbClr r="0" g="0" b="0"/>
-          </a:lnRef>
-          <a:fillRef idx="0">
-            <a:scrgbClr r="0" g="0" b="0"/>
-          </a:fillRef>
-          <a:effectRef idx="0">
-            <a:scrgbClr r="0" g="0" b="0"/>
-          </a:effectRef>
-          <a:fontRef idx="minor">
-            <a:schemeClr val="lt1"/>
-          </a:fontRef>
-        </p:style>
-        <p:txBody>
-          <a:bodyPr rtlCol="0" anchor="ctr"/>
-          <a:lstStyle/>
-          <a:p>
-            <a:pPr algn="ctr"/>
-            <a:r>
-              <a:rPr lang="en-US" altLang="zh-CN" sz="1400" dirty="0">
-                <a:solidFill>
-                  <a:schemeClr val="tx1"/>
-                </a:solidFill>
-                <a:latin typeface="Microsoft YaHei UI" panose="020B0503020204020204" pitchFamily="34" charset="-122"/>
-                <a:ea typeface="Microsoft YaHei UI" panose="020B0503020204020204" pitchFamily="34" charset="-122"/>
-              </a:rPr>
-              <a:t>Client</a:t>
-            </a:r>
-          </a:p>
-        </p:txBody>
-      </p:sp>
-      <p:cxnSp>
-        <p:nvCxnSpPr>
-          <p:cNvPr id="136" name="直接箭头连接符 135">
-            <a:extLst>
-              <a:ext uri="{FF2B5EF4-FFF2-40B4-BE49-F238E27FC236}">
-                <a16:creationId xmlns:a16="http://schemas.microsoft.com/office/drawing/2014/main" id="{214FD56D-0D43-447E-A443-8CAE59F40446}"/>
-              </a:ext>
-            </a:extLst>
-          </p:cNvPr>
-          <p:cNvCxnSpPr>
-            <a:cxnSpLocks/>
-            <a:stCxn id="70" idx="3"/>
-            <a:endCxn id="66" idx="1"/>
-          </p:cNvCxnSpPr>
-          <p:nvPr/>
-        </p:nvCxnSpPr>
-        <p:spPr>
-          <a:xfrm>
-            <a:off x="5307199" y="4321712"/>
-            <a:ext cx="294455" cy="3229"/>
-          </a:xfrm>
-          <a:prstGeom prst="straightConnector1">
-            <a:avLst/>
-          </a:prstGeom>
-          <a:ln>
-            <a:solidFill>
-              <a:schemeClr val="accent1">
-                <a:lumMod val="40000"/>
-                <a:lumOff val="60000"/>
-              </a:schemeClr>
-            </a:solidFill>
-            <a:headEnd type="triangle"/>
-            <a:tailEnd type="triangle"/>
-          </a:ln>
-        </p:spPr>
-        <p:style>
-          <a:lnRef idx="1">
-            <a:schemeClr val="accent1"/>
-          </a:lnRef>
-          <a:fillRef idx="0">
-            <a:schemeClr val="accent1"/>
-          </a:fillRef>
-          <a:effectRef idx="0">
-            <a:schemeClr val="accent1"/>
-          </a:effectRef>
-          <a:fontRef idx="minor">
-            <a:schemeClr val="tx1"/>
-          </a:fontRef>
-        </p:style>
-      </p:cxnSp>
-      <p:sp>
-        <p:nvSpPr>
-          <p:cNvPr id="139" name="矩形: 圆角 138">
-            <a:extLst>
-              <a:ext uri="{FF2B5EF4-FFF2-40B4-BE49-F238E27FC236}">
-                <a16:creationId xmlns:a16="http://schemas.microsoft.com/office/drawing/2014/main" id="{3CBC56D2-7A74-47AE-A5B4-554AB8A27BA2}"/>
-              </a:ext>
-            </a:extLst>
-          </p:cNvPr>
-          <p:cNvSpPr/>
-          <p:nvPr/>
-        </p:nvSpPr>
-        <p:spPr>
-          <a:xfrm>
-            <a:off x="5868082" y="2540177"/>
-            <a:ext cx="1179282" cy="473033"/>
-          </a:xfrm>
-          <a:prstGeom prst="roundRect">
-            <a:avLst/>
-          </a:prstGeom>
-          <a:solidFill>
-            <a:schemeClr val="accent5">
-              <a:lumMod val="20000"/>
-              <a:lumOff val="80000"/>
-            </a:schemeClr>
-          </a:solidFill>
-          <a:ln>
-            <a:solidFill>
-              <a:schemeClr val="accent1">
-                <a:lumMod val="20000"/>
-                <a:lumOff val="80000"/>
-              </a:schemeClr>
-            </a:solidFill>
-          </a:ln>
-        </p:spPr>
-        <p:style>
-          <a:lnRef idx="0">
-            <a:scrgbClr r="0" g="0" b="0"/>
-          </a:lnRef>
-          <a:fillRef idx="0">
-            <a:scrgbClr r="0" g="0" b="0"/>
-          </a:fillRef>
-          <a:effectRef idx="0">
-            <a:scrgbClr r="0" g="0" b="0"/>
-          </a:effectRef>
-          <a:fontRef idx="minor">
-            <a:schemeClr val="lt1"/>
-          </a:fontRef>
-        </p:style>
-        <p:txBody>
-          <a:bodyPr rtlCol="0" anchor="ctr"/>
-          <a:lstStyle/>
-          <a:p>
-            <a:pPr algn="ctr"/>
-            <a:r>
-              <a:rPr lang="en-US" altLang="zh-CN" sz="1400" dirty="0">
-                <a:solidFill>
-                  <a:schemeClr val="tx1"/>
-                </a:solidFill>
-                <a:latin typeface="Microsoft YaHei UI" panose="020B0503020204020204" pitchFamily="34" charset="-122"/>
-                <a:ea typeface="Microsoft YaHei UI" panose="020B0503020204020204" pitchFamily="34" charset="-122"/>
-              </a:rPr>
-              <a:t>REST API</a:t>
-            </a:r>
-          </a:p>
-        </p:txBody>
-      </p:sp>
-      <p:sp>
-        <p:nvSpPr>
-          <p:cNvPr id="141" name="矩形: 圆角 140">
-            <a:extLst>
-              <a:ext uri="{FF2B5EF4-FFF2-40B4-BE49-F238E27FC236}">
-                <a16:creationId xmlns:a16="http://schemas.microsoft.com/office/drawing/2014/main" id="{25709AC2-594A-4EA6-813E-BE8547529D12}"/>
-              </a:ext>
-            </a:extLst>
-          </p:cNvPr>
-          <p:cNvSpPr/>
-          <p:nvPr/>
-        </p:nvSpPr>
-        <p:spPr>
-          <a:xfrm>
-            <a:off x="5873718" y="3125288"/>
-            <a:ext cx="1179282" cy="473033"/>
-          </a:xfrm>
-          <a:prstGeom prst="roundRect">
-            <a:avLst/>
-          </a:prstGeom>
-          <a:solidFill>
-            <a:schemeClr val="accent5">
-              <a:lumMod val="20000"/>
-              <a:lumOff val="80000"/>
-            </a:schemeClr>
-          </a:solidFill>
-          <a:ln>
-            <a:solidFill>
-              <a:schemeClr val="accent1">
-                <a:lumMod val="20000"/>
-                <a:lumOff val="80000"/>
-              </a:schemeClr>
-            </a:solidFill>
-          </a:ln>
-        </p:spPr>
-        <p:style>
-          <a:lnRef idx="0">
-            <a:scrgbClr r="0" g="0" b="0"/>
-          </a:lnRef>
-          <a:fillRef idx="0">
-            <a:scrgbClr r="0" g="0" b="0"/>
-          </a:fillRef>
-          <a:effectRef idx="0">
-            <a:scrgbClr r="0" g="0" b="0"/>
-          </a:effectRef>
-          <a:fontRef idx="minor">
-            <a:schemeClr val="lt1"/>
-          </a:fontRef>
-        </p:style>
-        <p:txBody>
-          <a:bodyPr rtlCol="0" anchor="ctr"/>
-          <a:lstStyle/>
-          <a:p>
-            <a:pPr algn="ctr"/>
-            <a:r>
-              <a:rPr lang="en-US" altLang="zh-CN" sz="1400" dirty="0">
-                <a:solidFill>
-                  <a:schemeClr val="tx1"/>
-                </a:solidFill>
-                <a:latin typeface="Microsoft YaHei UI" panose="020B0503020204020204" pitchFamily="34" charset="-122"/>
-                <a:ea typeface="Microsoft YaHei UI" panose="020B0503020204020204" pitchFamily="34" charset="-122"/>
-              </a:rPr>
-              <a:t>Oahth2</a:t>
-            </a:r>
-          </a:p>
-        </p:txBody>
-      </p:sp>
-      <p:sp>
-        <p:nvSpPr>
-          <p:cNvPr id="142" name="矩形: 圆角 141">
-            <a:extLst>
-              <a:ext uri="{FF2B5EF4-FFF2-40B4-BE49-F238E27FC236}">
-                <a16:creationId xmlns:a16="http://schemas.microsoft.com/office/drawing/2014/main" id="{9A7330C2-B9E5-40A2-838F-E1EC2CF774C2}"/>
-              </a:ext>
-            </a:extLst>
-          </p:cNvPr>
-          <p:cNvSpPr/>
-          <p:nvPr/>
-        </p:nvSpPr>
-        <p:spPr>
-          <a:xfrm>
-            <a:off x="7227698" y="2600597"/>
-            <a:ext cx="669408" cy="997724"/>
-          </a:xfrm>
-          <a:prstGeom prst="roundRect">
-            <a:avLst/>
-          </a:prstGeom>
-          <a:noFill/>
-          <a:ln>
-            <a:solidFill>
-              <a:schemeClr val="accent1">
-                <a:lumMod val="40000"/>
-                <a:lumOff val="60000"/>
-              </a:schemeClr>
-            </a:solidFill>
-          </a:ln>
-        </p:spPr>
-        <p:style>
-          <a:lnRef idx="0">
-            <a:scrgbClr r="0" g="0" b="0"/>
-          </a:lnRef>
-          <a:fillRef idx="0">
-            <a:scrgbClr r="0" g="0" b="0"/>
-          </a:fillRef>
-          <a:effectRef idx="0">
-            <a:scrgbClr r="0" g="0" b="0"/>
-          </a:effectRef>
-          <a:fontRef idx="minor">
-            <a:schemeClr val="lt1"/>
-          </a:fontRef>
-        </p:style>
-        <p:txBody>
-          <a:bodyPr rtlCol="0" anchor="ctr"/>
-          <a:lstStyle/>
-          <a:p>
-            <a:pPr algn="ctr"/>
-            <a:r>
-              <a:rPr lang="en-US" altLang="zh-CN" sz="1400" dirty="0">
-                <a:solidFill>
-                  <a:schemeClr val="tx1"/>
-                </a:solidFill>
-                <a:latin typeface="Microsoft YaHei UI" panose="020B0503020204020204" pitchFamily="34" charset="-122"/>
-                <a:ea typeface="Microsoft YaHei UI" panose="020B0503020204020204" pitchFamily="34" charset="-122"/>
-              </a:rPr>
-              <a:t>RDB</a:t>
-            </a:r>
-          </a:p>
-        </p:txBody>
-      </p:sp>
-      <p:sp>
-        <p:nvSpPr>
-          <p:cNvPr id="143" name="矩形: 圆角 142">
-            <a:extLst>
-              <a:ext uri="{FF2B5EF4-FFF2-40B4-BE49-F238E27FC236}">
-                <a16:creationId xmlns:a16="http://schemas.microsoft.com/office/drawing/2014/main" id="{5C300403-032D-4ACD-BABE-FCFCF003FAD5}"/>
-              </a:ext>
-            </a:extLst>
-          </p:cNvPr>
-          <p:cNvSpPr/>
-          <p:nvPr/>
-        </p:nvSpPr>
-        <p:spPr>
-          <a:xfrm>
-            <a:off x="8023016" y="3146072"/>
-            <a:ext cx="942840" cy="424113"/>
-          </a:xfrm>
-          <a:prstGeom prst="roundRect">
-            <a:avLst/>
-          </a:prstGeom>
-          <a:noFill/>
-          <a:ln>
-            <a:solidFill>
-              <a:schemeClr val="accent1">
-                <a:lumMod val="40000"/>
-                <a:lumOff val="60000"/>
-              </a:schemeClr>
-            </a:solidFill>
-          </a:ln>
-        </p:spPr>
-        <p:style>
-          <a:lnRef idx="0">
-            <a:scrgbClr r="0" g="0" b="0"/>
-          </a:lnRef>
-          <a:fillRef idx="0">
-            <a:scrgbClr r="0" g="0" b="0"/>
-          </a:fillRef>
-          <a:effectRef idx="0">
-            <a:scrgbClr r="0" g="0" b="0"/>
-          </a:effectRef>
-          <a:fontRef idx="minor">
-            <a:schemeClr val="lt1"/>
-          </a:fontRef>
-        </p:style>
-        <p:txBody>
-          <a:bodyPr rtlCol="0" anchor="ctr"/>
-          <a:lstStyle/>
-          <a:p>
-            <a:pPr algn="ctr"/>
-            <a:r>
-              <a:rPr lang="en-US" altLang="zh-CN" sz="1400" dirty="0">
-                <a:solidFill>
-                  <a:schemeClr val="tx1"/>
-                </a:solidFill>
-                <a:latin typeface="Microsoft YaHei UI" panose="020B0503020204020204" pitchFamily="34" charset="-122"/>
-                <a:ea typeface="Microsoft YaHei UI" panose="020B0503020204020204" pitchFamily="34" charset="-122"/>
-              </a:rPr>
-              <a:t>NoSQL</a:t>
-            </a:r>
-          </a:p>
-        </p:txBody>
-      </p:sp>
-      <p:sp>
-        <p:nvSpPr>
-          <p:cNvPr id="144" name="矩形: 圆角 143">
-            <a:extLst>
-              <a:ext uri="{FF2B5EF4-FFF2-40B4-BE49-F238E27FC236}">
-                <a16:creationId xmlns:a16="http://schemas.microsoft.com/office/drawing/2014/main" id="{D2F13D13-2F65-435D-9F42-3ED09BA83E82}"/>
-              </a:ext>
-            </a:extLst>
-          </p:cNvPr>
-          <p:cNvSpPr/>
-          <p:nvPr/>
-        </p:nvSpPr>
-        <p:spPr>
-          <a:xfrm>
-            <a:off x="8023016" y="2596272"/>
-            <a:ext cx="942840" cy="424113"/>
-          </a:xfrm>
-          <a:prstGeom prst="roundRect">
-            <a:avLst/>
-          </a:prstGeom>
-          <a:noFill/>
-          <a:ln>
-            <a:solidFill>
-              <a:schemeClr val="accent1">
-                <a:lumMod val="40000"/>
-                <a:lumOff val="60000"/>
-              </a:schemeClr>
-            </a:solidFill>
-          </a:ln>
-        </p:spPr>
-        <p:style>
-          <a:lnRef idx="0">
-            <a:scrgbClr r="0" g="0" b="0"/>
-          </a:lnRef>
-          <a:fillRef idx="0">
-            <a:scrgbClr r="0" g="0" b="0"/>
-          </a:fillRef>
-          <a:effectRef idx="0">
-            <a:scrgbClr r="0" g="0" b="0"/>
-          </a:effectRef>
-          <a:fontRef idx="minor">
-            <a:schemeClr val="lt1"/>
-          </a:fontRef>
-        </p:style>
-        <p:txBody>
-          <a:bodyPr rtlCol="0" anchor="ctr"/>
-          <a:lstStyle/>
-          <a:p>
-            <a:pPr algn="ctr"/>
-            <a:r>
-              <a:rPr lang="en-US" altLang="zh-CN" sz="1400" dirty="0">
-                <a:solidFill>
-                  <a:schemeClr val="tx1"/>
-                </a:solidFill>
-                <a:latin typeface="Microsoft YaHei UI" panose="020B0503020204020204" pitchFamily="34" charset="-122"/>
-                <a:ea typeface="Microsoft YaHei UI" panose="020B0503020204020204" pitchFamily="34" charset="-122"/>
-              </a:rPr>
-              <a:t>Redis</a:t>
-            </a:r>
-          </a:p>
-        </p:txBody>
-      </p:sp>
-      <p:sp>
-        <p:nvSpPr>
-          <p:cNvPr id="147" name="矩形: 圆角 146">
-            <a:extLst>
-              <a:ext uri="{FF2B5EF4-FFF2-40B4-BE49-F238E27FC236}">
-                <a16:creationId xmlns:a16="http://schemas.microsoft.com/office/drawing/2014/main" id="{8F1C39F1-771A-4353-9611-D2EEBAA6CD9B}"/>
-              </a:ext>
-            </a:extLst>
-          </p:cNvPr>
-          <p:cNvSpPr/>
-          <p:nvPr/>
-        </p:nvSpPr>
-        <p:spPr>
-          <a:xfrm>
-            <a:off x="359915" y="5089559"/>
-            <a:ext cx="846407" cy="387667"/>
-          </a:xfrm>
-          <a:prstGeom prst="roundRect">
-            <a:avLst/>
-          </a:prstGeom>
-          <a:noFill/>
-          <a:ln>
-            <a:noFill/>
-          </a:ln>
-        </p:spPr>
-        <p:style>
-          <a:lnRef idx="0">
-            <a:scrgbClr r="0" g="0" b="0"/>
-          </a:lnRef>
-          <a:fillRef idx="0">
-            <a:scrgbClr r="0" g="0" b="0"/>
-          </a:fillRef>
-          <a:effectRef idx="0">
-            <a:scrgbClr r="0" g="0" b="0"/>
-          </a:effectRef>
-          <a:fontRef idx="minor">
-            <a:schemeClr val="lt1"/>
-          </a:fontRef>
-        </p:style>
-        <p:txBody>
-          <a:bodyPr rtlCol="0" anchor="ctr"/>
-          <a:lstStyle/>
-          <a:p>
-            <a:pPr algn="ctr"/>
-            <a:r>
-              <a:rPr lang="en-US" altLang="zh-CN" sz="1400" dirty="0">
-                <a:solidFill>
-                  <a:schemeClr val="tx1"/>
-                </a:solidFill>
-                <a:latin typeface="Microsoft YaHei UI" panose="020B0503020204020204" pitchFamily="34" charset="-122"/>
-                <a:ea typeface="Microsoft YaHei UI" panose="020B0503020204020204" pitchFamily="34" charset="-122"/>
-              </a:rPr>
-              <a:t>…</a:t>
-            </a:r>
-          </a:p>
-        </p:txBody>
-      </p:sp>
-      <p:sp>
-        <p:nvSpPr>
-          <p:cNvPr id="159" name="矩形: 圆角 158">
-            <a:extLst>
-              <a:ext uri="{FF2B5EF4-FFF2-40B4-BE49-F238E27FC236}">
-                <a16:creationId xmlns:a16="http://schemas.microsoft.com/office/drawing/2014/main" id="{804A92D4-74E2-4771-B8B2-8F9A75321748}"/>
-              </a:ext>
-            </a:extLst>
-          </p:cNvPr>
-          <p:cNvSpPr/>
-          <p:nvPr/>
-        </p:nvSpPr>
-        <p:spPr>
-          <a:xfrm>
-            <a:off x="1763159" y="3659636"/>
-            <a:ext cx="767765" cy="1330776"/>
-          </a:xfrm>
-          <a:prstGeom prst="roundRect">
-            <a:avLst/>
-          </a:prstGeom>
-          <a:solidFill>
-            <a:schemeClr val="accent6">
-              <a:lumMod val="60000"/>
-              <a:lumOff val="40000"/>
-            </a:schemeClr>
-          </a:solidFill>
-          <a:ln>
-            <a:solidFill>
-              <a:schemeClr val="accent1">
-                <a:lumMod val="40000"/>
-                <a:lumOff val="60000"/>
-              </a:schemeClr>
-            </a:solidFill>
-          </a:ln>
-        </p:spPr>
-        <p:style>
-          <a:lnRef idx="0">
-            <a:scrgbClr r="0" g="0" b="0"/>
-          </a:lnRef>
-          <a:fillRef idx="0">
-            <a:scrgbClr r="0" g="0" b="0"/>
-          </a:fillRef>
-          <a:effectRef idx="0">
-            <a:scrgbClr r="0" g="0" b="0"/>
-          </a:effectRef>
-          <a:fontRef idx="minor">
-            <a:schemeClr val="lt1"/>
-          </a:fontRef>
-        </p:style>
-        <p:txBody>
-          <a:bodyPr rtlCol="0" anchor="ctr"/>
-          <a:lstStyle/>
-          <a:p>
-            <a:pPr algn="ctr"/>
-            <a:r>
-              <a:rPr lang="zh-CN" altLang="en-US" sz="1400" dirty="0">
-                <a:solidFill>
-                  <a:schemeClr val="tx1"/>
-                </a:solidFill>
-                <a:latin typeface="Microsoft YaHei UI" panose="020B0503020204020204" pitchFamily="34" charset="-122"/>
-                <a:ea typeface="Microsoft YaHei UI" panose="020B0503020204020204" pitchFamily="34" charset="-122"/>
-              </a:rPr>
-              <a:t>负载均衡</a:t>
-            </a:r>
-            <a:endParaRPr lang="en-US" altLang="zh-CN" sz="1400" dirty="0">
-              <a:solidFill>
-                <a:schemeClr val="tx1"/>
-              </a:solidFill>
-              <a:latin typeface="Microsoft YaHei UI" panose="020B0503020204020204" pitchFamily="34" charset="-122"/>
-              <a:ea typeface="Microsoft YaHei UI" panose="020B0503020204020204" pitchFamily="34" charset="-122"/>
-            </a:endParaRPr>
-          </a:p>
-        </p:txBody>
-      </p:sp>
-      <p:cxnSp>
-        <p:nvCxnSpPr>
-          <p:cNvPr id="160" name="直接箭头连接符 159">
-            <a:extLst>
-              <a:ext uri="{FF2B5EF4-FFF2-40B4-BE49-F238E27FC236}">
-                <a16:creationId xmlns:a16="http://schemas.microsoft.com/office/drawing/2014/main" id="{AD58FABE-F382-4656-BBC7-9BD18F3BE10F}"/>
-              </a:ext>
-            </a:extLst>
-          </p:cNvPr>
-          <p:cNvCxnSpPr>
-            <a:cxnSpLocks/>
-            <a:stCxn id="53" idx="3"/>
-            <a:endCxn id="159" idx="1"/>
-          </p:cNvCxnSpPr>
-          <p:nvPr/>
-        </p:nvCxnSpPr>
-        <p:spPr>
-          <a:xfrm>
-            <a:off x="1344557" y="4319927"/>
-            <a:ext cx="418602" cy="5097"/>
-          </a:xfrm>
-          <a:prstGeom prst="straightConnector1">
-            <a:avLst/>
-          </a:prstGeom>
-          <a:ln>
-            <a:solidFill>
-              <a:schemeClr val="accent1">
-                <a:lumMod val="40000"/>
-                <a:lumOff val="60000"/>
-              </a:schemeClr>
-            </a:solidFill>
-            <a:headEnd type="triangle"/>
-            <a:tailEnd type="triangle"/>
-          </a:ln>
-        </p:spPr>
-        <p:style>
-          <a:lnRef idx="1">
-            <a:schemeClr val="accent1"/>
-          </a:lnRef>
-          <a:fillRef idx="0">
-            <a:schemeClr val="accent1"/>
-          </a:fillRef>
-          <a:effectRef idx="0">
-            <a:schemeClr val="accent1"/>
-          </a:effectRef>
-          <a:fontRef idx="minor">
-            <a:schemeClr val="tx1"/>
-          </a:fontRef>
-        </p:style>
-      </p:cxnSp>
-      <p:cxnSp>
-        <p:nvCxnSpPr>
-          <p:cNvPr id="161" name="直接箭头连接符 160">
-            <a:extLst>
-              <a:ext uri="{FF2B5EF4-FFF2-40B4-BE49-F238E27FC236}">
-                <a16:creationId xmlns:a16="http://schemas.microsoft.com/office/drawing/2014/main" id="{CEA43CD5-B0E2-497A-9C5C-2B89A934CF57}"/>
-              </a:ext>
-            </a:extLst>
-          </p:cNvPr>
-          <p:cNvCxnSpPr>
-            <a:cxnSpLocks/>
-            <a:stCxn id="159" idx="3"/>
-            <a:endCxn id="52" idx="1"/>
-          </p:cNvCxnSpPr>
-          <p:nvPr/>
-        </p:nvCxnSpPr>
-        <p:spPr>
-          <a:xfrm>
-            <a:off x="2530924" y="4325024"/>
-            <a:ext cx="385794" cy="4457"/>
-          </a:xfrm>
-          <a:prstGeom prst="straightConnector1">
-            <a:avLst/>
-          </a:prstGeom>
-          <a:ln>
-            <a:solidFill>
-              <a:schemeClr val="accent1">
-                <a:lumMod val="40000"/>
-                <a:lumOff val="60000"/>
-              </a:schemeClr>
-            </a:solidFill>
-            <a:headEnd type="triangle"/>
-            <a:tailEnd type="triangle"/>
-          </a:ln>
-        </p:spPr>
-        <p:style>
-          <a:lnRef idx="1">
-            <a:schemeClr val="accent1"/>
-          </a:lnRef>
-          <a:fillRef idx="0">
-            <a:schemeClr val="accent1"/>
-          </a:fillRef>
-          <a:effectRef idx="0">
-            <a:schemeClr val="accent1"/>
-          </a:effectRef>
-          <a:fontRef idx="minor">
-            <a:schemeClr val="tx1"/>
-          </a:fontRef>
-        </p:style>
-      </p:cxnSp>
-      <p:cxnSp>
-        <p:nvCxnSpPr>
-          <p:cNvPr id="27" name="直接箭头连接符 26">
-            <a:extLst>
-              <a:ext uri="{FF2B5EF4-FFF2-40B4-BE49-F238E27FC236}">
-                <a16:creationId xmlns:a16="http://schemas.microsoft.com/office/drawing/2014/main" id="{CD81C95B-03DE-4B68-B354-FFF8E7321BE6}"/>
-              </a:ext>
-            </a:extLst>
-          </p:cNvPr>
-          <p:cNvCxnSpPr>
-            <a:stCxn id="50" idx="2"/>
-            <a:endCxn id="66" idx="0"/>
-          </p:cNvCxnSpPr>
-          <p:nvPr/>
-        </p:nvCxnSpPr>
-        <p:spPr>
-          <a:xfrm flipH="1">
-            <a:off x="7372829" y="1404719"/>
-            <a:ext cx="456" cy="689616"/>
-          </a:xfrm>
-          <a:prstGeom prst="straightConnector1">
-            <a:avLst/>
-          </a:prstGeom>
-          <a:ln>
-            <a:solidFill>
-              <a:schemeClr val="accent5">
-                <a:lumMod val="40000"/>
-                <a:lumOff val="60000"/>
-              </a:schemeClr>
-            </a:solidFill>
-            <a:headEnd type="triangle"/>
-            <a:tailEnd type="triangle"/>
-          </a:ln>
-        </p:spPr>
-        <p:style>
-          <a:lnRef idx="1">
-            <a:schemeClr val="accent5"/>
-          </a:lnRef>
-          <a:fillRef idx="0">
-            <a:schemeClr val="accent5"/>
-          </a:fillRef>
-          <a:effectRef idx="0">
-            <a:schemeClr val="accent5"/>
+            <a:schemeClr val="accent1"/>
+          </a:fillRef>
+          <a:effectRef idx="0">
+            <a:schemeClr val="accent1"/>
           </a:effectRef>
           <a:fontRef idx="minor">
             <a:schemeClr val="tx1"/>

--- a/dc3/doc/framework/iot-dc3-architecture.pptx
+++ b/dc3/doc/framework/iot-dc3-architecture.pptx
@@ -21916,6 +21916,7 @@
               </a:avLst>
             </a:prstGeom>
             <a:noFill/>
+            <a:ln w="6350"/>
           </p:spPr>
           <p:style>
             <a:lnRef idx="2">
@@ -21982,6 +21983,7 @@
               </a:avLst>
             </a:prstGeom>
             <a:noFill/>
+            <a:ln w="6350"/>
           </p:spPr>
           <p:style>
             <a:lnRef idx="2">
@@ -22032,6 +22034,7 @@
               </a:avLst>
             </a:prstGeom>
             <a:noFill/>
+            <a:ln w="6350"/>
           </p:spPr>
           <p:style>
             <a:lnRef idx="2">
@@ -22087,6 +22090,7 @@
               </a:avLst>
             </a:prstGeom>
             <a:noFill/>
+            <a:ln w="6350"/>
           </p:spPr>
           <p:style>
             <a:lnRef idx="2">
@@ -22158,6 +22162,7 @@
               </a:avLst>
             </a:prstGeom>
             <a:noFill/>
+            <a:ln w="6350"/>
           </p:spPr>
           <p:style>
             <a:lnRef idx="2">
@@ -22213,6 +22218,7 @@
               </a:avLst>
             </a:prstGeom>
             <a:noFill/>
+            <a:ln w="6350"/>
           </p:spPr>
           <p:style>
             <a:lnRef idx="2">
@@ -22268,6 +22274,7 @@
               </a:avLst>
             </a:prstGeom>
             <a:noFill/>
+            <a:ln w="6350"/>
           </p:spPr>
           <p:style>
             <a:lnRef idx="2">
@@ -22323,7 +22330,7 @@
               <a:gd name="adj" fmla="val 7576"/>
             </a:avLst>
           </a:prstGeom>
-          <a:ln>
+          <a:ln w="6350">
             <a:solidFill>
               <a:schemeClr val="accent1">
                 <a:lumMod val="75000"/>
@@ -22443,6 +22450,7 @@
               </a:avLst>
             </a:prstGeom>
             <a:noFill/>
+            <a:ln w="6350"/>
           </p:spPr>
           <p:style>
             <a:lnRef idx="2">
@@ -22497,6 +22505,7 @@
                 <a:gd name="adj" fmla="val 7576"/>
               </a:avLst>
             </a:prstGeom>
+            <a:ln w="6350"/>
           </p:spPr>
           <p:style>
             <a:lnRef idx="2">
@@ -22549,6 +22558,7 @@
                 <a:gd name="adj" fmla="val 7576"/>
               </a:avLst>
             </a:prstGeom>
+            <a:ln w="6350"/>
           </p:spPr>
           <p:style>
             <a:lnRef idx="2">
@@ -22601,6 +22611,7 @@
                 <a:gd name="adj" fmla="val 7576"/>
               </a:avLst>
             </a:prstGeom>
+            <a:ln w="6350"/>
           </p:spPr>
           <p:style>
             <a:lnRef idx="2">
@@ -22653,6 +22664,7 @@
                 <a:gd name="adj" fmla="val 7576"/>
               </a:avLst>
             </a:prstGeom>
+            <a:ln w="6350"/>
           </p:spPr>
           <p:style>
             <a:lnRef idx="2">
@@ -22704,6 +22716,11 @@
               <a:avLst/>
             </a:prstGeom>
             <a:noFill/>
+            <a:ln w="6350">
+              <a:solidFill>
+                <a:schemeClr val="tx1"/>
+              </a:solidFill>
+            </a:ln>
           </p:spPr>
           <p:txBody>
             <a:bodyPr wrap="none" rtlCol="0">
@@ -22742,6 +22759,11 @@
               <a:avLst/>
             </a:prstGeom>
             <a:noFill/>
+            <a:ln w="6350">
+              <a:solidFill>
+                <a:schemeClr val="tx1"/>
+              </a:solidFill>
+            </a:ln>
           </p:spPr>
           <p:txBody>
             <a:bodyPr wrap="none" rtlCol="0">
@@ -22788,6 +22810,11 @@
               <a:avLst/>
             </a:prstGeom>
             <a:noFill/>
+            <a:ln w="6350">
+              <a:solidFill>
+                <a:schemeClr val="tx1"/>
+              </a:solidFill>
+            </a:ln>
           </p:spPr>
           <p:txBody>
             <a:bodyPr wrap="none" rtlCol="0">
@@ -22826,6 +22853,11 @@
               <a:avLst/>
             </a:prstGeom>
             <a:noFill/>
+            <a:ln w="6350">
+              <a:solidFill>
+                <a:schemeClr val="tx1"/>
+              </a:solidFill>
+            </a:ln>
           </p:spPr>
           <p:txBody>
             <a:bodyPr wrap="none" rtlCol="0">
@@ -22895,7 +22927,7 @@
               <a:avLst/>
             </a:prstGeom>
             <a:noFill/>
-            <a:ln>
+            <a:ln w="6350">
               <a:solidFill>
                 <a:schemeClr val="accent2"/>
               </a:solidFill>
@@ -22945,7 +22977,7 @@
               <a:avLst/>
             </a:prstGeom>
             <a:noFill/>
-            <a:ln>
+            <a:ln w="6350">
               <a:solidFill>
                 <a:schemeClr val="accent1"/>
               </a:solidFill>
@@ -23012,6 +23044,7 @@
               </a:avLst>
             </a:prstGeom>
             <a:noFill/>
+            <a:ln w="6350"/>
           </p:spPr>
           <p:style>
             <a:lnRef idx="2">
@@ -23067,6 +23100,7 @@
               </a:avLst>
             </a:prstGeom>
             <a:noFill/>
+            <a:ln w="6350"/>
           </p:spPr>
           <p:style>
             <a:lnRef idx="2">
@@ -23122,6 +23156,7 @@
               </a:avLst>
             </a:prstGeom>
             <a:noFill/>
+            <a:ln w="6350"/>
           </p:spPr>
           <p:style>
             <a:lnRef idx="2">
@@ -23175,7 +23210,7 @@
               <a:avLst/>
             </a:prstGeom>
             <a:noFill/>
-            <a:ln>
+            <a:ln w="6350">
               <a:solidFill>
                 <a:srgbClr val="FF0000"/>
               </a:solidFill>
@@ -23220,7 +23255,7 @@
             <a:prstGeom prst="line">
               <a:avLst/>
             </a:prstGeom>
-            <a:ln w="38100">
+            <a:ln w="6350">
               <a:solidFill>
                 <a:schemeClr val="accent6">
                   <a:lumMod val="60000"/>
@@ -23274,7 +23309,7 @@
               <a:avLst/>
             </a:prstGeom>
             <a:noFill/>
-            <a:ln>
+            <a:ln w="6350">
               <a:solidFill>
                 <a:schemeClr val="accent2"/>
               </a:solidFill>
@@ -23324,7 +23359,7 @@
               <a:avLst/>
             </a:prstGeom>
             <a:noFill/>
-            <a:ln>
+            <a:ln w="6350">
               <a:solidFill>
                 <a:schemeClr val="accent1"/>
               </a:solidFill>
@@ -23377,7 +23412,7 @@
             </a:avLst>
           </a:prstGeom>
           <a:noFill/>
-          <a:ln>
+          <a:ln w="6350">
             <a:solidFill>
               <a:schemeClr val="accent1">
                 <a:lumMod val="75000"/>
@@ -23483,7 +23518,7 @@
             </a:avLst>
           </a:prstGeom>
           <a:noFill/>
-          <a:ln>
+          <a:ln w="6350">
             <a:solidFill>
               <a:schemeClr val="accent1">
                 <a:lumMod val="75000"/>
@@ -23589,7 +23624,7 @@
             </a:avLst>
           </a:prstGeom>
           <a:noFill/>
-          <a:ln w="19050">
+          <a:ln w="6350">
             <a:solidFill>
               <a:srgbClr val="FFFF00"/>
             </a:solidFill>
@@ -23648,7 +23683,7 @@
           <a:prstGeom prst="straightConnector1">
             <a:avLst/>
           </a:prstGeom>
-          <a:ln w="3175">
+          <a:ln w="6350">
             <a:solidFill>
               <a:schemeClr val="accent6">
                 <a:lumMod val="60000"/>
@@ -23691,7 +23726,7 @@
           <a:prstGeom prst="straightConnector1">
             <a:avLst/>
           </a:prstGeom>
-          <a:ln w="3175">
+          <a:ln w="6350">
             <a:solidFill>
               <a:schemeClr val="accent6">
                 <a:lumMod val="60000"/>
@@ -23734,7 +23769,7 @@
           <a:prstGeom prst="straightConnector1">
             <a:avLst/>
           </a:prstGeom>
-          <a:ln w="3175">
+          <a:ln w="6350">
             <a:solidFill>
               <a:schemeClr val="accent6">
                 <a:lumMod val="60000"/>
@@ -23782,7 +23817,7 @@
               <a:lumOff val="80000"/>
             </a:schemeClr>
           </a:solidFill>
-          <a:ln>
+          <a:ln w="6350">
             <a:solidFill>
               <a:schemeClr val="accent5">
                 <a:lumMod val="75000"/>
@@ -23868,7 +23903,7 @@
           <a:prstGeom prst="straightConnector1">
             <a:avLst/>
           </a:prstGeom>
-          <a:ln w="3175">
+          <a:ln w="6350">
             <a:solidFill>
               <a:schemeClr val="accent4">
                 <a:lumMod val="60000"/>
@@ -23911,7 +23946,7 @@
           <a:prstGeom prst="straightConnector1">
             <a:avLst/>
           </a:prstGeom>
-          <a:ln w="3175">
+          <a:ln w="6350">
             <a:solidFill>
               <a:schemeClr val="accent4">
                 <a:lumMod val="60000"/>
@@ -23954,7 +23989,7 @@
           <a:prstGeom prst="straightConnector1">
             <a:avLst/>
           </a:prstGeom>
-          <a:ln w="3175">
+          <a:ln w="6350">
             <a:solidFill>
               <a:schemeClr val="accent4">
                 <a:lumMod val="60000"/>
@@ -23995,6 +24030,7 @@
             <a:avLst/>
           </a:prstGeom>
           <a:noFill/>
+          <a:ln w="6350"/>
         </p:spPr>
         <p:style>
           <a:lnRef idx="2">
@@ -24041,7 +24077,7 @@
               <a:gd name="adj" fmla="val 7576"/>
             </a:avLst>
           </a:prstGeom>
-          <a:ln>
+          <a:ln w="6350">
             <a:solidFill>
               <a:schemeClr val="bg1">
                 <a:lumMod val="85000"/>
@@ -24100,7 +24136,7 @@
               <a:gd name="adj" fmla="val 7576"/>
             </a:avLst>
           </a:prstGeom>
-          <a:ln>
+          <a:ln w="6350">
             <a:solidFill>
               <a:schemeClr val="bg1">
                 <a:lumMod val="85000"/>
@@ -24158,7 +24194,7 @@
             <a:avLst/>
           </a:prstGeom>
           <a:noFill/>
-          <a:ln>
+          <a:ln w="6350">
             <a:solidFill>
               <a:srgbClr val="FF0000"/>
             </a:solidFill>
@@ -24206,7 +24242,7 @@
           <a:prstGeom prst="straightConnector1">
             <a:avLst/>
           </a:prstGeom>
-          <a:ln w="3175">
+          <a:ln w="6350">
             <a:solidFill>
               <a:srgbClr val="00B0F0"/>
             </a:solidFill>
@@ -24247,7 +24283,7 @@
           <a:prstGeom prst="straightConnector1">
             <a:avLst/>
           </a:prstGeom>
-          <a:ln w="3175">
+          <a:ln w="6350">
             <a:solidFill>
               <a:srgbClr val="00B0F0"/>
             </a:solidFill>
@@ -24288,7 +24324,7 @@
           <a:prstGeom prst="straightConnector1">
             <a:avLst/>
           </a:prstGeom>
-          <a:ln w="3175">
+          <a:ln w="6350">
             <a:solidFill>
               <a:srgbClr val="00B0F0"/>
             </a:solidFill>
@@ -24329,7 +24365,7 @@
           <a:prstGeom prst="straightConnector1">
             <a:avLst/>
           </a:prstGeom>
-          <a:ln w="3175">
+          <a:ln w="6350">
             <a:solidFill>
               <a:srgbClr val="00B0F0"/>
             </a:solidFill>
@@ -24370,7 +24406,7 @@
           <a:prstGeom prst="straightConnector1">
             <a:avLst/>
           </a:prstGeom>
-          <a:ln w="3175">
+          <a:ln w="6350">
             <a:solidFill>
               <a:srgbClr val="00B0F0"/>
             </a:solidFill>
@@ -24410,7 +24446,7 @@
               <a:gd name="adj" fmla="val 7576"/>
             </a:avLst>
           </a:prstGeom>
-          <a:ln>
+          <a:ln w="6350">
             <a:solidFill>
               <a:schemeClr val="accent2"/>
             </a:solidFill>
@@ -24467,7 +24503,7 @@
               <a:gd name="adj" fmla="val 7576"/>
             </a:avLst>
           </a:prstGeom>
-          <a:ln>
+          <a:ln w="6350">
             <a:solidFill>
               <a:schemeClr val="accent2"/>
             </a:solidFill>
@@ -24524,7 +24560,7 @@
               <a:gd name="adj" fmla="val 7576"/>
             </a:avLst>
           </a:prstGeom>
-          <a:ln>
+          <a:ln w="6350">
             <a:solidFill>
               <a:schemeClr val="accent2"/>
             </a:solidFill>

--- a/dc3/doc/framework/iot-dc3-architecture.pptx
+++ b/dc3/doc/framework/iot-dc3-architecture.pptx
@@ -205,7 +205,7 @@
           <a:p>
             <a:fld id="{6EE3B9A8-D85C-445A-8AE4-653E2C11D910}" type="datetimeFigureOut">
               <a:rPr lang="zh-CN" altLang="en-US" smtClean="0"/>
-              <a:t>2020/2/22</a:t>
+              <a:t>2020/3/2</a:t>
             </a:fld>
             <a:endParaRPr lang="zh-CN" altLang="en-US"/>
           </a:p>
@@ -787,7 +787,7 @@
           <a:p>
             <a:fld id="{9BF28833-E291-4948-8DAA-251BCB67763B}" type="datetimeFigureOut">
               <a:rPr lang="zh-CN" altLang="en-US" smtClean="0"/>
-              <a:t>2020/2/22</a:t>
+              <a:t>2020/3/2</a:t>
             </a:fld>
             <a:endParaRPr lang="zh-CN" altLang="en-US"/>
           </a:p>
@@ -985,7 +985,7 @@
           <a:p>
             <a:fld id="{9BF28833-E291-4948-8DAA-251BCB67763B}" type="datetimeFigureOut">
               <a:rPr lang="zh-CN" altLang="en-US" smtClean="0"/>
-              <a:t>2020/2/22</a:t>
+              <a:t>2020/3/2</a:t>
             </a:fld>
             <a:endParaRPr lang="zh-CN" altLang="en-US"/>
           </a:p>
@@ -1193,7 +1193,7 @@
           <a:p>
             <a:fld id="{9BF28833-E291-4948-8DAA-251BCB67763B}" type="datetimeFigureOut">
               <a:rPr lang="zh-CN" altLang="en-US" smtClean="0"/>
-              <a:t>2020/2/22</a:t>
+              <a:t>2020/3/2</a:t>
             </a:fld>
             <a:endParaRPr lang="zh-CN" altLang="en-US"/>
           </a:p>
@@ -1391,7 +1391,7 @@
           <a:p>
             <a:fld id="{9BF28833-E291-4948-8DAA-251BCB67763B}" type="datetimeFigureOut">
               <a:rPr lang="zh-CN" altLang="en-US" smtClean="0"/>
-              <a:t>2020/2/22</a:t>
+              <a:t>2020/3/2</a:t>
             </a:fld>
             <a:endParaRPr lang="zh-CN" altLang="en-US"/>
           </a:p>
@@ -1666,7 +1666,7 @@
           <a:p>
             <a:fld id="{9BF28833-E291-4948-8DAA-251BCB67763B}" type="datetimeFigureOut">
               <a:rPr lang="zh-CN" altLang="en-US" smtClean="0"/>
-              <a:t>2020/2/22</a:t>
+              <a:t>2020/3/2</a:t>
             </a:fld>
             <a:endParaRPr lang="zh-CN" altLang="en-US"/>
           </a:p>
@@ -1931,7 +1931,7 @@
           <a:p>
             <a:fld id="{9BF28833-E291-4948-8DAA-251BCB67763B}" type="datetimeFigureOut">
               <a:rPr lang="zh-CN" altLang="en-US" smtClean="0"/>
-              <a:t>2020/2/22</a:t>
+              <a:t>2020/3/2</a:t>
             </a:fld>
             <a:endParaRPr lang="zh-CN" altLang="en-US"/>
           </a:p>
@@ -2343,7 +2343,7 @@
           <a:p>
             <a:fld id="{9BF28833-E291-4948-8DAA-251BCB67763B}" type="datetimeFigureOut">
               <a:rPr lang="zh-CN" altLang="en-US" smtClean="0"/>
-              <a:t>2020/2/22</a:t>
+              <a:t>2020/3/2</a:t>
             </a:fld>
             <a:endParaRPr lang="zh-CN" altLang="en-US"/>
           </a:p>
@@ -2484,7 +2484,7 @@
           <a:p>
             <a:fld id="{9BF28833-E291-4948-8DAA-251BCB67763B}" type="datetimeFigureOut">
               <a:rPr lang="zh-CN" altLang="en-US" smtClean="0"/>
-              <a:t>2020/2/22</a:t>
+              <a:t>2020/3/2</a:t>
             </a:fld>
             <a:endParaRPr lang="zh-CN" altLang="en-US"/>
           </a:p>
@@ -2597,7 +2597,7 @@
           <a:p>
             <a:fld id="{9BF28833-E291-4948-8DAA-251BCB67763B}" type="datetimeFigureOut">
               <a:rPr lang="zh-CN" altLang="en-US" smtClean="0"/>
-              <a:t>2020/2/22</a:t>
+              <a:t>2020/3/2</a:t>
             </a:fld>
             <a:endParaRPr lang="zh-CN" altLang="en-US"/>
           </a:p>
@@ -2908,7 +2908,7 @@
           <a:p>
             <a:fld id="{9BF28833-E291-4948-8DAA-251BCB67763B}" type="datetimeFigureOut">
               <a:rPr lang="zh-CN" altLang="en-US" smtClean="0"/>
-              <a:t>2020/2/22</a:t>
+              <a:t>2020/3/2</a:t>
             </a:fld>
             <a:endParaRPr lang="zh-CN" altLang="en-US"/>
           </a:p>
@@ -3196,7 +3196,7 @@
           <a:p>
             <a:fld id="{9BF28833-E291-4948-8DAA-251BCB67763B}" type="datetimeFigureOut">
               <a:rPr lang="zh-CN" altLang="en-US" smtClean="0"/>
-              <a:t>2020/2/22</a:t>
+              <a:t>2020/3/2</a:t>
             </a:fld>
             <a:endParaRPr lang="zh-CN" altLang="en-US"/>
           </a:p>
@@ -3437,7 +3437,7 @@
           <a:p>
             <a:fld id="{9BF28833-E291-4948-8DAA-251BCB67763B}" type="datetimeFigureOut">
               <a:rPr lang="zh-CN" altLang="en-US" smtClean="0"/>
-              <a:t>2020/2/22</a:t>
+              <a:t>2020/3/2</a:t>
             </a:fld>
             <a:endParaRPr lang="zh-CN" altLang="en-US"/>
           </a:p>
